--- a/Regresiones lineales y modelo.pptx
+++ b/Regresiones lineales y modelo.pptx
@@ -112,6 +112,11 @@
       </a:defRPr>
     </a:lvl9pPr>
   </p:defaultTextStyle>
+  <p:extLst>
+    <p:ext uri="{EFAFB233-063F-42B5-8137-9DF3F51BA10A}">
+      <p15:sldGuideLst xmlns:p15="http://schemas.microsoft.com/office/powerpoint/2012/main"/>
+    </p:ext>
+  </p:extLst>
 </p:presentation>
 </file>
 
@@ -264,7 +269,7 @@
           <a:p>
             <a:fld id="{53E4F345-E64C-4B17-AEB0-9F975538DF18}" type="datetimeFigureOut">
               <a:rPr lang="es-MX" smtClean="0"/>
-              <a:t>25/05/2023</a:t>
+              <a:t>26/05/2023</a:t>
             </a:fld>
             <a:endParaRPr lang="es-MX"/>
           </a:p>
@@ -464,7 +469,7 @@
           <a:p>
             <a:fld id="{53E4F345-E64C-4B17-AEB0-9F975538DF18}" type="datetimeFigureOut">
               <a:rPr lang="es-MX" smtClean="0"/>
-              <a:t>25/05/2023</a:t>
+              <a:t>26/05/2023</a:t>
             </a:fld>
             <a:endParaRPr lang="es-MX"/>
           </a:p>
@@ -674,7 +679,7 @@
           <a:p>
             <a:fld id="{53E4F345-E64C-4B17-AEB0-9F975538DF18}" type="datetimeFigureOut">
               <a:rPr lang="es-MX" smtClean="0"/>
-              <a:t>25/05/2023</a:t>
+              <a:t>26/05/2023</a:t>
             </a:fld>
             <a:endParaRPr lang="es-MX"/>
           </a:p>
@@ -874,7 +879,7 @@
           <a:p>
             <a:fld id="{53E4F345-E64C-4B17-AEB0-9F975538DF18}" type="datetimeFigureOut">
               <a:rPr lang="es-MX" smtClean="0"/>
-              <a:t>25/05/2023</a:t>
+              <a:t>26/05/2023</a:t>
             </a:fld>
             <a:endParaRPr lang="es-MX"/>
           </a:p>
@@ -1150,7 +1155,7 @@
           <a:p>
             <a:fld id="{53E4F345-E64C-4B17-AEB0-9F975538DF18}" type="datetimeFigureOut">
               <a:rPr lang="es-MX" smtClean="0"/>
-              <a:t>25/05/2023</a:t>
+              <a:t>26/05/2023</a:t>
             </a:fld>
             <a:endParaRPr lang="es-MX"/>
           </a:p>
@@ -1418,7 +1423,7 @@
           <a:p>
             <a:fld id="{53E4F345-E64C-4B17-AEB0-9F975538DF18}" type="datetimeFigureOut">
               <a:rPr lang="es-MX" smtClean="0"/>
-              <a:t>25/05/2023</a:t>
+              <a:t>26/05/2023</a:t>
             </a:fld>
             <a:endParaRPr lang="es-MX"/>
           </a:p>
@@ -1833,7 +1838,7 @@
           <a:p>
             <a:fld id="{53E4F345-E64C-4B17-AEB0-9F975538DF18}" type="datetimeFigureOut">
               <a:rPr lang="es-MX" smtClean="0"/>
-              <a:t>25/05/2023</a:t>
+              <a:t>26/05/2023</a:t>
             </a:fld>
             <a:endParaRPr lang="es-MX"/>
           </a:p>
@@ -1975,7 +1980,7 @@
           <a:p>
             <a:fld id="{53E4F345-E64C-4B17-AEB0-9F975538DF18}" type="datetimeFigureOut">
               <a:rPr lang="es-MX" smtClean="0"/>
-              <a:t>25/05/2023</a:t>
+              <a:t>26/05/2023</a:t>
             </a:fld>
             <a:endParaRPr lang="es-MX"/>
           </a:p>
@@ -2088,7 +2093,7 @@
           <a:p>
             <a:fld id="{53E4F345-E64C-4B17-AEB0-9F975538DF18}" type="datetimeFigureOut">
               <a:rPr lang="es-MX" smtClean="0"/>
-              <a:t>25/05/2023</a:t>
+              <a:t>26/05/2023</a:t>
             </a:fld>
             <a:endParaRPr lang="es-MX"/>
           </a:p>
@@ -2401,7 +2406,7 @@
           <a:p>
             <a:fld id="{53E4F345-E64C-4B17-AEB0-9F975538DF18}" type="datetimeFigureOut">
               <a:rPr lang="es-MX" smtClean="0"/>
-              <a:t>25/05/2023</a:t>
+              <a:t>26/05/2023</a:t>
             </a:fld>
             <a:endParaRPr lang="es-MX"/>
           </a:p>
@@ -2690,7 +2695,7 @@
           <a:p>
             <a:fld id="{53E4F345-E64C-4B17-AEB0-9F975538DF18}" type="datetimeFigureOut">
               <a:rPr lang="es-MX" smtClean="0"/>
-              <a:t>25/05/2023</a:t>
+              <a:t>26/05/2023</a:t>
             </a:fld>
             <a:endParaRPr lang="es-MX"/>
           </a:p>
@@ -2933,7 +2938,7 @@
           <a:p>
             <a:fld id="{53E4F345-E64C-4B17-AEB0-9F975538DF18}" type="datetimeFigureOut">
               <a:rPr lang="es-MX" smtClean="0"/>
-              <a:t>25/05/2023</a:t>
+              <a:t>26/05/2023</a:t>
             </a:fld>
             <a:endParaRPr lang="es-MX"/>
           </a:p>
@@ -3506,7 +3511,7 @@
           <p:nvPr>
             <p:extLst>
               <p:ext uri="{D42A27DB-BD31-4B8C-83A1-F6EECF244321}">
-                <p14:modId xmlns:p14="http://schemas.microsoft.com/office/powerpoint/2010/main" val="2564839628"/>
+                <p14:modId xmlns:p14="http://schemas.microsoft.com/office/powerpoint/2010/main" val="764160571"/>
               </p:ext>
             </p:extLst>
           </p:nvPr>
@@ -4572,12 +4577,87 @@
                     <a:p>
                       <a:pPr algn="ctr" fontAlgn="ctr"/>
                       <a:r>
-                        <a:rPr lang="es-ES" sz="1100" u="none" strike="noStrike">
-                          <a:effectLst/>
-                        </a:rPr>
-                        <a:t>value ~ EDAD + MoCA + CRI_Total + EDAD:CRI_Total +  MoCA:CRI_Total</a:t>
-                      </a:r>
-                      <a:endParaRPr lang="es-ES" sz="1100" b="0" i="0" u="none" strike="noStrike">
+                        <a:rPr lang="es-ES" sz="1100" u="none" strike="noStrike" dirty="0" err="1">
+                          <a:solidFill>
+                            <a:srgbClr val="FF0000"/>
+                          </a:solidFill>
+                          <a:effectLst/>
+                        </a:rPr>
+                        <a:t>value</a:t>
+                      </a:r>
+                      <a:r>
+                        <a:rPr lang="es-ES" sz="1100" u="none" strike="noStrike" dirty="0">
+                          <a:solidFill>
+                            <a:srgbClr val="FF0000"/>
+                          </a:solidFill>
+                          <a:effectLst/>
+                        </a:rPr>
+                        <a:t> ~ EDAD + </a:t>
+                      </a:r>
+                      <a:r>
+                        <a:rPr lang="es-ES" sz="1100" u="none" strike="noStrike" dirty="0" err="1">
+                          <a:solidFill>
+                            <a:srgbClr val="FF0000"/>
+                          </a:solidFill>
+                          <a:effectLst/>
+                        </a:rPr>
+                        <a:t>MoCA</a:t>
+                      </a:r>
+                      <a:r>
+                        <a:rPr lang="es-ES" sz="1100" u="none" strike="noStrike" dirty="0">
+                          <a:solidFill>
+                            <a:srgbClr val="FF0000"/>
+                          </a:solidFill>
+                          <a:effectLst/>
+                        </a:rPr>
+                        <a:t> + </a:t>
+                      </a:r>
+                      <a:r>
+                        <a:rPr lang="es-ES" sz="1100" u="none" strike="noStrike" dirty="0" err="1">
+                          <a:solidFill>
+                            <a:srgbClr val="FF0000"/>
+                          </a:solidFill>
+                          <a:effectLst/>
+                        </a:rPr>
+                        <a:t>CRI_Total</a:t>
+                      </a:r>
+                      <a:r>
+                        <a:rPr lang="es-ES" sz="1100" u="none" strike="noStrike" dirty="0">
+                          <a:solidFill>
+                            <a:srgbClr val="FF0000"/>
+                          </a:solidFill>
+                          <a:effectLst/>
+                        </a:rPr>
+                        <a:t> + </a:t>
+                      </a:r>
+                      <a:r>
+                        <a:rPr lang="es-ES" sz="1100" u="none" strike="noStrike" dirty="0" err="1">
+                          <a:solidFill>
+                            <a:srgbClr val="FF0000"/>
+                          </a:solidFill>
+                          <a:effectLst/>
+                        </a:rPr>
+                        <a:t>EDAD:CRI_Total</a:t>
+                      </a:r>
+                      <a:r>
+                        <a:rPr lang="es-ES" sz="1100" u="none" strike="noStrike" dirty="0">
+                          <a:solidFill>
+                            <a:srgbClr val="FF0000"/>
+                          </a:solidFill>
+                          <a:effectLst/>
+                        </a:rPr>
+                        <a:t> +  </a:t>
+                      </a:r>
+                      <a:r>
+                        <a:rPr lang="es-ES" sz="1100" u="none" strike="noStrike" dirty="0" err="1">
+                          <a:solidFill>
+                            <a:srgbClr val="FF0000"/>
+                          </a:solidFill>
+                          <a:effectLst/>
+                        </a:rPr>
+                        <a:t>MoCA:CRI_Total</a:t>
+                      </a:r>
+                      <a:endParaRPr lang="es-ES" sz="1100" b="0" i="0" u="none" strike="noStrike" dirty="0">
                         <a:solidFill>
                           <a:srgbClr val="FF0000"/>
                         </a:solidFill>
@@ -4632,10 +4712,139 @@
                     <a:p>
                       <a:pPr algn="ctr" fontAlgn="ctr"/>
                       <a:r>
+                        <a:rPr lang="es-MX" sz="1100" u="none" strike="noStrike" dirty="0">
+                          <a:solidFill>
+                            <a:srgbClr val="FF0000"/>
+                          </a:solidFill>
+                          <a:effectLst/>
+                        </a:rPr>
+                        <a:t>639.12</a:t>
+                      </a:r>
+                      <a:endParaRPr lang="es-MX" sz="1100" b="0" i="0" u="none" strike="noStrike" dirty="0">
+                        <a:solidFill>
+                          <a:srgbClr val="FF0000"/>
+                        </a:solidFill>
+                        <a:effectLst/>
+                        <a:latin typeface="Calibri" panose="020F0502020204030204" pitchFamily="34" charset="0"/>
+                      </a:endParaRPr>
+                    </a:p>
+                  </a:txBody>
+                  <a:tcPr marL="6881" marR="6881" marT="6881" marB="0" anchor="ctr">
+                    <a:lnL w="12700" cap="flat" cmpd="sng" algn="ctr">
+                      <a:solidFill>
+                        <a:schemeClr val="tx1"/>
+                      </a:solidFill>
+                      <a:prstDash val="solid"/>
+                      <a:round/>
+                      <a:headEnd type="none" w="med" len="med"/>
+                      <a:tailEnd type="none" w="med" len="med"/>
+                    </a:lnL>
+                    <a:lnR w="12700" cap="flat" cmpd="sng" algn="ctr">
+                      <a:solidFill>
+                        <a:schemeClr val="tx1"/>
+                      </a:solidFill>
+                      <a:prstDash val="solid"/>
+                      <a:round/>
+                      <a:headEnd type="none" w="med" len="med"/>
+                      <a:tailEnd type="none" w="med" len="med"/>
+                    </a:lnR>
+                    <a:lnT w="12700" cap="flat" cmpd="sng" algn="ctr">
+                      <a:solidFill>
+                        <a:schemeClr val="tx1"/>
+                      </a:solidFill>
+                      <a:prstDash val="solid"/>
+                      <a:round/>
+                      <a:headEnd type="none" w="med" len="med"/>
+                      <a:tailEnd type="none" w="med" len="med"/>
+                    </a:lnT>
+                    <a:lnB w="12700" cap="flat" cmpd="sng" algn="ctr">
+                      <a:solidFill>
+                        <a:schemeClr val="tx1"/>
+                      </a:solidFill>
+                      <a:prstDash val="solid"/>
+                      <a:round/>
+                      <a:headEnd type="none" w="med" len="med"/>
+                      <a:tailEnd type="none" w="med" len="med"/>
+                    </a:lnB>
+                  </a:tcPr>
+                </a:tc>
+                <a:tc>
+                  <a:txBody>
+                    <a:bodyPr/>
+                    <a:lstStyle/>
+                    <a:p>
+                      <a:pPr algn="ctr" fontAlgn="ctr"/>
+                      <a:r>
+                        <a:rPr lang="es-MX" sz="1100" u="none" strike="noStrike" dirty="0">
+                          <a:solidFill>
+                            <a:srgbClr val="FF0000"/>
+                          </a:solidFill>
+                          <a:effectLst/>
+                        </a:rPr>
+                        <a:t>7.101</a:t>
+                      </a:r>
+                      <a:endParaRPr lang="es-MX" sz="1100" b="0" i="0" u="none" strike="noStrike" dirty="0">
+                        <a:solidFill>
+                          <a:srgbClr val="FF0000"/>
+                        </a:solidFill>
+                        <a:effectLst/>
+                        <a:latin typeface="Calibri" panose="020F0502020204030204" pitchFamily="34" charset="0"/>
+                      </a:endParaRPr>
+                    </a:p>
+                  </a:txBody>
+                  <a:tcPr marL="6881" marR="6881" marT="6881" marB="0" anchor="ctr">
+                    <a:lnL w="12700" cap="flat" cmpd="sng" algn="ctr">
+                      <a:solidFill>
+                        <a:schemeClr val="tx1"/>
+                      </a:solidFill>
+                      <a:prstDash val="solid"/>
+                      <a:round/>
+                      <a:headEnd type="none" w="med" len="med"/>
+                      <a:tailEnd type="none" w="med" len="med"/>
+                    </a:lnL>
+                    <a:lnR w="12700" cap="flat" cmpd="sng" algn="ctr">
+                      <a:solidFill>
+                        <a:schemeClr val="tx1"/>
+                      </a:solidFill>
+                      <a:prstDash val="solid"/>
+                      <a:round/>
+                      <a:headEnd type="none" w="med" len="med"/>
+                      <a:tailEnd type="none" w="med" len="med"/>
+                    </a:lnR>
+                    <a:lnT w="12700" cap="flat" cmpd="sng" algn="ctr">
+                      <a:solidFill>
+                        <a:schemeClr val="tx1"/>
+                      </a:solidFill>
+                      <a:prstDash val="solid"/>
+                      <a:round/>
+                      <a:headEnd type="none" w="med" len="med"/>
+                      <a:tailEnd type="none" w="med" len="med"/>
+                    </a:lnT>
+                    <a:lnB w="12700" cap="flat" cmpd="sng" algn="ctr">
+                      <a:solidFill>
+                        <a:schemeClr val="tx1"/>
+                      </a:solidFill>
+                      <a:prstDash val="solid"/>
+                      <a:round/>
+                      <a:headEnd type="none" w="med" len="med"/>
+                      <a:tailEnd type="none" w="med" len="med"/>
+                    </a:lnB>
+                  </a:tcPr>
+                </a:tc>
+                <a:tc>
+                  <a:txBody>
+                    <a:bodyPr/>
+                    <a:lstStyle/>
+                    <a:p>
+                      <a:pPr algn="ctr" fontAlgn="ctr"/>
+                      <a:r>
                         <a:rPr lang="es-MX" sz="1100" u="none" strike="noStrike">
-                          <a:effectLst/>
-                        </a:rPr>
-                        <a:t>639.12</a:t>
+                          <a:solidFill>
+                            <a:srgbClr val="FF0000"/>
+                          </a:solidFill>
+                          <a:effectLst/>
+                        </a:rPr>
+                        <a:t>0.1284</a:t>
                       </a:r>
                       <a:endParaRPr lang="es-MX" sz="1100" b="0" i="0" u="none" strike="noStrike">
                         <a:solidFill>
@@ -4692,12 +4901,15 @@
                     <a:p>
                       <a:pPr algn="ctr" fontAlgn="ctr"/>
                       <a:r>
-                        <a:rPr lang="es-MX" sz="1100" u="none" strike="noStrike">
-                          <a:effectLst/>
-                        </a:rPr>
-                        <a:t>7.101</a:t>
-                      </a:r>
-                      <a:endParaRPr lang="es-MX" sz="1100" b="0" i="0" u="none" strike="noStrike">
+                        <a:rPr lang="es-MX" sz="1100" u="none" strike="noStrike" dirty="0">
+                          <a:solidFill>
+                            <a:srgbClr val="FF0000"/>
+                          </a:solidFill>
+                          <a:effectLst/>
+                        </a:rPr>
+                        <a:t>3.85E-06</a:t>
+                      </a:r>
+                      <a:endParaRPr lang="es-MX" sz="1100" b="0" i="0" u="none" strike="noStrike" dirty="0">
                         <a:solidFill>
                           <a:srgbClr val="FF0000"/>
                         </a:solidFill>
@@ -4752,12 +4964,51 @@
                     <a:p>
                       <a:pPr algn="ctr" fontAlgn="ctr"/>
                       <a:r>
-                        <a:rPr lang="es-MX" sz="1100" u="none" strike="noStrike">
-                          <a:effectLst/>
-                        </a:rPr>
-                        <a:t>0.1284</a:t>
-                      </a:r>
-                      <a:endParaRPr lang="es-MX" sz="1100" b="0" i="0" u="none" strike="noStrike">
+                        <a:rPr lang="es-ES" sz="1100" u="none" strike="noStrike" dirty="0" err="1">
+                          <a:solidFill>
+                            <a:srgbClr val="FF0000"/>
+                          </a:solidFill>
+                          <a:effectLst/>
+                        </a:rPr>
+                        <a:t>value</a:t>
+                      </a:r>
+                      <a:r>
+                        <a:rPr lang="es-ES" sz="1100" u="none" strike="noStrike" dirty="0">
+                          <a:solidFill>
+                            <a:srgbClr val="FF0000"/>
+                          </a:solidFill>
+                          <a:effectLst/>
+                        </a:rPr>
+                        <a:t> ~ EDAD * ESCOLARIDAD * </a:t>
+                      </a:r>
+                      <a:r>
+                        <a:rPr lang="es-ES" sz="1100" u="none" strike="noStrike" dirty="0" err="1">
+                          <a:solidFill>
+                            <a:srgbClr val="FF0000"/>
+                          </a:solidFill>
+                          <a:effectLst/>
+                        </a:rPr>
+                        <a:t>MoCA</a:t>
+                      </a:r>
+                      <a:r>
+                        <a:rPr lang="es-ES" sz="1100" u="none" strike="noStrike" dirty="0">
+                          <a:solidFill>
+                            <a:srgbClr val="FF0000"/>
+                          </a:solidFill>
+                          <a:effectLst/>
+                        </a:rPr>
+                        <a:t> * </a:t>
+                      </a:r>
+                      <a:r>
+                        <a:rPr lang="es-ES" sz="1100" u="none" strike="noStrike" dirty="0" err="1">
+                          <a:solidFill>
+                            <a:srgbClr val="FF0000"/>
+                          </a:solidFill>
+                          <a:effectLst/>
+                        </a:rPr>
+                        <a:t>CRI_Total</a:t>
+                      </a:r>
+                      <a:endParaRPr lang="es-ES" sz="1100" b="0" i="0" u="none" strike="noStrike" dirty="0">
                         <a:solidFill>
                           <a:srgbClr val="FF0000"/>
                         </a:solidFill>
@@ -4812,12 +5063,15 @@
                     <a:p>
                       <a:pPr algn="ctr" fontAlgn="ctr"/>
                       <a:r>
-                        <a:rPr lang="es-MX" sz="1100" u="none" strike="noStrike">
-                          <a:effectLst/>
-                        </a:rPr>
-                        <a:t>3.85E-06</a:t>
-                      </a:r>
-                      <a:endParaRPr lang="es-MX" sz="1100" b="0" i="0" u="none" strike="noStrike">
+                        <a:rPr lang="es-MX" sz="1100" u="none" strike="noStrike" dirty="0">
+                          <a:solidFill>
+                            <a:srgbClr val="FF0000"/>
+                          </a:solidFill>
+                          <a:effectLst/>
+                        </a:rPr>
+                        <a:t>516.77</a:t>
+                      </a:r>
+                      <a:endParaRPr lang="es-MX" sz="1100" b="0" i="0" u="none" strike="noStrike" dirty="0">
                         <a:solidFill>
                           <a:srgbClr val="FF0000"/>
                         </a:solidFill>
@@ -4872,12 +5126,15 @@
                     <a:p>
                       <a:pPr algn="ctr" fontAlgn="ctr"/>
                       <a:r>
-                        <a:rPr lang="es-ES" sz="1100" u="none" strike="noStrike">
-                          <a:effectLst/>
-                        </a:rPr>
-                        <a:t>value ~ EDAD * ESCOLARIDAD * MoCA * CRI_Total</a:t>
-                      </a:r>
-                      <a:endParaRPr lang="es-ES" sz="1100" b="0" i="0" u="none" strike="noStrike">
+                        <a:rPr lang="es-MX" sz="1100" u="none" strike="noStrike" dirty="0">
+                          <a:solidFill>
+                            <a:srgbClr val="FF0000"/>
+                          </a:solidFill>
+                          <a:effectLst/>
+                        </a:rPr>
+                        <a:t>5.653</a:t>
+                      </a:r>
+                      <a:endParaRPr lang="es-MX" sz="1100" b="0" i="0" u="none" strike="noStrike" dirty="0">
                         <a:solidFill>
                           <a:srgbClr val="FF0000"/>
                         </a:solidFill>
@@ -4932,12 +5189,15 @@
                     <a:p>
                       <a:pPr algn="ctr" fontAlgn="ctr"/>
                       <a:r>
-                        <a:rPr lang="es-MX" sz="1100" u="none" strike="noStrike">
-                          <a:effectLst/>
-                        </a:rPr>
-                        <a:t>516.77</a:t>
-                      </a:r>
-                      <a:endParaRPr lang="es-MX" sz="1100" b="0" i="0" u="none" strike="noStrike">
+                        <a:rPr lang="es-MX" sz="1100" u="none" strike="noStrike" dirty="0">
+                          <a:solidFill>
+                            <a:srgbClr val="FF0000"/>
+                          </a:solidFill>
+                          <a:effectLst/>
+                        </a:rPr>
+                        <a:t>0.2521</a:t>
+                      </a:r>
+                      <a:endParaRPr lang="es-MX" sz="1100" b="0" i="0" u="none" strike="noStrike" dirty="0">
                         <a:solidFill>
                           <a:srgbClr val="FF0000"/>
                         </a:solidFill>
@@ -4992,132 +5252,15 @@
                     <a:p>
                       <a:pPr algn="ctr" fontAlgn="ctr"/>
                       <a:r>
-                        <a:rPr lang="es-MX" sz="1100" u="none" strike="noStrike">
-                          <a:effectLst/>
-                        </a:rPr>
-                        <a:t>5.653</a:t>
-                      </a:r>
-                      <a:endParaRPr lang="es-MX" sz="1100" b="0" i="0" u="none" strike="noStrike">
-                        <a:solidFill>
-                          <a:srgbClr val="FF0000"/>
-                        </a:solidFill>
-                        <a:effectLst/>
-                        <a:latin typeface="Calibri" panose="020F0502020204030204" pitchFamily="34" charset="0"/>
-                      </a:endParaRPr>
-                    </a:p>
-                  </a:txBody>
-                  <a:tcPr marL="6881" marR="6881" marT="6881" marB="0" anchor="ctr">
-                    <a:lnL w="12700" cap="flat" cmpd="sng" algn="ctr">
-                      <a:solidFill>
-                        <a:schemeClr val="tx1"/>
-                      </a:solidFill>
-                      <a:prstDash val="solid"/>
-                      <a:round/>
-                      <a:headEnd type="none" w="med" len="med"/>
-                      <a:tailEnd type="none" w="med" len="med"/>
-                    </a:lnL>
-                    <a:lnR w="12700" cap="flat" cmpd="sng" algn="ctr">
-                      <a:solidFill>
-                        <a:schemeClr val="tx1"/>
-                      </a:solidFill>
-                      <a:prstDash val="solid"/>
-                      <a:round/>
-                      <a:headEnd type="none" w="med" len="med"/>
-                      <a:tailEnd type="none" w="med" len="med"/>
-                    </a:lnR>
-                    <a:lnT w="12700" cap="flat" cmpd="sng" algn="ctr">
-                      <a:solidFill>
-                        <a:schemeClr val="tx1"/>
-                      </a:solidFill>
-                      <a:prstDash val="solid"/>
-                      <a:round/>
-                      <a:headEnd type="none" w="med" len="med"/>
-                      <a:tailEnd type="none" w="med" len="med"/>
-                    </a:lnT>
-                    <a:lnB w="12700" cap="flat" cmpd="sng" algn="ctr">
-                      <a:solidFill>
-                        <a:schemeClr val="tx1"/>
-                      </a:solidFill>
-                      <a:prstDash val="solid"/>
-                      <a:round/>
-                      <a:headEnd type="none" w="med" len="med"/>
-                      <a:tailEnd type="none" w="med" len="med"/>
-                    </a:lnB>
-                  </a:tcPr>
-                </a:tc>
-                <a:tc>
-                  <a:txBody>
-                    <a:bodyPr/>
-                    <a:lstStyle/>
-                    <a:p>
-                      <a:pPr algn="ctr" fontAlgn="ctr"/>
-                      <a:r>
-                        <a:rPr lang="es-MX" sz="1100" u="none" strike="noStrike">
-                          <a:effectLst/>
-                        </a:rPr>
-                        <a:t>0.2521</a:t>
-                      </a:r>
-                      <a:endParaRPr lang="es-MX" sz="1100" b="0" i="0" u="none" strike="noStrike">
-                        <a:solidFill>
-                          <a:srgbClr val="FF0000"/>
-                        </a:solidFill>
-                        <a:effectLst/>
-                        <a:latin typeface="Calibri" panose="020F0502020204030204" pitchFamily="34" charset="0"/>
-                      </a:endParaRPr>
-                    </a:p>
-                  </a:txBody>
-                  <a:tcPr marL="6881" marR="6881" marT="6881" marB="0" anchor="ctr">
-                    <a:lnL w="12700" cap="flat" cmpd="sng" algn="ctr">
-                      <a:solidFill>
-                        <a:schemeClr val="tx1"/>
-                      </a:solidFill>
-                      <a:prstDash val="solid"/>
-                      <a:round/>
-                      <a:headEnd type="none" w="med" len="med"/>
-                      <a:tailEnd type="none" w="med" len="med"/>
-                    </a:lnL>
-                    <a:lnR w="12700" cap="flat" cmpd="sng" algn="ctr">
-                      <a:solidFill>
-                        <a:schemeClr val="tx1"/>
-                      </a:solidFill>
-                      <a:prstDash val="solid"/>
-                      <a:round/>
-                      <a:headEnd type="none" w="med" len="med"/>
-                      <a:tailEnd type="none" w="med" len="med"/>
-                    </a:lnR>
-                    <a:lnT w="12700" cap="flat" cmpd="sng" algn="ctr">
-                      <a:solidFill>
-                        <a:schemeClr val="tx1"/>
-                      </a:solidFill>
-                      <a:prstDash val="solid"/>
-                      <a:round/>
-                      <a:headEnd type="none" w="med" len="med"/>
-                      <a:tailEnd type="none" w="med" len="med"/>
-                    </a:lnT>
-                    <a:lnB w="12700" cap="flat" cmpd="sng" algn="ctr">
-                      <a:solidFill>
-                        <a:schemeClr val="tx1"/>
-                      </a:solidFill>
-                      <a:prstDash val="solid"/>
-                      <a:round/>
-                      <a:headEnd type="none" w="med" len="med"/>
-                      <a:tailEnd type="none" w="med" len="med"/>
-                    </a:lnB>
-                  </a:tcPr>
-                </a:tc>
-                <a:tc>
-                  <a:txBody>
-                    <a:bodyPr/>
-                    <a:lstStyle/>
-                    <a:p>
-                      <a:pPr algn="ctr" fontAlgn="ctr"/>
-                      <a:r>
-                        <a:rPr lang="es-MX" sz="1100" u="none" strike="noStrike">
+                        <a:rPr lang="es-MX" sz="1100" u="none" strike="noStrike" dirty="0">
+                          <a:solidFill>
+                            <a:srgbClr val="FF0000"/>
+                          </a:solidFill>
                           <a:effectLst/>
                         </a:rPr>
                         <a:t>1.59E-09</a:t>
                       </a:r>
-                      <a:endParaRPr lang="es-MX" sz="1100" b="0" i="0" u="none" strike="noStrike">
+                      <a:endParaRPr lang="es-MX" sz="1100" b="0" i="0" u="none" strike="noStrike" dirty="0">
                         <a:solidFill>
                           <a:srgbClr val="FF0000"/>
                         </a:solidFill>
@@ -5239,12 +5382,12 @@
                     <a:p>
                       <a:pPr algn="ctr" fontAlgn="b"/>
                       <a:r>
-                        <a:rPr lang="el-GR" sz="1100" u="none" strike="noStrike">
+                        <a:rPr lang="el-GR" sz="1100" u="none" strike="noStrike" dirty="0">
                           <a:effectLst/>
                         </a:rPr>
                         <a:t>β</a:t>
                       </a:r>
-                      <a:endParaRPr lang="el-GR" sz="1100" b="1" i="0" u="none" strike="noStrike">
+                      <a:endParaRPr lang="el-GR" sz="1100" b="1" i="0" u="none" strike="noStrike" dirty="0">
                         <a:solidFill>
                           <a:srgbClr val="000000"/>
                         </a:solidFill>
@@ -5309,12 +5452,12 @@
                     <a:p>
                       <a:pPr algn="ctr" fontAlgn="ctr"/>
                       <a:r>
-                        <a:rPr lang="es-MX" sz="1100" u="none" strike="noStrike">
+                        <a:rPr lang="es-MX" sz="1100" u="none" strike="noStrike" dirty="0">
                           <a:effectLst/>
                         </a:rPr>
                         <a:t>t</a:t>
                       </a:r>
-                      <a:endParaRPr lang="es-MX" sz="1100" b="1" i="0" u="none" strike="noStrike">
+                      <a:endParaRPr lang="es-MX" sz="1100" b="1" i="0" u="none" strike="noStrike" dirty="0">
                         <a:solidFill>
                           <a:srgbClr val="000000"/>
                         </a:solidFill>
@@ -6193,447 +6336,459 @@
                     <a:p>
                       <a:pPr algn="ctr" fontAlgn="ctr"/>
                       <a:r>
+                        <a:rPr lang="es-MX" sz="1100" u="none" strike="noStrike" dirty="0">
+                          <a:effectLst/>
+                        </a:rPr>
+                        <a:t>EDAD</a:t>
+                      </a:r>
+                      <a:endParaRPr lang="es-MX" sz="1100" b="0" i="0" u="none" strike="noStrike" dirty="0">
+                        <a:solidFill>
+                          <a:srgbClr val="000000"/>
+                        </a:solidFill>
+                        <a:effectLst/>
+                        <a:latin typeface="Calibri" panose="020F0502020204030204" pitchFamily="34" charset="0"/>
+                      </a:endParaRPr>
+                    </a:p>
+                  </a:txBody>
+                  <a:tcPr marL="6881" marR="6881" marT="6881" marB="0" anchor="ctr">
+                    <a:lnL w="12700" cap="flat" cmpd="sng" algn="ctr">
+                      <a:solidFill>
+                        <a:schemeClr val="tx1"/>
+                      </a:solidFill>
+                      <a:prstDash val="solid"/>
+                      <a:round/>
+                      <a:headEnd type="none" w="med" len="med"/>
+                      <a:tailEnd type="none" w="med" len="med"/>
+                    </a:lnL>
+                    <a:lnR w="12700" cap="flat" cmpd="sng" algn="ctr">
+                      <a:solidFill>
+                        <a:schemeClr val="tx1"/>
+                      </a:solidFill>
+                      <a:prstDash val="solid"/>
+                      <a:round/>
+                      <a:headEnd type="none" w="med" len="med"/>
+                      <a:tailEnd type="none" w="med" len="med"/>
+                    </a:lnR>
+                    <a:lnT w="12700" cap="flat" cmpd="sng" algn="ctr">
+                      <a:solidFill>
+                        <a:schemeClr val="tx1"/>
+                      </a:solidFill>
+                      <a:prstDash val="solid"/>
+                      <a:round/>
+                      <a:headEnd type="none" w="med" len="med"/>
+                      <a:tailEnd type="none" w="med" len="med"/>
+                    </a:lnT>
+                    <a:lnB w="12700" cap="flat" cmpd="sng" algn="ctr">
+                      <a:solidFill>
+                        <a:schemeClr val="tx1"/>
+                      </a:solidFill>
+                      <a:prstDash val="solid"/>
+                      <a:round/>
+                      <a:headEnd type="none" w="med" len="med"/>
+                      <a:tailEnd type="none" w="med" len="med"/>
+                    </a:lnB>
+                  </a:tcPr>
+                </a:tc>
+                <a:tc gridSpan="2">
+                  <a:txBody>
+                    <a:bodyPr/>
+                    <a:lstStyle/>
+                    <a:p>
+                      <a:pPr algn="ctr" fontAlgn="b"/>
+                      <a:r>
+                        <a:rPr lang="es-MX" sz="1100" u="none" strike="noStrike" dirty="0">
+                          <a:effectLst/>
+                        </a:rPr>
+                        <a:t>-0.232926</a:t>
+                      </a:r>
+                      <a:endParaRPr lang="es-MX" sz="1100" b="0" i="0" u="none" strike="noStrike" dirty="0">
+                        <a:solidFill>
+                          <a:srgbClr val="000000"/>
+                        </a:solidFill>
+                        <a:effectLst/>
+                        <a:latin typeface="Calibri" panose="020F0502020204030204" pitchFamily="34" charset="0"/>
+                      </a:endParaRPr>
+                    </a:p>
+                  </a:txBody>
+                  <a:tcPr marL="6881" marR="6881" marT="6881" marB="0" anchor="ctr">
+                    <a:lnL w="12700" cap="flat" cmpd="sng" algn="ctr">
+                      <a:solidFill>
+                        <a:schemeClr val="tx1"/>
+                      </a:solidFill>
+                      <a:prstDash val="solid"/>
+                      <a:round/>
+                      <a:headEnd type="none" w="med" len="med"/>
+                      <a:tailEnd type="none" w="med" len="med"/>
+                    </a:lnL>
+                    <a:lnR w="12700" cap="flat" cmpd="sng" algn="ctr">
+                      <a:solidFill>
+                        <a:schemeClr val="tx1"/>
+                      </a:solidFill>
+                      <a:prstDash val="solid"/>
+                      <a:round/>
+                      <a:headEnd type="none" w="med" len="med"/>
+                      <a:tailEnd type="none" w="med" len="med"/>
+                    </a:lnR>
+                    <a:lnT w="12700" cap="flat" cmpd="sng" algn="ctr">
+                      <a:solidFill>
+                        <a:schemeClr val="tx1"/>
+                      </a:solidFill>
+                      <a:prstDash val="solid"/>
+                      <a:round/>
+                      <a:headEnd type="none" w="med" len="med"/>
+                      <a:tailEnd type="none" w="med" len="med"/>
+                    </a:lnT>
+                    <a:lnB w="12700" cap="flat" cmpd="sng" algn="ctr">
+                      <a:solidFill>
+                        <a:schemeClr val="tx1"/>
+                      </a:solidFill>
+                      <a:prstDash val="solid"/>
+                      <a:round/>
+                      <a:headEnd type="none" w="med" len="med"/>
+                      <a:tailEnd type="none" w="med" len="med"/>
+                    </a:lnB>
+                  </a:tcPr>
+                </a:tc>
+                <a:tc hMerge="1">
+                  <a:txBody>
+                    <a:bodyPr/>
+                    <a:lstStyle/>
+                    <a:p>
+                      <a:endParaRPr lang="es-MX"/>
+                    </a:p>
+                  </a:txBody>
+                  <a:tcPr/>
+                </a:tc>
+                <a:tc>
+                  <a:txBody>
+                    <a:bodyPr/>
+                    <a:lstStyle/>
+                    <a:p>
+                      <a:pPr algn="ctr" fontAlgn="ctr"/>
+                      <a:r>
+                        <a:rPr lang="es-MX" sz="1100" u="none" strike="noStrike" dirty="0">
+                          <a:effectLst/>
+                        </a:rPr>
+                        <a:t>-1.385</a:t>
+                      </a:r>
+                      <a:endParaRPr lang="es-MX" sz="1100" b="0" i="0" u="none" strike="noStrike" dirty="0">
+                        <a:solidFill>
+                          <a:srgbClr val="000000"/>
+                        </a:solidFill>
+                        <a:effectLst/>
+                        <a:latin typeface="Calibri" panose="020F0502020204030204" pitchFamily="34" charset="0"/>
+                      </a:endParaRPr>
+                    </a:p>
+                  </a:txBody>
+                  <a:tcPr marL="6881" marR="6881" marT="6881" marB="0" anchor="ctr">
+                    <a:lnL w="12700" cap="flat" cmpd="sng" algn="ctr">
+                      <a:solidFill>
+                        <a:schemeClr val="tx1"/>
+                      </a:solidFill>
+                      <a:prstDash val="solid"/>
+                      <a:round/>
+                      <a:headEnd type="none" w="med" len="med"/>
+                      <a:tailEnd type="none" w="med" len="med"/>
+                    </a:lnL>
+                    <a:lnR w="12700" cap="flat" cmpd="sng" algn="ctr">
+                      <a:solidFill>
+                        <a:schemeClr val="tx1"/>
+                      </a:solidFill>
+                      <a:prstDash val="solid"/>
+                      <a:round/>
+                      <a:headEnd type="none" w="med" len="med"/>
+                      <a:tailEnd type="none" w="med" len="med"/>
+                    </a:lnR>
+                    <a:lnT w="12700" cap="flat" cmpd="sng" algn="ctr">
+                      <a:solidFill>
+                        <a:schemeClr val="tx1"/>
+                      </a:solidFill>
+                      <a:prstDash val="solid"/>
+                      <a:round/>
+                      <a:headEnd type="none" w="med" len="med"/>
+                      <a:tailEnd type="none" w="med" len="med"/>
+                    </a:lnT>
+                    <a:lnB w="12700" cap="flat" cmpd="sng" algn="ctr">
+                      <a:solidFill>
+                        <a:schemeClr val="tx1"/>
+                      </a:solidFill>
+                      <a:prstDash val="solid"/>
+                      <a:round/>
+                      <a:headEnd type="none" w="med" len="med"/>
+                      <a:tailEnd type="none" w="med" len="med"/>
+                    </a:lnB>
+                  </a:tcPr>
+                </a:tc>
+                <a:tc>
+                  <a:txBody>
+                    <a:bodyPr/>
+                    <a:lstStyle/>
+                    <a:p>
+                      <a:pPr algn="ctr" fontAlgn="ctr"/>
+                      <a:r>
+                        <a:rPr lang="es-MX" sz="1100" u="none" strike="noStrike" dirty="0">
+                          <a:effectLst/>
+                        </a:rPr>
+                        <a:t>0.16762</a:t>
+                      </a:r>
+                      <a:endParaRPr lang="es-MX" sz="1100" b="0" i="0" u="none" strike="noStrike" dirty="0">
+                        <a:solidFill>
+                          <a:srgbClr val="000000"/>
+                        </a:solidFill>
+                        <a:effectLst/>
+                        <a:latin typeface="Calibri" panose="020F0502020204030204" pitchFamily="34" charset="0"/>
+                      </a:endParaRPr>
+                    </a:p>
+                  </a:txBody>
+                  <a:tcPr marL="6881" marR="6881" marT="6881" marB="0" anchor="ctr">
+                    <a:lnL w="12700" cap="flat" cmpd="sng" algn="ctr">
+                      <a:solidFill>
+                        <a:schemeClr val="tx1"/>
+                      </a:solidFill>
+                      <a:prstDash val="solid"/>
+                      <a:round/>
+                      <a:headEnd type="none" w="med" len="med"/>
+                      <a:tailEnd type="none" w="med" len="med"/>
+                    </a:lnL>
+                    <a:lnR w="12700" cap="flat" cmpd="sng" algn="ctr">
+                      <a:solidFill>
+                        <a:schemeClr val="tx1"/>
+                      </a:solidFill>
+                      <a:prstDash val="solid"/>
+                      <a:round/>
+                      <a:headEnd type="none" w="med" len="med"/>
+                      <a:tailEnd type="none" w="med" len="med"/>
+                    </a:lnR>
+                    <a:lnT w="12700" cap="flat" cmpd="sng" algn="ctr">
+                      <a:solidFill>
+                        <a:schemeClr val="tx1"/>
+                      </a:solidFill>
+                      <a:prstDash val="solid"/>
+                      <a:round/>
+                      <a:headEnd type="none" w="med" len="med"/>
+                      <a:tailEnd type="none" w="med" len="med"/>
+                    </a:lnT>
+                    <a:lnB w="12700" cap="flat" cmpd="sng" algn="ctr">
+                      <a:solidFill>
+                        <a:schemeClr val="tx1"/>
+                      </a:solidFill>
+                      <a:prstDash val="solid"/>
+                      <a:round/>
+                      <a:headEnd type="none" w="med" len="med"/>
+                      <a:tailEnd type="none" w="med" len="med"/>
+                    </a:lnB>
+                  </a:tcPr>
+                </a:tc>
+                <a:tc>
+                  <a:txBody>
+                    <a:bodyPr/>
+                    <a:lstStyle/>
+                    <a:p>
+                      <a:pPr algn="ctr" fontAlgn="ctr"/>
+                      <a:r>
+                        <a:rPr lang="es-MX" sz="1100" u="none" strike="noStrike" dirty="0">
+                          <a:solidFill>
+                            <a:srgbClr val="FF0000"/>
+                          </a:solidFill>
+                          <a:effectLst/>
+                        </a:rPr>
+                        <a:t>EDAD </a:t>
+                      </a:r>
+                      <a:endParaRPr lang="es-MX" sz="1100" b="0" i="0" u="none" strike="noStrike" dirty="0">
+                        <a:solidFill>
+                          <a:srgbClr val="FF0000"/>
+                        </a:solidFill>
+                        <a:effectLst/>
+                        <a:latin typeface="Calibri" panose="020F0502020204030204" pitchFamily="34" charset="0"/>
+                      </a:endParaRPr>
+                    </a:p>
+                  </a:txBody>
+                  <a:tcPr marL="6881" marR="6881" marT="6881" marB="0" anchor="ctr">
+                    <a:lnL w="12700" cap="flat" cmpd="sng" algn="ctr">
+                      <a:solidFill>
+                        <a:schemeClr val="tx1"/>
+                      </a:solidFill>
+                      <a:prstDash val="solid"/>
+                      <a:round/>
+                      <a:headEnd type="none" w="med" len="med"/>
+                      <a:tailEnd type="none" w="med" len="med"/>
+                    </a:lnL>
+                    <a:lnR w="12700" cap="flat" cmpd="sng" algn="ctr">
+                      <a:solidFill>
+                        <a:schemeClr val="tx1"/>
+                      </a:solidFill>
+                      <a:prstDash val="solid"/>
+                      <a:round/>
+                      <a:headEnd type="none" w="med" len="med"/>
+                      <a:tailEnd type="none" w="med" len="med"/>
+                    </a:lnR>
+                    <a:lnT w="12700" cap="flat" cmpd="sng" algn="ctr">
+                      <a:solidFill>
+                        <a:schemeClr val="tx1"/>
+                      </a:solidFill>
+                      <a:prstDash val="solid"/>
+                      <a:round/>
+                      <a:headEnd type="none" w="med" len="med"/>
+                      <a:tailEnd type="none" w="med" len="med"/>
+                    </a:lnT>
+                    <a:lnB w="12700" cap="flat" cmpd="sng" algn="ctr">
+                      <a:solidFill>
+                        <a:schemeClr val="tx1"/>
+                      </a:solidFill>
+                      <a:prstDash val="solid"/>
+                      <a:round/>
+                      <a:headEnd type="none" w="med" len="med"/>
+                      <a:tailEnd type="none" w="med" len="med"/>
+                    </a:lnB>
+                  </a:tcPr>
+                </a:tc>
+                <a:tc gridSpan="2">
+                  <a:txBody>
+                    <a:bodyPr/>
+                    <a:lstStyle/>
+                    <a:p>
+                      <a:pPr algn="ctr" fontAlgn="b"/>
+                      <a:r>
+                        <a:rPr lang="es-MX" sz="1100" u="none" strike="noStrike" dirty="0">
+                          <a:solidFill>
+                            <a:srgbClr val="FF0000"/>
+                          </a:solidFill>
+                          <a:effectLst/>
+                        </a:rPr>
+                        <a:t>4.53E+01</a:t>
+                      </a:r>
+                      <a:endParaRPr lang="es-MX" sz="1100" b="0" i="0" u="none" strike="noStrike" dirty="0">
+                        <a:solidFill>
+                          <a:srgbClr val="FF0000"/>
+                        </a:solidFill>
+                        <a:effectLst/>
+                        <a:latin typeface="Calibri" panose="020F0502020204030204" pitchFamily="34" charset="0"/>
+                      </a:endParaRPr>
+                    </a:p>
+                  </a:txBody>
+                  <a:tcPr marL="6881" marR="6881" marT="6881" marB="0" anchor="ctr">
+                    <a:lnL w="12700" cap="flat" cmpd="sng" algn="ctr">
+                      <a:solidFill>
+                        <a:schemeClr val="tx1"/>
+                      </a:solidFill>
+                      <a:prstDash val="solid"/>
+                      <a:round/>
+                      <a:headEnd type="none" w="med" len="med"/>
+                      <a:tailEnd type="none" w="med" len="med"/>
+                    </a:lnL>
+                    <a:lnR w="12700" cap="flat" cmpd="sng" algn="ctr">
+                      <a:solidFill>
+                        <a:schemeClr val="tx1"/>
+                      </a:solidFill>
+                      <a:prstDash val="solid"/>
+                      <a:round/>
+                      <a:headEnd type="none" w="med" len="med"/>
+                      <a:tailEnd type="none" w="med" len="med"/>
+                    </a:lnR>
+                    <a:lnT w="12700" cap="flat" cmpd="sng" algn="ctr">
+                      <a:solidFill>
+                        <a:schemeClr val="tx1"/>
+                      </a:solidFill>
+                      <a:prstDash val="solid"/>
+                      <a:round/>
+                      <a:headEnd type="none" w="med" len="med"/>
+                      <a:tailEnd type="none" w="med" len="med"/>
+                    </a:lnT>
+                    <a:lnB w="12700" cap="flat" cmpd="sng" algn="ctr">
+                      <a:solidFill>
+                        <a:schemeClr val="tx1"/>
+                      </a:solidFill>
+                      <a:prstDash val="solid"/>
+                      <a:round/>
+                      <a:headEnd type="none" w="med" len="med"/>
+                      <a:tailEnd type="none" w="med" len="med"/>
+                    </a:lnB>
+                  </a:tcPr>
+                </a:tc>
+                <a:tc hMerge="1">
+                  <a:txBody>
+                    <a:bodyPr/>
+                    <a:lstStyle/>
+                    <a:p>
+                      <a:endParaRPr lang="es-MX"/>
+                    </a:p>
+                  </a:txBody>
+                  <a:tcPr/>
+                </a:tc>
+                <a:tc>
+                  <a:txBody>
+                    <a:bodyPr/>
+                    <a:lstStyle/>
+                    <a:p>
+                      <a:pPr algn="ctr" fontAlgn="ctr"/>
+                      <a:r>
+                        <a:rPr lang="es-MX" sz="1100" u="none" strike="noStrike" dirty="0">
+                          <a:solidFill>
+                            <a:srgbClr val="FF0000"/>
+                          </a:solidFill>
+                          <a:effectLst/>
+                        </a:rPr>
+                        <a:t>2.526</a:t>
+                      </a:r>
+                      <a:endParaRPr lang="es-MX" sz="1100" b="0" i="0" u="none" strike="noStrike" dirty="0">
+                        <a:solidFill>
+                          <a:srgbClr val="FF0000"/>
+                        </a:solidFill>
+                        <a:effectLst/>
+                        <a:latin typeface="Calibri" panose="020F0502020204030204" pitchFamily="34" charset="0"/>
+                      </a:endParaRPr>
+                    </a:p>
+                  </a:txBody>
+                  <a:tcPr marL="6881" marR="6881" marT="6881" marB="0" anchor="ctr">
+                    <a:lnL w="12700" cap="flat" cmpd="sng" algn="ctr">
+                      <a:solidFill>
+                        <a:schemeClr val="tx1"/>
+                      </a:solidFill>
+                      <a:prstDash val="solid"/>
+                      <a:round/>
+                      <a:headEnd type="none" w="med" len="med"/>
+                      <a:tailEnd type="none" w="med" len="med"/>
+                    </a:lnL>
+                    <a:lnR w="12700" cap="flat" cmpd="sng" algn="ctr">
+                      <a:solidFill>
+                        <a:schemeClr val="tx1"/>
+                      </a:solidFill>
+                      <a:prstDash val="solid"/>
+                      <a:round/>
+                      <a:headEnd type="none" w="med" len="med"/>
+                      <a:tailEnd type="none" w="med" len="med"/>
+                    </a:lnR>
+                    <a:lnT w="12700" cap="flat" cmpd="sng" algn="ctr">
+                      <a:solidFill>
+                        <a:schemeClr val="tx1"/>
+                      </a:solidFill>
+                      <a:prstDash val="solid"/>
+                      <a:round/>
+                      <a:headEnd type="none" w="med" len="med"/>
+                      <a:tailEnd type="none" w="med" len="med"/>
+                    </a:lnT>
+                    <a:lnB w="12700" cap="flat" cmpd="sng" algn="ctr">
+                      <a:solidFill>
+                        <a:schemeClr val="tx1"/>
+                      </a:solidFill>
+                      <a:prstDash val="solid"/>
+                      <a:round/>
+                      <a:headEnd type="none" w="med" len="med"/>
+                      <a:tailEnd type="none" w="med" len="med"/>
+                    </a:lnB>
+                  </a:tcPr>
+                </a:tc>
+                <a:tc>
+                  <a:txBody>
+                    <a:bodyPr/>
+                    <a:lstStyle/>
+                    <a:p>
+                      <a:pPr algn="ctr" fontAlgn="ctr"/>
+                      <a:r>
                         <a:rPr lang="es-MX" sz="1100" u="none" strike="noStrike">
-                          <a:effectLst/>
-                        </a:rPr>
-                        <a:t>EDAD</a:t>
-                      </a:r>
-                      <a:endParaRPr lang="es-MX" sz="1100" b="0" i="0" u="none" strike="noStrike">
-                        <a:solidFill>
-                          <a:srgbClr val="000000"/>
-                        </a:solidFill>
-                        <a:effectLst/>
-                        <a:latin typeface="Calibri" panose="020F0502020204030204" pitchFamily="34" charset="0"/>
-                      </a:endParaRPr>
-                    </a:p>
-                  </a:txBody>
-                  <a:tcPr marL="6881" marR="6881" marT="6881" marB="0" anchor="ctr">
-                    <a:lnL w="12700" cap="flat" cmpd="sng" algn="ctr">
-                      <a:solidFill>
-                        <a:schemeClr val="tx1"/>
-                      </a:solidFill>
-                      <a:prstDash val="solid"/>
-                      <a:round/>
-                      <a:headEnd type="none" w="med" len="med"/>
-                      <a:tailEnd type="none" w="med" len="med"/>
-                    </a:lnL>
-                    <a:lnR w="12700" cap="flat" cmpd="sng" algn="ctr">
-                      <a:solidFill>
-                        <a:schemeClr val="tx1"/>
-                      </a:solidFill>
-                      <a:prstDash val="solid"/>
-                      <a:round/>
-                      <a:headEnd type="none" w="med" len="med"/>
-                      <a:tailEnd type="none" w="med" len="med"/>
-                    </a:lnR>
-                    <a:lnT w="12700" cap="flat" cmpd="sng" algn="ctr">
-                      <a:solidFill>
-                        <a:schemeClr val="tx1"/>
-                      </a:solidFill>
-                      <a:prstDash val="solid"/>
-                      <a:round/>
-                      <a:headEnd type="none" w="med" len="med"/>
-                      <a:tailEnd type="none" w="med" len="med"/>
-                    </a:lnT>
-                    <a:lnB w="12700" cap="flat" cmpd="sng" algn="ctr">
-                      <a:solidFill>
-                        <a:schemeClr val="tx1"/>
-                      </a:solidFill>
-                      <a:prstDash val="solid"/>
-                      <a:round/>
-                      <a:headEnd type="none" w="med" len="med"/>
-                      <a:tailEnd type="none" w="med" len="med"/>
-                    </a:lnB>
-                  </a:tcPr>
-                </a:tc>
-                <a:tc gridSpan="2">
-                  <a:txBody>
-                    <a:bodyPr/>
-                    <a:lstStyle/>
-                    <a:p>
-                      <a:pPr algn="ctr" fontAlgn="b"/>
-                      <a:r>
-                        <a:rPr lang="es-MX" sz="1100" u="none" strike="noStrike">
-                          <a:effectLst/>
-                        </a:rPr>
-                        <a:t>-0.232926</a:t>
-                      </a:r>
-                      <a:endParaRPr lang="es-MX" sz="1100" b="0" i="0" u="none" strike="noStrike">
-                        <a:solidFill>
-                          <a:srgbClr val="000000"/>
-                        </a:solidFill>
-                        <a:effectLst/>
-                        <a:latin typeface="Calibri" panose="020F0502020204030204" pitchFamily="34" charset="0"/>
-                      </a:endParaRPr>
-                    </a:p>
-                  </a:txBody>
-                  <a:tcPr marL="6881" marR="6881" marT="6881" marB="0" anchor="ctr">
-                    <a:lnL w="12700" cap="flat" cmpd="sng" algn="ctr">
-                      <a:solidFill>
-                        <a:schemeClr val="tx1"/>
-                      </a:solidFill>
-                      <a:prstDash val="solid"/>
-                      <a:round/>
-                      <a:headEnd type="none" w="med" len="med"/>
-                      <a:tailEnd type="none" w="med" len="med"/>
-                    </a:lnL>
-                    <a:lnR w="12700" cap="flat" cmpd="sng" algn="ctr">
-                      <a:solidFill>
-                        <a:schemeClr val="tx1"/>
-                      </a:solidFill>
-                      <a:prstDash val="solid"/>
-                      <a:round/>
-                      <a:headEnd type="none" w="med" len="med"/>
-                      <a:tailEnd type="none" w="med" len="med"/>
-                    </a:lnR>
-                    <a:lnT w="12700" cap="flat" cmpd="sng" algn="ctr">
-                      <a:solidFill>
-                        <a:schemeClr val="tx1"/>
-                      </a:solidFill>
-                      <a:prstDash val="solid"/>
-                      <a:round/>
-                      <a:headEnd type="none" w="med" len="med"/>
-                      <a:tailEnd type="none" w="med" len="med"/>
-                    </a:lnT>
-                    <a:lnB w="12700" cap="flat" cmpd="sng" algn="ctr">
-                      <a:solidFill>
-                        <a:schemeClr val="tx1"/>
-                      </a:solidFill>
-                      <a:prstDash val="solid"/>
-                      <a:round/>
-                      <a:headEnd type="none" w="med" len="med"/>
-                      <a:tailEnd type="none" w="med" len="med"/>
-                    </a:lnB>
-                  </a:tcPr>
-                </a:tc>
-                <a:tc hMerge="1">
-                  <a:txBody>
-                    <a:bodyPr/>
-                    <a:lstStyle/>
-                    <a:p>
-                      <a:endParaRPr lang="es-MX"/>
-                    </a:p>
-                  </a:txBody>
-                  <a:tcPr/>
-                </a:tc>
-                <a:tc>
-                  <a:txBody>
-                    <a:bodyPr/>
-                    <a:lstStyle/>
-                    <a:p>
-                      <a:pPr algn="ctr" fontAlgn="ctr"/>
-                      <a:r>
-                        <a:rPr lang="es-MX" sz="1100" u="none" strike="noStrike">
-                          <a:effectLst/>
-                        </a:rPr>
-                        <a:t>-1.385</a:t>
-                      </a:r>
-                      <a:endParaRPr lang="es-MX" sz="1100" b="0" i="0" u="none" strike="noStrike">
-                        <a:solidFill>
-                          <a:srgbClr val="000000"/>
-                        </a:solidFill>
-                        <a:effectLst/>
-                        <a:latin typeface="Calibri" panose="020F0502020204030204" pitchFamily="34" charset="0"/>
-                      </a:endParaRPr>
-                    </a:p>
-                  </a:txBody>
-                  <a:tcPr marL="6881" marR="6881" marT="6881" marB="0" anchor="ctr">
-                    <a:lnL w="12700" cap="flat" cmpd="sng" algn="ctr">
-                      <a:solidFill>
-                        <a:schemeClr val="tx1"/>
-                      </a:solidFill>
-                      <a:prstDash val="solid"/>
-                      <a:round/>
-                      <a:headEnd type="none" w="med" len="med"/>
-                      <a:tailEnd type="none" w="med" len="med"/>
-                    </a:lnL>
-                    <a:lnR w="12700" cap="flat" cmpd="sng" algn="ctr">
-                      <a:solidFill>
-                        <a:schemeClr val="tx1"/>
-                      </a:solidFill>
-                      <a:prstDash val="solid"/>
-                      <a:round/>
-                      <a:headEnd type="none" w="med" len="med"/>
-                      <a:tailEnd type="none" w="med" len="med"/>
-                    </a:lnR>
-                    <a:lnT w="12700" cap="flat" cmpd="sng" algn="ctr">
-                      <a:solidFill>
-                        <a:schemeClr val="tx1"/>
-                      </a:solidFill>
-                      <a:prstDash val="solid"/>
-                      <a:round/>
-                      <a:headEnd type="none" w="med" len="med"/>
-                      <a:tailEnd type="none" w="med" len="med"/>
-                    </a:lnT>
-                    <a:lnB w="12700" cap="flat" cmpd="sng" algn="ctr">
-                      <a:solidFill>
-                        <a:schemeClr val="tx1"/>
-                      </a:solidFill>
-                      <a:prstDash val="solid"/>
-                      <a:round/>
-                      <a:headEnd type="none" w="med" len="med"/>
-                      <a:tailEnd type="none" w="med" len="med"/>
-                    </a:lnB>
-                  </a:tcPr>
-                </a:tc>
-                <a:tc>
-                  <a:txBody>
-                    <a:bodyPr/>
-                    <a:lstStyle/>
-                    <a:p>
-                      <a:pPr algn="ctr" fontAlgn="ctr"/>
-                      <a:r>
-                        <a:rPr lang="es-MX" sz="1100" u="none" strike="noStrike">
-                          <a:effectLst/>
-                        </a:rPr>
-                        <a:t>0.16762</a:t>
-                      </a:r>
-                      <a:endParaRPr lang="es-MX" sz="1100" b="0" i="0" u="none" strike="noStrike">
-                        <a:solidFill>
-                          <a:srgbClr val="000000"/>
-                        </a:solidFill>
-                        <a:effectLst/>
-                        <a:latin typeface="Calibri" panose="020F0502020204030204" pitchFamily="34" charset="0"/>
-                      </a:endParaRPr>
-                    </a:p>
-                  </a:txBody>
-                  <a:tcPr marL="6881" marR="6881" marT="6881" marB="0" anchor="ctr">
-                    <a:lnL w="12700" cap="flat" cmpd="sng" algn="ctr">
-                      <a:solidFill>
-                        <a:schemeClr val="tx1"/>
-                      </a:solidFill>
-                      <a:prstDash val="solid"/>
-                      <a:round/>
-                      <a:headEnd type="none" w="med" len="med"/>
-                      <a:tailEnd type="none" w="med" len="med"/>
-                    </a:lnL>
-                    <a:lnR w="12700" cap="flat" cmpd="sng" algn="ctr">
-                      <a:solidFill>
-                        <a:schemeClr val="tx1"/>
-                      </a:solidFill>
-                      <a:prstDash val="solid"/>
-                      <a:round/>
-                      <a:headEnd type="none" w="med" len="med"/>
-                      <a:tailEnd type="none" w="med" len="med"/>
-                    </a:lnR>
-                    <a:lnT w="12700" cap="flat" cmpd="sng" algn="ctr">
-                      <a:solidFill>
-                        <a:schemeClr val="tx1"/>
-                      </a:solidFill>
-                      <a:prstDash val="solid"/>
-                      <a:round/>
-                      <a:headEnd type="none" w="med" len="med"/>
-                      <a:tailEnd type="none" w="med" len="med"/>
-                    </a:lnT>
-                    <a:lnB w="12700" cap="flat" cmpd="sng" algn="ctr">
-                      <a:solidFill>
-                        <a:schemeClr val="tx1"/>
-                      </a:solidFill>
-                      <a:prstDash val="solid"/>
-                      <a:round/>
-                      <a:headEnd type="none" w="med" len="med"/>
-                      <a:tailEnd type="none" w="med" len="med"/>
-                    </a:lnB>
-                  </a:tcPr>
-                </a:tc>
-                <a:tc>
-                  <a:txBody>
-                    <a:bodyPr/>
-                    <a:lstStyle/>
-                    <a:p>
-                      <a:pPr algn="ctr" fontAlgn="ctr"/>
-                      <a:r>
-                        <a:rPr lang="es-MX" sz="1100" u="none" strike="noStrike">
-                          <a:effectLst/>
-                        </a:rPr>
-                        <a:t>EDAD </a:t>
-                      </a:r>
-                      <a:endParaRPr lang="es-MX" sz="1100" b="0" i="0" u="none" strike="noStrike">
-                        <a:solidFill>
-                          <a:srgbClr val="FF0000"/>
-                        </a:solidFill>
-                        <a:effectLst/>
-                        <a:latin typeface="Calibri" panose="020F0502020204030204" pitchFamily="34" charset="0"/>
-                      </a:endParaRPr>
-                    </a:p>
-                  </a:txBody>
-                  <a:tcPr marL="6881" marR="6881" marT="6881" marB="0" anchor="ctr">
-                    <a:lnL w="12700" cap="flat" cmpd="sng" algn="ctr">
-                      <a:solidFill>
-                        <a:schemeClr val="tx1"/>
-                      </a:solidFill>
-                      <a:prstDash val="solid"/>
-                      <a:round/>
-                      <a:headEnd type="none" w="med" len="med"/>
-                      <a:tailEnd type="none" w="med" len="med"/>
-                    </a:lnL>
-                    <a:lnR w="12700" cap="flat" cmpd="sng" algn="ctr">
-                      <a:solidFill>
-                        <a:schemeClr val="tx1"/>
-                      </a:solidFill>
-                      <a:prstDash val="solid"/>
-                      <a:round/>
-                      <a:headEnd type="none" w="med" len="med"/>
-                      <a:tailEnd type="none" w="med" len="med"/>
-                    </a:lnR>
-                    <a:lnT w="12700" cap="flat" cmpd="sng" algn="ctr">
-                      <a:solidFill>
-                        <a:schemeClr val="tx1"/>
-                      </a:solidFill>
-                      <a:prstDash val="solid"/>
-                      <a:round/>
-                      <a:headEnd type="none" w="med" len="med"/>
-                      <a:tailEnd type="none" w="med" len="med"/>
-                    </a:lnT>
-                    <a:lnB w="12700" cap="flat" cmpd="sng" algn="ctr">
-                      <a:solidFill>
-                        <a:schemeClr val="tx1"/>
-                      </a:solidFill>
-                      <a:prstDash val="solid"/>
-                      <a:round/>
-                      <a:headEnd type="none" w="med" len="med"/>
-                      <a:tailEnd type="none" w="med" len="med"/>
-                    </a:lnB>
-                  </a:tcPr>
-                </a:tc>
-                <a:tc gridSpan="2">
-                  <a:txBody>
-                    <a:bodyPr/>
-                    <a:lstStyle/>
-                    <a:p>
-                      <a:pPr algn="ctr" fontAlgn="b"/>
-                      <a:r>
-                        <a:rPr lang="es-MX" sz="1100" u="none" strike="noStrike">
-                          <a:effectLst/>
-                        </a:rPr>
-                        <a:t>4.53E+01</a:t>
-                      </a:r>
-                      <a:endParaRPr lang="es-MX" sz="1100" b="0" i="0" u="none" strike="noStrike">
-                        <a:solidFill>
-                          <a:srgbClr val="000000"/>
-                        </a:solidFill>
-                        <a:effectLst/>
-                        <a:latin typeface="Calibri" panose="020F0502020204030204" pitchFamily="34" charset="0"/>
-                      </a:endParaRPr>
-                    </a:p>
-                  </a:txBody>
-                  <a:tcPr marL="6881" marR="6881" marT="6881" marB="0" anchor="ctr">
-                    <a:lnL w="12700" cap="flat" cmpd="sng" algn="ctr">
-                      <a:solidFill>
-                        <a:schemeClr val="tx1"/>
-                      </a:solidFill>
-                      <a:prstDash val="solid"/>
-                      <a:round/>
-                      <a:headEnd type="none" w="med" len="med"/>
-                      <a:tailEnd type="none" w="med" len="med"/>
-                    </a:lnL>
-                    <a:lnR w="12700" cap="flat" cmpd="sng" algn="ctr">
-                      <a:solidFill>
-                        <a:schemeClr val="tx1"/>
-                      </a:solidFill>
-                      <a:prstDash val="solid"/>
-                      <a:round/>
-                      <a:headEnd type="none" w="med" len="med"/>
-                      <a:tailEnd type="none" w="med" len="med"/>
-                    </a:lnR>
-                    <a:lnT w="12700" cap="flat" cmpd="sng" algn="ctr">
-                      <a:solidFill>
-                        <a:schemeClr val="tx1"/>
-                      </a:solidFill>
-                      <a:prstDash val="solid"/>
-                      <a:round/>
-                      <a:headEnd type="none" w="med" len="med"/>
-                      <a:tailEnd type="none" w="med" len="med"/>
-                    </a:lnT>
-                    <a:lnB w="12700" cap="flat" cmpd="sng" algn="ctr">
-                      <a:solidFill>
-                        <a:schemeClr val="tx1"/>
-                      </a:solidFill>
-                      <a:prstDash val="solid"/>
-                      <a:round/>
-                      <a:headEnd type="none" w="med" len="med"/>
-                      <a:tailEnd type="none" w="med" len="med"/>
-                    </a:lnB>
-                  </a:tcPr>
-                </a:tc>
-                <a:tc hMerge="1">
-                  <a:txBody>
-                    <a:bodyPr/>
-                    <a:lstStyle/>
-                    <a:p>
-                      <a:endParaRPr lang="es-MX"/>
-                    </a:p>
-                  </a:txBody>
-                  <a:tcPr/>
-                </a:tc>
-                <a:tc>
-                  <a:txBody>
-                    <a:bodyPr/>
-                    <a:lstStyle/>
-                    <a:p>
-                      <a:pPr algn="ctr" fontAlgn="ctr"/>
-                      <a:r>
-                        <a:rPr lang="es-MX" sz="1100" u="none" strike="noStrike">
-                          <a:effectLst/>
-                        </a:rPr>
-                        <a:t>2.526</a:t>
-                      </a:r>
-                      <a:endParaRPr lang="es-MX" sz="1100" b="0" i="0" u="none" strike="noStrike">
-                        <a:solidFill>
-                          <a:srgbClr val="FF0000"/>
-                        </a:solidFill>
-                        <a:effectLst/>
-                        <a:latin typeface="Calibri" panose="020F0502020204030204" pitchFamily="34" charset="0"/>
-                      </a:endParaRPr>
-                    </a:p>
-                  </a:txBody>
-                  <a:tcPr marL="6881" marR="6881" marT="6881" marB="0" anchor="ctr">
-                    <a:lnL w="12700" cap="flat" cmpd="sng" algn="ctr">
-                      <a:solidFill>
-                        <a:schemeClr val="tx1"/>
-                      </a:solidFill>
-                      <a:prstDash val="solid"/>
-                      <a:round/>
-                      <a:headEnd type="none" w="med" len="med"/>
-                      <a:tailEnd type="none" w="med" len="med"/>
-                    </a:lnL>
-                    <a:lnR w="12700" cap="flat" cmpd="sng" algn="ctr">
-                      <a:solidFill>
-                        <a:schemeClr val="tx1"/>
-                      </a:solidFill>
-                      <a:prstDash val="solid"/>
-                      <a:round/>
-                      <a:headEnd type="none" w="med" len="med"/>
-                      <a:tailEnd type="none" w="med" len="med"/>
-                    </a:lnR>
-                    <a:lnT w="12700" cap="flat" cmpd="sng" algn="ctr">
-                      <a:solidFill>
-                        <a:schemeClr val="tx1"/>
-                      </a:solidFill>
-                      <a:prstDash val="solid"/>
-                      <a:round/>
-                      <a:headEnd type="none" w="med" len="med"/>
-                      <a:tailEnd type="none" w="med" len="med"/>
-                    </a:lnT>
-                    <a:lnB w="12700" cap="flat" cmpd="sng" algn="ctr">
-                      <a:solidFill>
-                        <a:schemeClr val="tx1"/>
-                      </a:solidFill>
-                      <a:prstDash val="solid"/>
-                      <a:round/>
-                      <a:headEnd type="none" w="med" len="med"/>
-                      <a:tailEnd type="none" w="med" len="med"/>
-                    </a:lnB>
-                  </a:tcPr>
-                </a:tc>
-                <a:tc>
-                  <a:txBody>
-                    <a:bodyPr/>
-                    <a:lstStyle/>
-                    <a:p>
-                      <a:pPr algn="ctr" fontAlgn="ctr"/>
-                      <a:r>
-                        <a:rPr lang="es-MX" sz="1100" u="none" strike="noStrike">
+                          <a:solidFill>
+                            <a:srgbClr val="FF0000"/>
+                          </a:solidFill>
                           <a:effectLst/>
                         </a:rPr>
                         <a:t>0.01235</a:t>
@@ -6951,6 +7106,9 @@
                       <a:pPr algn="ctr" fontAlgn="ctr"/>
                       <a:r>
                         <a:rPr lang="es-MX" sz="1100" u="none" strike="noStrike">
+                          <a:solidFill>
+                            <a:srgbClr val="FF0000"/>
+                          </a:solidFill>
                           <a:effectLst/>
                         </a:rPr>
                         <a:t>ESCOLARIDAD</a:t>
@@ -7011,13 +7169,16 @@
                       <a:pPr algn="ctr" fontAlgn="b"/>
                       <a:r>
                         <a:rPr lang="es-MX" sz="1100" u="none" strike="noStrike">
+                          <a:solidFill>
+                            <a:srgbClr val="FF0000"/>
+                          </a:solidFill>
                           <a:effectLst/>
                         </a:rPr>
                         <a:t>1.76E+02</a:t>
                       </a:r>
                       <a:endParaRPr lang="es-MX" sz="1100" b="0" i="0" u="none" strike="noStrike">
                         <a:solidFill>
-                          <a:srgbClr val="000000"/>
+                          <a:srgbClr val="FF0000"/>
                         </a:solidFill>
                         <a:effectLst/>
                         <a:latin typeface="Calibri" panose="020F0502020204030204" pitchFamily="34" charset="0"/>
@@ -7080,12 +7241,15 @@
                     <a:p>
                       <a:pPr algn="ctr" fontAlgn="ctr"/>
                       <a:r>
-                        <a:rPr lang="es-MX" sz="1100" u="none" strike="noStrike">
+                        <a:rPr lang="es-MX" sz="1100" u="none" strike="noStrike" dirty="0">
+                          <a:solidFill>
+                            <a:srgbClr val="FF0000"/>
+                          </a:solidFill>
                           <a:effectLst/>
                         </a:rPr>
                         <a:t>3.098</a:t>
                       </a:r>
-                      <a:endParaRPr lang="es-MX" sz="1100" b="0" i="0" u="none" strike="noStrike">
+                      <a:endParaRPr lang="es-MX" sz="1100" b="0" i="0" u="none" strike="noStrike" dirty="0">
                         <a:solidFill>
                           <a:srgbClr val="FF0000"/>
                         </a:solidFill>
@@ -7140,12 +7304,15 @@
                     <a:p>
                       <a:pPr algn="ctr" fontAlgn="ctr"/>
                       <a:r>
-                        <a:rPr lang="es-MX" sz="1100" u="none" strike="noStrike">
+                        <a:rPr lang="es-MX" sz="1100" u="none" strike="noStrike" dirty="0">
+                          <a:solidFill>
+                            <a:srgbClr val="FF0000"/>
+                          </a:solidFill>
                           <a:effectLst/>
                         </a:rPr>
                         <a:t>0.00224</a:t>
                       </a:r>
-                      <a:endParaRPr lang="es-MX" sz="1100" b="0" i="0" u="none" strike="noStrike">
+                      <a:endParaRPr lang="es-MX" sz="1100" b="0" i="0" u="none" strike="noStrike" dirty="0">
                         <a:solidFill>
                           <a:srgbClr val="FF0000"/>
                         </a:solidFill>
@@ -7207,10 +7374,284 @@
                     <a:p>
                       <a:pPr algn="ctr" fontAlgn="ctr"/>
                       <a:r>
+                        <a:rPr lang="es-MX" sz="1100" u="none" strike="noStrike" dirty="0" err="1">
+                          <a:solidFill>
+                            <a:srgbClr val="FF0000"/>
+                          </a:solidFill>
+                          <a:effectLst/>
+                        </a:rPr>
+                        <a:t>MoCA</a:t>
+                      </a:r>
+                      <a:r>
+                        <a:rPr lang="es-MX" sz="1100" u="none" strike="noStrike" dirty="0">
+                          <a:solidFill>
+                            <a:srgbClr val="FF0000"/>
+                          </a:solidFill>
+                          <a:effectLst/>
+                        </a:rPr>
+                        <a:t> </a:t>
+                      </a:r>
+                      <a:endParaRPr lang="es-MX" sz="1100" b="0" i="0" u="none" strike="noStrike" dirty="0">
+                        <a:solidFill>
+                          <a:srgbClr val="FF0000"/>
+                        </a:solidFill>
+                        <a:effectLst/>
+                        <a:latin typeface="Calibri" panose="020F0502020204030204" pitchFamily="34" charset="0"/>
+                      </a:endParaRPr>
+                    </a:p>
+                  </a:txBody>
+                  <a:tcPr marL="6881" marR="6881" marT="6881" marB="0" anchor="ctr">
+                    <a:lnL w="12700" cap="flat" cmpd="sng" algn="ctr">
+                      <a:solidFill>
+                        <a:schemeClr val="tx1"/>
+                      </a:solidFill>
+                      <a:prstDash val="solid"/>
+                      <a:round/>
+                      <a:headEnd type="none" w="med" len="med"/>
+                      <a:tailEnd type="none" w="med" len="med"/>
+                    </a:lnL>
+                    <a:lnR w="12700" cap="flat" cmpd="sng" algn="ctr">
+                      <a:solidFill>
+                        <a:schemeClr val="tx1"/>
+                      </a:solidFill>
+                      <a:prstDash val="solid"/>
+                      <a:round/>
+                      <a:headEnd type="none" w="med" len="med"/>
+                      <a:tailEnd type="none" w="med" len="med"/>
+                    </a:lnR>
+                    <a:lnT w="12700" cap="flat" cmpd="sng" algn="ctr">
+                      <a:solidFill>
+                        <a:schemeClr val="tx1"/>
+                      </a:solidFill>
+                      <a:prstDash val="solid"/>
+                      <a:round/>
+                      <a:headEnd type="none" w="med" len="med"/>
+                      <a:tailEnd type="none" w="med" len="med"/>
+                    </a:lnT>
+                    <a:lnB w="12700" cap="flat" cmpd="sng" algn="ctr">
+                      <a:solidFill>
+                        <a:schemeClr val="tx1"/>
+                      </a:solidFill>
+                      <a:prstDash val="solid"/>
+                      <a:round/>
+                      <a:headEnd type="none" w="med" len="med"/>
+                      <a:tailEnd type="none" w="med" len="med"/>
+                    </a:lnB>
+                  </a:tcPr>
+                </a:tc>
+                <a:tc gridSpan="2">
+                  <a:txBody>
+                    <a:bodyPr/>
+                    <a:lstStyle/>
+                    <a:p>
+                      <a:pPr algn="ctr" fontAlgn="b"/>
+                      <a:r>
+                        <a:rPr lang="es-MX" sz="1100" u="none" strike="noStrike" dirty="0">
+                          <a:solidFill>
+                            <a:srgbClr val="FF0000"/>
+                          </a:solidFill>
+                          <a:effectLst/>
+                        </a:rPr>
+                        <a:t>-4.532997</a:t>
+                      </a:r>
+                      <a:endParaRPr lang="es-MX" sz="1100" b="0" i="0" u="none" strike="noStrike" dirty="0">
+                        <a:solidFill>
+                          <a:srgbClr val="FF0000"/>
+                        </a:solidFill>
+                        <a:effectLst/>
+                        <a:latin typeface="Calibri" panose="020F0502020204030204" pitchFamily="34" charset="0"/>
+                      </a:endParaRPr>
+                    </a:p>
+                  </a:txBody>
+                  <a:tcPr marL="6881" marR="6881" marT="6881" marB="0" anchor="ctr">
+                    <a:lnL w="12700" cap="flat" cmpd="sng" algn="ctr">
+                      <a:solidFill>
+                        <a:schemeClr val="tx1"/>
+                      </a:solidFill>
+                      <a:prstDash val="solid"/>
+                      <a:round/>
+                      <a:headEnd type="none" w="med" len="med"/>
+                      <a:tailEnd type="none" w="med" len="med"/>
+                    </a:lnL>
+                    <a:lnR w="12700" cap="flat" cmpd="sng" algn="ctr">
+                      <a:solidFill>
+                        <a:schemeClr val="tx1"/>
+                      </a:solidFill>
+                      <a:prstDash val="solid"/>
+                      <a:round/>
+                      <a:headEnd type="none" w="med" len="med"/>
+                      <a:tailEnd type="none" w="med" len="med"/>
+                    </a:lnR>
+                    <a:lnT w="12700" cap="flat" cmpd="sng" algn="ctr">
+                      <a:solidFill>
+                        <a:schemeClr val="tx1"/>
+                      </a:solidFill>
+                      <a:prstDash val="solid"/>
+                      <a:round/>
+                      <a:headEnd type="none" w="med" len="med"/>
+                      <a:tailEnd type="none" w="med" len="med"/>
+                    </a:lnT>
+                    <a:lnB w="12700" cap="flat" cmpd="sng" algn="ctr">
+                      <a:solidFill>
+                        <a:schemeClr val="tx1"/>
+                      </a:solidFill>
+                      <a:prstDash val="solid"/>
+                      <a:round/>
+                      <a:headEnd type="none" w="med" len="med"/>
+                      <a:tailEnd type="none" w="med" len="med"/>
+                    </a:lnB>
+                  </a:tcPr>
+                </a:tc>
+                <a:tc hMerge="1">
+                  <a:txBody>
+                    <a:bodyPr/>
+                    <a:lstStyle/>
+                    <a:p>
+                      <a:endParaRPr lang="es-MX"/>
+                    </a:p>
+                  </a:txBody>
+                  <a:tcPr/>
+                </a:tc>
+                <a:tc>
+                  <a:txBody>
+                    <a:bodyPr/>
+                    <a:lstStyle/>
+                    <a:p>
+                      <a:pPr algn="ctr" fontAlgn="ctr"/>
+                      <a:r>
+                        <a:rPr lang="es-MX" sz="1100" u="none" strike="noStrike" dirty="0">
+                          <a:solidFill>
+                            <a:srgbClr val="FF0000"/>
+                          </a:solidFill>
+                          <a:effectLst/>
+                        </a:rPr>
+                        <a:t>-2.294</a:t>
+                      </a:r>
+                      <a:endParaRPr lang="es-MX" sz="1100" b="0" i="0" u="none" strike="noStrike" dirty="0">
+                        <a:solidFill>
+                          <a:srgbClr val="FF0000"/>
+                        </a:solidFill>
+                        <a:effectLst/>
+                        <a:latin typeface="Calibri" panose="020F0502020204030204" pitchFamily="34" charset="0"/>
+                      </a:endParaRPr>
+                    </a:p>
+                  </a:txBody>
+                  <a:tcPr marL="6881" marR="6881" marT="6881" marB="0" anchor="ctr">
+                    <a:lnL w="12700" cap="flat" cmpd="sng" algn="ctr">
+                      <a:solidFill>
+                        <a:schemeClr val="tx1"/>
+                      </a:solidFill>
+                      <a:prstDash val="solid"/>
+                      <a:round/>
+                      <a:headEnd type="none" w="med" len="med"/>
+                      <a:tailEnd type="none" w="med" len="med"/>
+                    </a:lnL>
+                    <a:lnR w="12700" cap="flat" cmpd="sng" algn="ctr">
+                      <a:solidFill>
+                        <a:schemeClr val="tx1"/>
+                      </a:solidFill>
+                      <a:prstDash val="solid"/>
+                      <a:round/>
+                      <a:headEnd type="none" w="med" len="med"/>
+                      <a:tailEnd type="none" w="med" len="med"/>
+                    </a:lnR>
+                    <a:lnT w="12700" cap="flat" cmpd="sng" algn="ctr">
+                      <a:solidFill>
+                        <a:schemeClr val="tx1"/>
+                      </a:solidFill>
+                      <a:prstDash val="solid"/>
+                      <a:round/>
+                      <a:headEnd type="none" w="med" len="med"/>
+                      <a:tailEnd type="none" w="med" len="med"/>
+                    </a:lnT>
+                    <a:lnB w="12700" cap="flat" cmpd="sng" algn="ctr">
+                      <a:solidFill>
+                        <a:schemeClr val="tx1"/>
+                      </a:solidFill>
+                      <a:prstDash val="solid"/>
+                      <a:round/>
+                      <a:headEnd type="none" w="med" len="med"/>
+                      <a:tailEnd type="none" w="med" len="med"/>
+                    </a:lnB>
+                  </a:tcPr>
+                </a:tc>
+                <a:tc>
+                  <a:txBody>
+                    <a:bodyPr/>
+                    <a:lstStyle/>
+                    <a:p>
+                      <a:pPr algn="ctr" fontAlgn="ctr"/>
+                      <a:r>
+                        <a:rPr lang="es-MX" sz="1100" u="none" strike="noStrike" dirty="0">
+                          <a:solidFill>
+                            <a:srgbClr val="FF0000"/>
+                          </a:solidFill>
+                          <a:effectLst/>
+                        </a:rPr>
+                        <a:t>0.02281</a:t>
+                      </a:r>
+                      <a:endParaRPr lang="es-MX" sz="1100" b="0" i="0" u="none" strike="noStrike" dirty="0">
+                        <a:solidFill>
+                          <a:srgbClr val="FF0000"/>
+                        </a:solidFill>
+                        <a:effectLst/>
+                        <a:latin typeface="Calibri" panose="020F0502020204030204" pitchFamily="34" charset="0"/>
+                      </a:endParaRPr>
+                    </a:p>
+                  </a:txBody>
+                  <a:tcPr marL="6881" marR="6881" marT="6881" marB="0" anchor="ctr">
+                    <a:lnL w="12700" cap="flat" cmpd="sng" algn="ctr">
+                      <a:solidFill>
+                        <a:schemeClr val="tx1"/>
+                      </a:solidFill>
+                      <a:prstDash val="solid"/>
+                      <a:round/>
+                      <a:headEnd type="none" w="med" len="med"/>
+                      <a:tailEnd type="none" w="med" len="med"/>
+                    </a:lnL>
+                    <a:lnR w="12700" cap="flat" cmpd="sng" algn="ctr">
+                      <a:solidFill>
+                        <a:schemeClr val="tx1"/>
+                      </a:solidFill>
+                      <a:prstDash val="solid"/>
+                      <a:round/>
+                      <a:headEnd type="none" w="med" len="med"/>
+                      <a:tailEnd type="none" w="med" len="med"/>
+                    </a:lnR>
+                    <a:lnT w="12700" cap="flat" cmpd="sng" algn="ctr">
+                      <a:solidFill>
+                        <a:schemeClr val="tx1"/>
+                      </a:solidFill>
+                      <a:prstDash val="solid"/>
+                      <a:round/>
+                      <a:headEnd type="none" w="med" len="med"/>
+                      <a:tailEnd type="none" w="med" len="med"/>
+                    </a:lnT>
+                    <a:lnB w="12700" cap="flat" cmpd="sng" algn="ctr">
+                      <a:solidFill>
+                        <a:schemeClr val="tx1"/>
+                      </a:solidFill>
+                      <a:prstDash val="solid"/>
+                      <a:round/>
+                      <a:headEnd type="none" w="med" len="med"/>
+                      <a:tailEnd type="none" w="med" len="med"/>
+                    </a:lnB>
+                  </a:tcPr>
+                </a:tc>
+                <a:tc>
+                  <a:txBody>
+                    <a:bodyPr/>
+                    <a:lstStyle/>
+                    <a:p>
+                      <a:pPr algn="ctr" fontAlgn="ctr"/>
+                      <a:r>
                         <a:rPr lang="es-MX" sz="1100" u="none" strike="noStrike">
-                          <a:effectLst/>
-                        </a:rPr>
-                        <a:t>MoCA </a:t>
+                          <a:solidFill>
+                            <a:srgbClr val="FF0000"/>
+                          </a:solidFill>
+                          <a:effectLst/>
+                        </a:rPr>
+                        <a:t>MoCA</a:t>
                       </a:r>
                       <a:endParaRPr lang="es-MX" sz="1100" b="0" i="0" u="none" strike="noStrike">
                         <a:solidFill>
@@ -7268,13 +7709,16 @@
                       <a:pPr algn="ctr" fontAlgn="b"/>
                       <a:r>
                         <a:rPr lang="es-MX" sz="1100" u="none" strike="noStrike">
-                          <a:effectLst/>
-                        </a:rPr>
-                        <a:t>-4.532997</a:t>
+                          <a:solidFill>
+                            <a:srgbClr val="FF0000"/>
+                          </a:solidFill>
+                          <a:effectLst/>
+                        </a:rPr>
+                        <a:t>8.37E+01</a:t>
                       </a:r>
                       <a:endParaRPr lang="es-MX" sz="1100" b="0" i="0" u="none" strike="noStrike">
                         <a:solidFill>
-                          <a:srgbClr val="000000"/>
+                          <a:srgbClr val="FF0000"/>
                         </a:solidFill>
                         <a:effectLst/>
                         <a:latin typeface="Calibri" panose="020F0502020204030204" pitchFamily="34" charset="0"/>
@@ -7338,9 +7782,12 @@
                       <a:pPr algn="ctr" fontAlgn="ctr"/>
                       <a:r>
                         <a:rPr lang="es-MX" sz="1100" u="none" strike="noStrike">
-                          <a:effectLst/>
-                        </a:rPr>
-                        <a:t>-2.294</a:t>
+                          <a:solidFill>
+                            <a:srgbClr val="FF0000"/>
+                          </a:solidFill>
+                          <a:effectLst/>
+                        </a:rPr>
+                        <a:t>2.33</a:t>
                       </a:r>
                       <a:endParaRPr lang="es-MX" sz="1100" b="0" i="0" u="none" strike="noStrike">
                         <a:solidFill>
@@ -7397,262 +7844,15 @@
                     <a:p>
                       <a:pPr algn="ctr" fontAlgn="ctr"/>
                       <a:r>
-                        <a:rPr lang="es-MX" sz="1100" u="none" strike="noStrike">
-                          <a:effectLst/>
-                        </a:rPr>
-                        <a:t>0.02281</a:t>
-                      </a:r>
-                      <a:endParaRPr lang="es-MX" sz="1100" b="0" i="0" u="none" strike="noStrike">
-                        <a:solidFill>
-                          <a:srgbClr val="FF0000"/>
-                        </a:solidFill>
-                        <a:effectLst/>
-                        <a:latin typeface="Calibri" panose="020F0502020204030204" pitchFamily="34" charset="0"/>
-                      </a:endParaRPr>
-                    </a:p>
-                  </a:txBody>
-                  <a:tcPr marL="6881" marR="6881" marT="6881" marB="0" anchor="ctr">
-                    <a:lnL w="12700" cap="flat" cmpd="sng" algn="ctr">
-                      <a:solidFill>
-                        <a:schemeClr val="tx1"/>
-                      </a:solidFill>
-                      <a:prstDash val="solid"/>
-                      <a:round/>
-                      <a:headEnd type="none" w="med" len="med"/>
-                      <a:tailEnd type="none" w="med" len="med"/>
-                    </a:lnL>
-                    <a:lnR w="12700" cap="flat" cmpd="sng" algn="ctr">
-                      <a:solidFill>
-                        <a:schemeClr val="tx1"/>
-                      </a:solidFill>
-                      <a:prstDash val="solid"/>
-                      <a:round/>
-                      <a:headEnd type="none" w="med" len="med"/>
-                      <a:tailEnd type="none" w="med" len="med"/>
-                    </a:lnR>
-                    <a:lnT w="12700" cap="flat" cmpd="sng" algn="ctr">
-                      <a:solidFill>
-                        <a:schemeClr val="tx1"/>
-                      </a:solidFill>
-                      <a:prstDash val="solid"/>
-                      <a:round/>
-                      <a:headEnd type="none" w="med" len="med"/>
-                      <a:tailEnd type="none" w="med" len="med"/>
-                    </a:lnT>
-                    <a:lnB w="12700" cap="flat" cmpd="sng" algn="ctr">
-                      <a:solidFill>
-                        <a:schemeClr val="tx1"/>
-                      </a:solidFill>
-                      <a:prstDash val="solid"/>
-                      <a:round/>
-                      <a:headEnd type="none" w="med" len="med"/>
-                      <a:tailEnd type="none" w="med" len="med"/>
-                    </a:lnB>
-                  </a:tcPr>
-                </a:tc>
-                <a:tc>
-                  <a:txBody>
-                    <a:bodyPr/>
-                    <a:lstStyle/>
-                    <a:p>
-                      <a:pPr algn="ctr" fontAlgn="ctr"/>
-                      <a:r>
-                        <a:rPr lang="es-MX" sz="1100" u="none" strike="noStrike">
-                          <a:effectLst/>
-                        </a:rPr>
-                        <a:t>MoCA</a:t>
-                      </a:r>
-                      <a:endParaRPr lang="es-MX" sz="1100" b="0" i="0" u="none" strike="noStrike">
-                        <a:solidFill>
-                          <a:srgbClr val="FF0000"/>
-                        </a:solidFill>
-                        <a:effectLst/>
-                        <a:latin typeface="Calibri" panose="020F0502020204030204" pitchFamily="34" charset="0"/>
-                      </a:endParaRPr>
-                    </a:p>
-                  </a:txBody>
-                  <a:tcPr marL="6881" marR="6881" marT="6881" marB="0" anchor="ctr">
-                    <a:lnL w="12700" cap="flat" cmpd="sng" algn="ctr">
-                      <a:solidFill>
-                        <a:schemeClr val="tx1"/>
-                      </a:solidFill>
-                      <a:prstDash val="solid"/>
-                      <a:round/>
-                      <a:headEnd type="none" w="med" len="med"/>
-                      <a:tailEnd type="none" w="med" len="med"/>
-                    </a:lnL>
-                    <a:lnR w="12700" cap="flat" cmpd="sng" algn="ctr">
-                      <a:solidFill>
-                        <a:schemeClr val="tx1"/>
-                      </a:solidFill>
-                      <a:prstDash val="solid"/>
-                      <a:round/>
-                      <a:headEnd type="none" w="med" len="med"/>
-                      <a:tailEnd type="none" w="med" len="med"/>
-                    </a:lnR>
-                    <a:lnT w="12700" cap="flat" cmpd="sng" algn="ctr">
-                      <a:solidFill>
-                        <a:schemeClr val="tx1"/>
-                      </a:solidFill>
-                      <a:prstDash val="solid"/>
-                      <a:round/>
-                      <a:headEnd type="none" w="med" len="med"/>
-                      <a:tailEnd type="none" w="med" len="med"/>
-                    </a:lnT>
-                    <a:lnB w="12700" cap="flat" cmpd="sng" algn="ctr">
-                      <a:solidFill>
-                        <a:schemeClr val="tx1"/>
-                      </a:solidFill>
-                      <a:prstDash val="solid"/>
-                      <a:round/>
-                      <a:headEnd type="none" w="med" len="med"/>
-                      <a:tailEnd type="none" w="med" len="med"/>
-                    </a:lnB>
-                  </a:tcPr>
-                </a:tc>
-                <a:tc gridSpan="2">
-                  <a:txBody>
-                    <a:bodyPr/>
-                    <a:lstStyle/>
-                    <a:p>
-                      <a:pPr algn="ctr" fontAlgn="b"/>
-                      <a:r>
-                        <a:rPr lang="es-MX" sz="1100" u="none" strike="noStrike">
-                          <a:effectLst/>
-                        </a:rPr>
-                        <a:t>8.37E+01</a:t>
-                      </a:r>
-                      <a:endParaRPr lang="es-MX" sz="1100" b="0" i="0" u="none" strike="noStrike">
-                        <a:solidFill>
-                          <a:srgbClr val="000000"/>
-                        </a:solidFill>
-                        <a:effectLst/>
-                        <a:latin typeface="Calibri" panose="020F0502020204030204" pitchFamily="34" charset="0"/>
-                      </a:endParaRPr>
-                    </a:p>
-                  </a:txBody>
-                  <a:tcPr marL="6881" marR="6881" marT="6881" marB="0" anchor="ctr">
-                    <a:lnL w="12700" cap="flat" cmpd="sng" algn="ctr">
-                      <a:solidFill>
-                        <a:schemeClr val="tx1"/>
-                      </a:solidFill>
-                      <a:prstDash val="solid"/>
-                      <a:round/>
-                      <a:headEnd type="none" w="med" len="med"/>
-                      <a:tailEnd type="none" w="med" len="med"/>
-                    </a:lnL>
-                    <a:lnR w="12700" cap="flat" cmpd="sng" algn="ctr">
-                      <a:solidFill>
-                        <a:schemeClr val="tx1"/>
-                      </a:solidFill>
-                      <a:prstDash val="solid"/>
-                      <a:round/>
-                      <a:headEnd type="none" w="med" len="med"/>
-                      <a:tailEnd type="none" w="med" len="med"/>
-                    </a:lnR>
-                    <a:lnT w="12700" cap="flat" cmpd="sng" algn="ctr">
-                      <a:solidFill>
-                        <a:schemeClr val="tx1"/>
-                      </a:solidFill>
-                      <a:prstDash val="solid"/>
-                      <a:round/>
-                      <a:headEnd type="none" w="med" len="med"/>
-                      <a:tailEnd type="none" w="med" len="med"/>
-                    </a:lnT>
-                    <a:lnB w="12700" cap="flat" cmpd="sng" algn="ctr">
-                      <a:solidFill>
-                        <a:schemeClr val="tx1"/>
-                      </a:solidFill>
-                      <a:prstDash val="solid"/>
-                      <a:round/>
-                      <a:headEnd type="none" w="med" len="med"/>
-                      <a:tailEnd type="none" w="med" len="med"/>
-                    </a:lnB>
-                  </a:tcPr>
-                </a:tc>
-                <a:tc hMerge="1">
-                  <a:txBody>
-                    <a:bodyPr/>
-                    <a:lstStyle/>
-                    <a:p>
-                      <a:endParaRPr lang="es-MX"/>
-                    </a:p>
-                  </a:txBody>
-                  <a:tcPr/>
-                </a:tc>
-                <a:tc>
-                  <a:txBody>
-                    <a:bodyPr/>
-                    <a:lstStyle/>
-                    <a:p>
-                      <a:pPr algn="ctr" fontAlgn="ctr"/>
-                      <a:r>
-                        <a:rPr lang="es-MX" sz="1100" u="none" strike="noStrike">
-                          <a:effectLst/>
-                        </a:rPr>
-                        <a:t>2.33</a:t>
-                      </a:r>
-                      <a:endParaRPr lang="es-MX" sz="1100" b="0" i="0" u="none" strike="noStrike">
-                        <a:solidFill>
-                          <a:srgbClr val="FF0000"/>
-                        </a:solidFill>
-                        <a:effectLst/>
-                        <a:latin typeface="Calibri" panose="020F0502020204030204" pitchFamily="34" charset="0"/>
-                      </a:endParaRPr>
-                    </a:p>
-                  </a:txBody>
-                  <a:tcPr marL="6881" marR="6881" marT="6881" marB="0" anchor="ctr">
-                    <a:lnL w="12700" cap="flat" cmpd="sng" algn="ctr">
-                      <a:solidFill>
-                        <a:schemeClr val="tx1"/>
-                      </a:solidFill>
-                      <a:prstDash val="solid"/>
-                      <a:round/>
-                      <a:headEnd type="none" w="med" len="med"/>
-                      <a:tailEnd type="none" w="med" len="med"/>
-                    </a:lnL>
-                    <a:lnR w="12700" cap="flat" cmpd="sng" algn="ctr">
-                      <a:solidFill>
-                        <a:schemeClr val="tx1"/>
-                      </a:solidFill>
-                      <a:prstDash val="solid"/>
-                      <a:round/>
-                      <a:headEnd type="none" w="med" len="med"/>
-                      <a:tailEnd type="none" w="med" len="med"/>
-                    </a:lnR>
-                    <a:lnT w="12700" cap="flat" cmpd="sng" algn="ctr">
-                      <a:solidFill>
-                        <a:schemeClr val="tx1"/>
-                      </a:solidFill>
-                      <a:prstDash val="solid"/>
-                      <a:round/>
-                      <a:headEnd type="none" w="med" len="med"/>
-                      <a:tailEnd type="none" w="med" len="med"/>
-                    </a:lnT>
-                    <a:lnB w="12700" cap="flat" cmpd="sng" algn="ctr">
-                      <a:solidFill>
-                        <a:schemeClr val="tx1"/>
-                      </a:solidFill>
-                      <a:prstDash val="solid"/>
-                      <a:round/>
-                      <a:headEnd type="none" w="med" len="med"/>
-                      <a:tailEnd type="none" w="med" len="med"/>
-                    </a:lnB>
-                  </a:tcPr>
-                </a:tc>
-                <a:tc>
-                  <a:txBody>
-                    <a:bodyPr/>
-                    <a:lstStyle/>
-                    <a:p>
-                      <a:pPr algn="ctr" fontAlgn="ctr"/>
-                      <a:r>
-                        <a:rPr lang="es-MX" sz="1100" u="none" strike="noStrike">
+                        <a:rPr lang="es-MX" sz="1100" u="none" strike="noStrike" dirty="0">
+                          <a:solidFill>
+                            <a:srgbClr val="FF0000"/>
+                          </a:solidFill>
                           <a:effectLst/>
                         </a:rPr>
                         <a:t>0.02087</a:t>
                       </a:r>
-                      <a:endParaRPr lang="es-MX" sz="1100" b="0" i="0" u="none" strike="noStrike">
+                      <a:endParaRPr lang="es-MX" sz="1100" b="0" i="0" u="none" strike="noStrike" dirty="0">
                         <a:solidFill>
                           <a:srgbClr val="FF0000"/>
                         </a:solidFill>
@@ -7715,6 +7915,9 @@
                       <a:pPr algn="ctr" fontAlgn="ctr"/>
                       <a:r>
                         <a:rPr lang="es-MX" sz="1100" u="none" strike="noStrike">
+                          <a:solidFill>
+                            <a:srgbClr val="FF0000"/>
+                          </a:solidFill>
                           <a:effectLst/>
                         </a:rPr>
                         <a:t>CRI_Total</a:t>
@@ -7775,12 +7978,211 @@
                       <a:pPr algn="ctr" fontAlgn="b"/>
                       <a:r>
                         <a:rPr lang="es-MX" sz="1100" u="none" strike="noStrike">
+                          <a:solidFill>
+                            <a:srgbClr val="FF0000"/>
+                          </a:solidFill>
                           <a:effectLst/>
                         </a:rPr>
                         <a:t>-1.195784</a:t>
                       </a:r>
                       <a:endParaRPr lang="es-MX" sz="1100" b="0" i="0" u="none" strike="noStrike">
                         <a:solidFill>
+                          <a:srgbClr val="FF0000"/>
+                        </a:solidFill>
+                        <a:effectLst/>
+                        <a:latin typeface="Calibri" panose="020F0502020204030204" pitchFamily="34" charset="0"/>
+                      </a:endParaRPr>
+                    </a:p>
+                  </a:txBody>
+                  <a:tcPr marL="6881" marR="6881" marT="6881" marB="0" anchor="ctr">
+                    <a:lnL w="12700" cap="flat" cmpd="sng" algn="ctr">
+                      <a:solidFill>
+                        <a:schemeClr val="tx1"/>
+                      </a:solidFill>
+                      <a:prstDash val="solid"/>
+                      <a:round/>
+                      <a:headEnd type="none" w="med" len="med"/>
+                      <a:tailEnd type="none" w="med" len="med"/>
+                    </a:lnL>
+                    <a:lnR w="12700" cap="flat" cmpd="sng" algn="ctr">
+                      <a:solidFill>
+                        <a:schemeClr val="tx1"/>
+                      </a:solidFill>
+                      <a:prstDash val="solid"/>
+                      <a:round/>
+                      <a:headEnd type="none" w="med" len="med"/>
+                      <a:tailEnd type="none" w="med" len="med"/>
+                    </a:lnR>
+                    <a:lnT w="12700" cap="flat" cmpd="sng" algn="ctr">
+                      <a:solidFill>
+                        <a:schemeClr val="tx1"/>
+                      </a:solidFill>
+                      <a:prstDash val="solid"/>
+                      <a:round/>
+                      <a:headEnd type="none" w="med" len="med"/>
+                      <a:tailEnd type="none" w="med" len="med"/>
+                    </a:lnT>
+                    <a:lnB w="12700" cap="flat" cmpd="sng" algn="ctr">
+                      <a:solidFill>
+                        <a:schemeClr val="tx1"/>
+                      </a:solidFill>
+                      <a:prstDash val="solid"/>
+                      <a:round/>
+                      <a:headEnd type="none" w="med" len="med"/>
+                      <a:tailEnd type="none" w="med" len="med"/>
+                    </a:lnB>
+                  </a:tcPr>
+                </a:tc>
+                <a:tc hMerge="1">
+                  <a:txBody>
+                    <a:bodyPr/>
+                    <a:lstStyle/>
+                    <a:p>
+                      <a:endParaRPr lang="es-MX"/>
+                    </a:p>
+                  </a:txBody>
+                  <a:tcPr/>
+                </a:tc>
+                <a:tc>
+                  <a:txBody>
+                    <a:bodyPr/>
+                    <a:lstStyle/>
+                    <a:p>
+                      <a:pPr algn="ctr" fontAlgn="ctr"/>
+                      <a:r>
+                        <a:rPr lang="es-MX" sz="1100" u="none" strike="noStrike">
+                          <a:solidFill>
+                            <a:srgbClr val="FF0000"/>
+                          </a:solidFill>
+                          <a:effectLst/>
+                        </a:rPr>
+                        <a:t>-2.332</a:t>
+                      </a:r>
+                      <a:endParaRPr lang="es-MX" sz="1100" b="0" i="0" u="none" strike="noStrike">
+                        <a:solidFill>
+                          <a:srgbClr val="FF0000"/>
+                        </a:solidFill>
+                        <a:effectLst/>
+                        <a:latin typeface="Calibri" panose="020F0502020204030204" pitchFamily="34" charset="0"/>
+                      </a:endParaRPr>
+                    </a:p>
+                  </a:txBody>
+                  <a:tcPr marL="6881" marR="6881" marT="6881" marB="0" anchor="ctr">
+                    <a:lnL w="12700" cap="flat" cmpd="sng" algn="ctr">
+                      <a:solidFill>
+                        <a:schemeClr val="tx1"/>
+                      </a:solidFill>
+                      <a:prstDash val="solid"/>
+                      <a:round/>
+                      <a:headEnd type="none" w="med" len="med"/>
+                      <a:tailEnd type="none" w="med" len="med"/>
+                    </a:lnL>
+                    <a:lnR w="12700" cap="flat" cmpd="sng" algn="ctr">
+                      <a:solidFill>
+                        <a:schemeClr val="tx1"/>
+                      </a:solidFill>
+                      <a:prstDash val="solid"/>
+                      <a:round/>
+                      <a:headEnd type="none" w="med" len="med"/>
+                      <a:tailEnd type="none" w="med" len="med"/>
+                    </a:lnR>
+                    <a:lnT w="12700" cap="flat" cmpd="sng" algn="ctr">
+                      <a:solidFill>
+                        <a:schemeClr val="tx1"/>
+                      </a:solidFill>
+                      <a:prstDash val="solid"/>
+                      <a:round/>
+                      <a:headEnd type="none" w="med" len="med"/>
+                      <a:tailEnd type="none" w="med" len="med"/>
+                    </a:lnT>
+                    <a:lnB w="12700" cap="flat" cmpd="sng" algn="ctr">
+                      <a:solidFill>
+                        <a:schemeClr val="tx1"/>
+                      </a:solidFill>
+                      <a:prstDash val="solid"/>
+                      <a:round/>
+                      <a:headEnd type="none" w="med" len="med"/>
+                      <a:tailEnd type="none" w="med" len="med"/>
+                    </a:lnB>
+                  </a:tcPr>
+                </a:tc>
+                <a:tc>
+                  <a:txBody>
+                    <a:bodyPr/>
+                    <a:lstStyle/>
+                    <a:p>
+                      <a:pPr algn="ctr" fontAlgn="ctr"/>
+                      <a:r>
+                        <a:rPr lang="es-MX" sz="1100" u="none" strike="noStrike" dirty="0">
+                          <a:solidFill>
+                            <a:srgbClr val="FF0000"/>
+                          </a:solidFill>
+                          <a:effectLst/>
+                        </a:rPr>
+                        <a:t>0.02067</a:t>
+                      </a:r>
+                      <a:endParaRPr lang="es-MX" sz="1100" b="0" i="0" u="none" strike="noStrike" dirty="0">
+                        <a:solidFill>
+                          <a:srgbClr val="FF0000"/>
+                        </a:solidFill>
+                        <a:effectLst/>
+                        <a:latin typeface="Calibri" panose="020F0502020204030204" pitchFamily="34" charset="0"/>
+                      </a:endParaRPr>
+                    </a:p>
+                  </a:txBody>
+                  <a:tcPr marL="6881" marR="6881" marT="6881" marB="0" anchor="ctr">
+                    <a:lnL w="12700" cap="flat" cmpd="sng" algn="ctr">
+                      <a:solidFill>
+                        <a:schemeClr val="tx1"/>
+                      </a:solidFill>
+                      <a:prstDash val="solid"/>
+                      <a:round/>
+                      <a:headEnd type="none" w="med" len="med"/>
+                      <a:tailEnd type="none" w="med" len="med"/>
+                    </a:lnL>
+                    <a:lnR w="12700" cap="flat" cmpd="sng" algn="ctr">
+                      <a:solidFill>
+                        <a:schemeClr val="tx1"/>
+                      </a:solidFill>
+                      <a:prstDash val="solid"/>
+                      <a:round/>
+                      <a:headEnd type="none" w="med" len="med"/>
+                      <a:tailEnd type="none" w="med" len="med"/>
+                    </a:lnR>
+                    <a:lnT w="12700" cap="flat" cmpd="sng" algn="ctr">
+                      <a:solidFill>
+                        <a:schemeClr val="tx1"/>
+                      </a:solidFill>
+                      <a:prstDash val="solid"/>
+                      <a:round/>
+                      <a:headEnd type="none" w="med" len="med"/>
+                      <a:tailEnd type="none" w="med" len="med"/>
+                    </a:lnT>
+                    <a:lnB w="12700" cap="flat" cmpd="sng" algn="ctr">
+                      <a:solidFill>
+                        <a:schemeClr val="tx1"/>
+                      </a:solidFill>
+                      <a:prstDash val="solid"/>
+                      <a:round/>
+                      <a:headEnd type="none" w="med" len="med"/>
+                      <a:tailEnd type="none" w="med" len="med"/>
+                    </a:lnB>
+                  </a:tcPr>
+                </a:tc>
+                <a:tc>
+                  <a:txBody>
+                    <a:bodyPr/>
+                    <a:lstStyle/>
+                    <a:p>
+                      <a:pPr algn="ctr" fontAlgn="ctr"/>
+                      <a:r>
+                        <a:rPr lang="es-MX" sz="1100" u="none" strike="noStrike">
+                          <a:effectLst/>
+                        </a:rPr>
+                        <a:t>CRI_Total  </a:t>
+                      </a:r>
+                      <a:endParaRPr lang="es-MX" sz="1100" b="0" i="0" u="none" strike="noStrike">
+                        <a:solidFill>
                           <a:srgbClr val="000000"/>
                         </a:solidFill>
                         <a:effectLst/>
@@ -7827,6 +8229,66 @@
                     </a:lnB>
                   </a:tcPr>
                 </a:tc>
+                <a:tc gridSpan="2">
+                  <a:txBody>
+                    <a:bodyPr/>
+                    <a:lstStyle/>
+                    <a:p>
+                      <a:pPr algn="ctr" fontAlgn="b"/>
+                      <a:r>
+                        <a:rPr lang="es-MX" sz="1100" u="none" strike="noStrike">
+                          <a:effectLst/>
+                        </a:rPr>
+                        <a:t>1.70E+01</a:t>
+                      </a:r>
+                      <a:endParaRPr lang="es-MX" sz="1100" b="0" i="0" u="none" strike="noStrike">
+                        <a:solidFill>
+                          <a:srgbClr val="000000"/>
+                        </a:solidFill>
+                        <a:effectLst/>
+                        <a:latin typeface="Calibri" panose="020F0502020204030204" pitchFamily="34" charset="0"/>
+                      </a:endParaRPr>
+                    </a:p>
+                  </a:txBody>
+                  <a:tcPr marL="6881" marR="6881" marT="6881" marB="0" anchor="ctr">
+                    <a:lnL w="12700" cap="flat" cmpd="sng" algn="ctr">
+                      <a:solidFill>
+                        <a:schemeClr val="tx1"/>
+                      </a:solidFill>
+                      <a:prstDash val="solid"/>
+                      <a:round/>
+                      <a:headEnd type="none" w="med" len="med"/>
+                      <a:tailEnd type="none" w="med" len="med"/>
+                    </a:lnL>
+                    <a:lnR w="12700" cap="flat" cmpd="sng" algn="ctr">
+                      <a:solidFill>
+                        <a:schemeClr val="tx1"/>
+                      </a:solidFill>
+                      <a:prstDash val="solid"/>
+                      <a:round/>
+                      <a:headEnd type="none" w="med" len="med"/>
+                      <a:tailEnd type="none" w="med" len="med"/>
+                    </a:lnR>
+                    <a:lnT w="12700" cap="flat" cmpd="sng" algn="ctr">
+                      <a:solidFill>
+                        <a:schemeClr val="tx1"/>
+                      </a:solidFill>
+                      <a:prstDash val="solid"/>
+                      <a:round/>
+                      <a:headEnd type="none" w="med" len="med"/>
+                      <a:tailEnd type="none" w="med" len="med"/>
+                    </a:lnT>
+                    <a:lnB w="12700" cap="flat" cmpd="sng" algn="ctr">
+                      <a:solidFill>
+                        <a:schemeClr val="tx1"/>
+                      </a:solidFill>
+                      <a:prstDash val="solid"/>
+                      <a:round/>
+                      <a:headEnd type="none" w="med" len="med"/>
+                      <a:tailEnd type="none" w="med" len="med"/>
+                    </a:lnB>
+                  </a:tcPr>
+                </a:tc>
                 <a:tc hMerge="1">
                   <a:txBody>
                     <a:bodyPr/>
@@ -7847,11 +8309,11 @@
                         <a:rPr lang="es-MX" sz="1100" u="none" strike="noStrike">
                           <a:effectLst/>
                         </a:rPr>
-                        <a:t>-2.332</a:t>
+                        <a:t>1.848</a:t>
                       </a:r>
                       <a:endParaRPr lang="es-MX" sz="1100" b="0" i="0" u="none" strike="noStrike">
                         <a:solidFill>
-                          <a:srgbClr val="FF0000"/>
+                          <a:srgbClr val="000000"/>
                         </a:solidFill>
                         <a:effectLst/>
                         <a:latin typeface="Calibri" panose="020F0502020204030204" pitchFamily="34" charset="0"/>
@@ -7904,262 +8366,12 @@
                     <a:p>
                       <a:pPr algn="ctr" fontAlgn="ctr"/>
                       <a:r>
-                        <a:rPr lang="es-MX" sz="1100" u="none" strike="noStrike">
-                          <a:effectLst/>
-                        </a:rPr>
-                        <a:t>0.02067</a:t>
-                      </a:r>
-                      <a:endParaRPr lang="es-MX" sz="1100" b="0" i="0" u="none" strike="noStrike">
-                        <a:solidFill>
-                          <a:srgbClr val="FF0000"/>
-                        </a:solidFill>
-                        <a:effectLst/>
-                        <a:latin typeface="Calibri" panose="020F0502020204030204" pitchFamily="34" charset="0"/>
-                      </a:endParaRPr>
-                    </a:p>
-                  </a:txBody>
-                  <a:tcPr marL="6881" marR="6881" marT="6881" marB="0" anchor="ctr">
-                    <a:lnL w="12700" cap="flat" cmpd="sng" algn="ctr">
-                      <a:solidFill>
-                        <a:schemeClr val="tx1"/>
-                      </a:solidFill>
-                      <a:prstDash val="solid"/>
-                      <a:round/>
-                      <a:headEnd type="none" w="med" len="med"/>
-                      <a:tailEnd type="none" w="med" len="med"/>
-                    </a:lnL>
-                    <a:lnR w="12700" cap="flat" cmpd="sng" algn="ctr">
-                      <a:solidFill>
-                        <a:schemeClr val="tx1"/>
-                      </a:solidFill>
-                      <a:prstDash val="solid"/>
-                      <a:round/>
-                      <a:headEnd type="none" w="med" len="med"/>
-                      <a:tailEnd type="none" w="med" len="med"/>
-                    </a:lnR>
-                    <a:lnT w="12700" cap="flat" cmpd="sng" algn="ctr">
-                      <a:solidFill>
-                        <a:schemeClr val="tx1"/>
-                      </a:solidFill>
-                      <a:prstDash val="solid"/>
-                      <a:round/>
-                      <a:headEnd type="none" w="med" len="med"/>
-                      <a:tailEnd type="none" w="med" len="med"/>
-                    </a:lnT>
-                    <a:lnB w="12700" cap="flat" cmpd="sng" algn="ctr">
-                      <a:solidFill>
-                        <a:schemeClr val="tx1"/>
-                      </a:solidFill>
-                      <a:prstDash val="solid"/>
-                      <a:round/>
-                      <a:headEnd type="none" w="med" len="med"/>
-                      <a:tailEnd type="none" w="med" len="med"/>
-                    </a:lnB>
-                  </a:tcPr>
-                </a:tc>
-                <a:tc>
-                  <a:txBody>
-                    <a:bodyPr/>
-                    <a:lstStyle/>
-                    <a:p>
-                      <a:pPr algn="ctr" fontAlgn="ctr"/>
-                      <a:r>
-                        <a:rPr lang="es-MX" sz="1100" u="none" strike="noStrike">
-                          <a:effectLst/>
-                        </a:rPr>
-                        <a:t>CRI_Total  </a:t>
-                      </a:r>
-                      <a:endParaRPr lang="es-MX" sz="1100" b="0" i="0" u="none" strike="noStrike">
-                        <a:solidFill>
-                          <a:srgbClr val="000000"/>
-                        </a:solidFill>
-                        <a:effectLst/>
-                        <a:latin typeface="Calibri" panose="020F0502020204030204" pitchFamily="34" charset="0"/>
-                      </a:endParaRPr>
-                    </a:p>
-                  </a:txBody>
-                  <a:tcPr marL="6881" marR="6881" marT="6881" marB="0" anchor="ctr">
-                    <a:lnL w="12700" cap="flat" cmpd="sng" algn="ctr">
-                      <a:solidFill>
-                        <a:schemeClr val="tx1"/>
-                      </a:solidFill>
-                      <a:prstDash val="solid"/>
-                      <a:round/>
-                      <a:headEnd type="none" w="med" len="med"/>
-                      <a:tailEnd type="none" w="med" len="med"/>
-                    </a:lnL>
-                    <a:lnR w="12700" cap="flat" cmpd="sng" algn="ctr">
-                      <a:solidFill>
-                        <a:schemeClr val="tx1"/>
-                      </a:solidFill>
-                      <a:prstDash val="solid"/>
-                      <a:round/>
-                      <a:headEnd type="none" w="med" len="med"/>
-                      <a:tailEnd type="none" w="med" len="med"/>
-                    </a:lnR>
-                    <a:lnT w="12700" cap="flat" cmpd="sng" algn="ctr">
-                      <a:solidFill>
-                        <a:schemeClr val="tx1"/>
-                      </a:solidFill>
-                      <a:prstDash val="solid"/>
-                      <a:round/>
-                      <a:headEnd type="none" w="med" len="med"/>
-                      <a:tailEnd type="none" w="med" len="med"/>
-                    </a:lnT>
-                    <a:lnB w="12700" cap="flat" cmpd="sng" algn="ctr">
-                      <a:solidFill>
-                        <a:schemeClr val="tx1"/>
-                      </a:solidFill>
-                      <a:prstDash val="solid"/>
-                      <a:round/>
-                      <a:headEnd type="none" w="med" len="med"/>
-                      <a:tailEnd type="none" w="med" len="med"/>
-                    </a:lnB>
-                  </a:tcPr>
-                </a:tc>
-                <a:tc gridSpan="2">
-                  <a:txBody>
-                    <a:bodyPr/>
-                    <a:lstStyle/>
-                    <a:p>
-                      <a:pPr algn="ctr" fontAlgn="b"/>
-                      <a:r>
-                        <a:rPr lang="es-MX" sz="1100" u="none" strike="noStrike">
-                          <a:effectLst/>
-                        </a:rPr>
-                        <a:t>1.70E+01</a:t>
-                      </a:r>
-                      <a:endParaRPr lang="es-MX" sz="1100" b="0" i="0" u="none" strike="noStrike">
-                        <a:solidFill>
-                          <a:srgbClr val="000000"/>
-                        </a:solidFill>
-                        <a:effectLst/>
-                        <a:latin typeface="Calibri" panose="020F0502020204030204" pitchFamily="34" charset="0"/>
-                      </a:endParaRPr>
-                    </a:p>
-                  </a:txBody>
-                  <a:tcPr marL="6881" marR="6881" marT="6881" marB="0" anchor="ctr">
-                    <a:lnL w="12700" cap="flat" cmpd="sng" algn="ctr">
-                      <a:solidFill>
-                        <a:schemeClr val="tx1"/>
-                      </a:solidFill>
-                      <a:prstDash val="solid"/>
-                      <a:round/>
-                      <a:headEnd type="none" w="med" len="med"/>
-                      <a:tailEnd type="none" w="med" len="med"/>
-                    </a:lnL>
-                    <a:lnR w="12700" cap="flat" cmpd="sng" algn="ctr">
-                      <a:solidFill>
-                        <a:schemeClr val="tx1"/>
-                      </a:solidFill>
-                      <a:prstDash val="solid"/>
-                      <a:round/>
-                      <a:headEnd type="none" w="med" len="med"/>
-                      <a:tailEnd type="none" w="med" len="med"/>
-                    </a:lnR>
-                    <a:lnT w="12700" cap="flat" cmpd="sng" algn="ctr">
-                      <a:solidFill>
-                        <a:schemeClr val="tx1"/>
-                      </a:solidFill>
-                      <a:prstDash val="solid"/>
-                      <a:round/>
-                      <a:headEnd type="none" w="med" len="med"/>
-                      <a:tailEnd type="none" w="med" len="med"/>
-                    </a:lnT>
-                    <a:lnB w="12700" cap="flat" cmpd="sng" algn="ctr">
-                      <a:solidFill>
-                        <a:schemeClr val="tx1"/>
-                      </a:solidFill>
-                      <a:prstDash val="solid"/>
-                      <a:round/>
-                      <a:headEnd type="none" w="med" len="med"/>
-                      <a:tailEnd type="none" w="med" len="med"/>
-                    </a:lnB>
-                  </a:tcPr>
-                </a:tc>
-                <a:tc hMerge="1">
-                  <a:txBody>
-                    <a:bodyPr/>
-                    <a:lstStyle/>
-                    <a:p>
-                      <a:endParaRPr lang="es-MX"/>
-                    </a:p>
-                  </a:txBody>
-                  <a:tcPr/>
-                </a:tc>
-                <a:tc>
-                  <a:txBody>
-                    <a:bodyPr/>
-                    <a:lstStyle/>
-                    <a:p>
-                      <a:pPr algn="ctr" fontAlgn="ctr"/>
-                      <a:r>
-                        <a:rPr lang="es-MX" sz="1100" u="none" strike="noStrike">
-                          <a:effectLst/>
-                        </a:rPr>
-                        <a:t>1.848</a:t>
-                      </a:r>
-                      <a:endParaRPr lang="es-MX" sz="1100" b="0" i="0" u="none" strike="noStrike">
-                        <a:solidFill>
-                          <a:srgbClr val="000000"/>
-                        </a:solidFill>
-                        <a:effectLst/>
-                        <a:latin typeface="Calibri" panose="020F0502020204030204" pitchFamily="34" charset="0"/>
-                      </a:endParaRPr>
-                    </a:p>
-                  </a:txBody>
-                  <a:tcPr marL="6881" marR="6881" marT="6881" marB="0" anchor="ctr">
-                    <a:lnL w="12700" cap="flat" cmpd="sng" algn="ctr">
-                      <a:solidFill>
-                        <a:schemeClr val="tx1"/>
-                      </a:solidFill>
-                      <a:prstDash val="solid"/>
-                      <a:round/>
-                      <a:headEnd type="none" w="med" len="med"/>
-                      <a:tailEnd type="none" w="med" len="med"/>
-                    </a:lnL>
-                    <a:lnR w="12700" cap="flat" cmpd="sng" algn="ctr">
-                      <a:solidFill>
-                        <a:schemeClr val="tx1"/>
-                      </a:solidFill>
-                      <a:prstDash val="solid"/>
-                      <a:round/>
-                      <a:headEnd type="none" w="med" len="med"/>
-                      <a:tailEnd type="none" w="med" len="med"/>
-                    </a:lnR>
-                    <a:lnT w="12700" cap="flat" cmpd="sng" algn="ctr">
-                      <a:solidFill>
-                        <a:schemeClr val="tx1"/>
-                      </a:solidFill>
-                      <a:prstDash val="solid"/>
-                      <a:round/>
-                      <a:headEnd type="none" w="med" len="med"/>
-                      <a:tailEnd type="none" w="med" len="med"/>
-                    </a:lnT>
-                    <a:lnB w="12700" cap="flat" cmpd="sng" algn="ctr">
-                      <a:solidFill>
-                        <a:schemeClr val="tx1"/>
-                      </a:solidFill>
-                      <a:prstDash val="solid"/>
-                      <a:round/>
-                      <a:headEnd type="none" w="med" len="med"/>
-                      <a:tailEnd type="none" w="med" len="med"/>
-                    </a:lnB>
-                  </a:tcPr>
-                </a:tc>
-                <a:tc>
-                  <a:txBody>
-                    <a:bodyPr/>
-                    <a:lstStyle/>
-                    <a:p>
-                      <a:pPr algn="ctr" fontAlgn="ctr"/>
-                      <a:r>
-                        <a:rPr lang="es-MX" sz="1100" u="none" strike="noStrike">
+                        <a:rPr lang="es-MX" sz="1100" u="none" strike="noStrike" dirty="0">
                           <a:effectLst/>
                         </a:rPr>
                         <a:t>0.0662</a:t>
                       </a:r>
-                      <a:endParaRPr lang="es-MX" sz="1100" b="0" i="0" u="none" strike="noStrike">
+                      <a:endParaRPr lang="es-MX" sz="1100" b="0" i="0" u="none" strike="noStrike" dirty="0">
                         <a:solidFill>
                           <a:srgbClr val="000000"/>
                         </a:solidFill>
@@ -8222,13 +8434,16 @@
                       <a:pPr algn="ctr" fontAlgn="b"/>
                       <a:r>
                         <a:rPr lang="es-MX" sz="1100" u="none" strike="noStrike">
+                          <a:solidFill>
+                            <a:srgbClr val="FF0000"/>
+                          </a:solidFill>
                           <a:effectLst/>
                         </a:rPr>
                         <a:t> </a:t>
                       </a:r>
                       <a:endParaRPr lang="es-MX" sz="1100" b="0" i="0" u="none" strike="noStrike">
                         <a:solidFill>
-                          <a:srgbClr val="000000"/>
+                          <a:srgbClr val="FF0000"/>
                         </a:solidFill>
                         <a:effectLst/>
                         <a:latin typeface="Calibri" panose="020F0502020204030204" pitchFamily="34" charset="0"/>
@@ -8282,13 +8497,16 @@
                       <a:pPr algn="ctr" fontAlgn="b"/>
                       <a:r>
                         <a:rPr lang="es-MX" sz="1100" u="none" strike="noStrike">
+                          <a:solidFill>
+                            <a:srgbClr val="FF0000"/>
+                          </a:solidFill>
                           <a:effectLst/>
                         </a:rPr>
                         <a:t> </a:t>
                       </a:r>
                       <a:endParaRPr lang="es-MX" sz="1100" b="0" i="0" u="none" strike="noStrike">
                         <a:solidFill>
-                          <a:srgbClr val="000000"/>
+                          <a:srgbClr val="FF0000"/>
                         </a:solidFill>
                         <a:effectLst/>
                         <a:latin typeface="Calibri" panose="020F0502020204030204" pitchFamily="34" charset="0"/>
@@ -8352,13 +8570,16 @@
                       <a:pPr algn="ctr" fontAlgn="b"/>
                       <a:r>
                         <a:rPr lang="es-MX" sz="1100" u="none" strike="noStrike">
+                          <a:solidFill>
+                            <a:srgbClr val="FF0000"/>
+                          </a:solidFill>
                           <a:effectLst/>
                         </a:rPr>
                         <a:t> </a:t>
                       </a:r>
                       <a:endParaRPr lang="es-MX" sz="1100" b="0" i="0" u="none" strike="noStrike">
                         <a:solidFill>
-                          <a:srgbClr val="000000"/>
+                          <a:srgbClr val="FF0000"/>
                         </a:solidFill>
                         <a:effectLst/>
                         <a:latin typeface="Calibri" panose="020F0502020204030204" pitchFamily="34" charset="0"/>
@@ -8411,14 +8632,17 @@
                     <a:p>
                       <a:pPr algn="ctr" fontAlgn="b"/>
                       <a:r>
-                        <a:rPr lang="es-MX" sz="1100" u="none" strike="noStrike">
+                        <a:rPr lang="es-MX" sz="1100" u="none" strike="noStrike" dirty="0">
+                          <a:solidFill>
+                            <a:srgbClr val="FF0000"/>
+                          </a:solidFill>
                           <a:effectLst/>
                         </a:rPr>
                         <a:t> </a:t>
                       </a:r>
-                      <a:endParaRPr lang="es-MX" sz="1100" b="0" i="0" u="none" strike="noStrike">
-                        <a:solidFill>
-                          <a:srgbClr val="000000"/>
+                      <a:endParaRPr lang="es-MX" sz="1100" b="0" i="0" u="none" strike="noStrike" dirty="0">
+                        <a:solidFill>
+                          <a:srgbClr val="FF0000"/>
                         </a:solidFill>
                         <a:effectLst/>
                         <a:latin typeface="Calibri" panose="020F0502020204030204" pitchFamily="34" charset="0"/>
@@ -8471,12 +8695,15 @@
                     <a:p>
                       <a:pPr algn="ctr" fontAlgn="ctr"/>
                       <a:r>
-                        <a:rPr lang="es-MX" sz="1100" u="none" strike="noStrike">
+                        <a:rPr lang="es-MX" sz="1100" u="none" strike="noStrike" dirty="0">
+                          <a:solidFill>
+                            <a:srgbClr val="FF0000"/>
+                          </a:solidFill>
                           <a:effectLst/>
                         </a:rPr>
                         <a:t>EDAD:ESCOLARIDAD</a:t>
                       </a:r>
-                      <a:endParaRPr lang="es-MX" sz="1100" b="0" i="0" u="none" strike="noStrike">
+                      <a:endParaRPr lang="es-MX" sz="1100" b="0" i="0" u="none" strike="noStrike" dirty="0">
                         <a:solidFill>
                           <a:srgbClr val="FF0000"/>
                         </a:solidFill>
@@ -8531,14 +8758,17 @@
                     <a:p>
                       <a:pPr algn="ctr" fontAlgn="b"/>
                       <a:r>
-                        <a:rPr lang="es-MX" sz="1100" u="none" strike="noStrike">
+                        <a:rPr lang="es-MX" sz="1100" u="none" strike="noStrike" dirty="0">
+                          <a:solidFill>
+                            <a:srgbClr val="FF0000"/>
+                          </a:solidFill>
                           <a:effectLst/>
                         </a:rPr>
                         <a:t>-3.27E+00</a:t>
                       </a:r>
-                      <a:endParaRPr lang="es-MX" sz="1100" b="0" i="0" u="none" strike="noStrike">
-                        <a:solidFill>
-                          <a:srgbClr val="000000"/>
+                      <a:endParaRPr lang="es-MX" sz="1100" b="0" i="0" u="none" strike="noStrike" dirty="0">
+                        <a:solidFill>
+                          <a:srgbClr val="FF0000"/>
                         </a:solidFill>
                         <a:effectLst/>
                         <a:latin typeface="Calibri" panose="020F0502020204030204" pitchFamily="34" charset="0"/>
@@ -8601,12 +8831,15 @@
                     <a:p>
                       <a:pPr algn="ctr" fontAlgn="ctr"/>
                       <a:r>
-                        <a:rPr lang="es-MX" sz="1100" u="none" strike="noStrike">
+                        <a:rPr lang="es-MX" sz="1100" u="none" strike="noStrike" dirty="0">
+                          <a:solidFill>
+                            <a:srgbClr val="FF0000"/>
+                          </a:solidFill>
                           <a:effectLst/>
                         </a:rPr>
                         <a:t>-3.182</a:t>
                       </a:r>
-                      <a:endParaRPr lang="es-MX" sz="1100" b="0" i="0" u="none" strike="noStrike">
+                      <a:endParaRPr lang="es-MX" sz="1100" b="0" i="0" u="none" strike="noStrike" dirty="0">
                         <a:solidFill>
                           <a:srgbClr val="FF0000"/>
                         </a:solidFill>
@@ -8661,12 +8894,15 @@
                     <a:p>
                       <a:pPr algn="ctr" fontAlgn="ctr"/>
                       <a:r>
-                        <a:rPr lang="es-MX" sz="1100" u="none" strike="noStrike">
+                        <a:rPr lang="es-MX" sz="1100" u="none" strike="noStrike" dirty="0">
+                          <a:solidFill>
+                            <a:srgbClr val="FF0000"/>
+                          </a:solidFill>
                           <a:effectLst/>
                         </a:rPr>
                         <a:t>0.0017</a:t>
                       </a:r>
-                      <a:endParaRPr lang="es-MX" sz="1100" b="0" i="0" u="none" strike="noStrike">
+                      <a:endParaRPr lang="es-MX" sz="1100" b="0" i="0" u="none" strike="noStrike" dirty="0">
                         <a:solidFill>
                           <a:srgbClr val="FF0000"/>
                         </a:solidFill>
@@ -8729,13 +8965,16 @@
                       <a:pPr algn="ctr" fontAlgn="ctr"/>
                       <a:r>
                         <a:rPr lang="es-MX" sz="1100" u="none" strike="noStrike">
+                          <a:solidFill>
+                            <a:srgbClr val="FF0000"/>
+                          </a:solidFill>
                           <a:effectLst/>
                         </a:rPr>
                         <a:t> </a:t>
                       </a:r>
                       <a:endParaRPr lang="es-MX" sz="1100" b="0" i="0" u="none" strike="noStrike">
                         <a:solidFill>
-                          <a:srgbClr val="000000"/>
+                          <a:srgbClr val="FF0000"/>
                         </a:solidFill>
                         <a:effectLst/>
                         <a:latin typeface="Calibri" panose="020F0502020204030204" pitchFamily="34" charset="0"/>
@@ -8789,13 +9028,16 @@
                       <a:pPr algn="ctr" fontAlgn="b"/>
                       <a:r>
                         <a:rPr lang="es-MX" sz="1100" u="none" strike="noStrike">
+                          <a:solidFill>
+                            <a:srgbClr val="FF0000"/>
+                          </a:solidFill>
                           <a:effectLst/>
                         </a:rPr>
                         <a:t> </a:t>
                       </a:r>
                       <a:endParaRPr lang="es-MX" sz="1100" b="0" i="0" u="none" strike="noStrike">
                         <a:solidFill>
-                          <a:srgbClr val="000000"/>
+                          <a:srgbClr val="FF0000"/>
                         </a:solidFill>
                         <a:effectLst/>
                         <a:latin typeface="Calibri" panose="020F0502020204030204" pitchFamily="34" charset="0"/>
@@ -8859,13 +9101,16 @@
                       <a:pPr algn="ctr" fontAlgn="ctr"/>
                       <a:r>
                         <a:rPr lang="es-MX" sz="1100" u="none" strike="noStrike">
+                          <a:solidFill>
+                            <a:srgbClr val="FF0000"/>
+                          </a:solidFill>
                           <a:effectLst/>
                         </a:rPr>
                         <a:t> </a:t>
                       </a:r>
                       <a:endParaRPr lang="es-MX" sz="1100" b="0" i="0" u="none" strike="noStrike">
                         <a:solidFill>
-                          <a:srgbClr val="000000"/>
+                          <a:srgbClr val="FF0000"/>
                         </a:solidFill>
                         <a:effectLst/>
                         <a:latin typeface="Calibri" panose="020F0502020204030204" pitchFamily="34" charset="0"/>
@@ -8918,14 +9163,80 @@
                     <a:p>
                       <a:pPr algn="ctr" fontAlgn="ctr"/>
                       <a:r>
+                        <a:rPr lang="es-MX" sz="1100" u="none" strike="noStrike" dirty="0">
+                          <a:solidFill>
+                            <a:srgbClr val="FF0000"/>
+                          </a:solidFill>
+                          <a:effectLst/>
+                        </a:rPr>
+                        <a:t> </a:t>
+                      </a:r>
+                      <a:endParaRPr lang="es-MX" sz="1100" b="0" i="0" u="none" strike="noStrike" dirty="0">
+                        <a:solidFill>
+                          <a:srgbClr val="FF0000"/>
+                        </a:solidFill>
+                        <a:effectLst/>
+                        <a:latin typeface="Calibri" panose="020F0502020204030204" pitchFamily="34" charset="0"/>
+                      </a:endParaRPr>
+                    </a:p>
+                  </a:txBody>
+                  <a:tcPr marL="6881" marR="6881" marT="6881" marB="0" anchor="ctr">
+                    <a:lnL w="12700" cap="flat" cmpd="sng" algn="ctr">
+                      <a:solidFill>
+                        <a:schemeClr val="tx1"/>
+                      </a:solidFill>
+                      <a:prstDash val="solid"/>
+                      <a:round/>
+                      <a:headEnd type="none" w="med" len="med"/>
+                      <a:tailEnd type="none" w="med" len="med"/>
+                    </a:lnL>
+                    <a:lnR w="12700" cap="flat" cmpd="sng" algn="ctr">
+                      <a:solidFill>
+                        <a:schemeClr val="tx1"/>
+                      </a:solidFill>
+                      <a:prstDash val="solid"/>
+                      <a:round/>
+                      <a:headEnd type="none" w="med" len="med"/>
+                      <a:tailEnd type="none" w="med" len="med"/>
+                    </a:lnR>
+                    <a:lnT w="12700" cap="flat" cmpd="sng" algn="ctr">
+                      <a:solidFill>
+                        <a:schemeClr val="tx1"/>
+                      </a:solidFill>
+                      <a:prstDash val="solid"/>
+                      <a:round/>
+                      <a:headEnd type="none" w="med" len="med"/>
+                      <a:tailEnd type="none" w="med" len="med"/>
+                    </a:lnT>
+                    <a:lnB w="12700" cap="flat" cmpd="sng" algn="ctr">
+                      <a:solidFill>
+                        <a:schemeClr val="tx1"/>
+                      </a:solidFill>
+                      <a:prstDash val="solid"/>
+                      <a:round/>
+                      <a:headEnd type="none" w="med" len="med"/>
+                      <a:tailEnd type="none" w="med" len="med"/>
+                    </a:lnB>
+                  </a:tcPr>
+                </a:tc>
+                <a:tc>
+                  <a:txBody>
+                    <a:bodyPr/>
+                    <a:lstStyle/>
+                    <a:p>
+                      <a:pPr algn="ctr" fontAlgn="ctr"/>
+                      <a:r>
                         <a:rPr lang="es-MX" sz="1100" u="none" strike="noStrike">
-                          <a:effectLst/>
-                        </a:rPr>
-                        <a:t> </a:t>
+                          <a:solidFill>
+                            <a:srgbClr val="FF0000"/>
+                          </a:solidFill>
+                          <a:effectLst/>
+                        </a:rPr>
+                        <a:t>EDAD:MoCA </a:t>
                       </a:r>
                       <a:endParaRPr lang="es-MX" sz="1100" b="0" i="0" u="none" strike="noStrike">
                         <a:solidFill>
-                          <a:srgbClr val="000000"/>
+                          <a:srgbClr val="FF0000"/>
                         </a:solidFill>
                         <a:effectLst/>
                         <a:latin typeface="Calibri" panose="020F0502020204030204" pitchFamily="34" charset="0"/>
@@ -8971,17 +9282,20 @@
                     </a:lnB>
                   </a:tcPr>
                 </a:tc>
-                <a:tc>
-                  <a:txBody>
-                    <a:bodyPr/>
-                    <a:lstStyle/>
-                    <a:p>
-                      <a:pPr algn="ctr" fontAlgn="ctr"/>
+                <a:tc gridSpan="2">
+                  <a:txBody>
+                    <a:bodyPr/>
+                    <a:lstStyle/>
+                    <a:p>
+                      <a:pPr algn="ctr" fontAlgn="b"/>
                       <a:r>
                         <a:rPr lang="es-MX" sz="1100" u="none" strike="noStrike">
-                          <a:effectLst/>
-                        </a:rPr>
-                        <a:t>EDAD:MoCA </a:t>
+                          <a:solidFill>
+                            <a:srgbClr val="FF0000"/>
+                          </a:solidFill>
+                          <a:effectLst/>
+                        </a:rPr>
+                        <a:t>-1.57E+00</a:t>
                       </a:r>
                       <a:endParaRPr lang="es-MX" sz="1100" b="0" i="0" u="none" strike="noStrike">
                         <a:solidFill>
@@ -9031,21 +9345,34 @@
                     </a:lnB>
                   </a:tcPr>
                 </a:tc>
-                <a:tc gridSpan="2">
-                  <a:txBody>
-                    <a:bodyPr/>
-                    <a:lstStyle/>
-                    <a:p>
-                      <a:pPr algn="ctr" fontAlgn="b"/>
+                <a:tc hMerge="1">
+                  <a:txBody>
+                    <a:bodyPr/>
+                    <a:lstStyle/>
+                    <a:p>
+                      <a:endParaRPr lang="es-MX"/>
+                    </a:p>
+                  </a:txBody>
+                  <a:tcPr/>
+                </a:tc>
+                <a:tc>
+                  <a:txBody>
+                    <a:bodyPr/>
+                    <a:lstStyle/>
+                    <a:p>
+                      <a:pPr algn="ctr" fontAlgn="ctr"/>
                       <a:r>
                         <a:rPr lang="es-MX" sz="1100" u="none" strike="noStrike">
-                          <a:effectLst/>
-                        </a:rPr>
-                        <a:t>-1.57E+00</a:t>
+                          <a:solidFill>
+                            <a:srgbClr val="FF0000"/>
+                          </a:solidFill>
+                          <a:effectLst/>
+                        </a:rPr>
+                        <a:t>-2.419</a:t>
                       </a:r>
                       <a:endParaRPr lang="es-MX" sz="1100" b="0" i="0" u="none" strike="noStrike">
                         <a:solidFill>
-                          <a:srgbClr val="000000"/>
+                          <a:srgbClr val="FF0000"/>
                         </a:solidFill>
                         <a:effectLst/>
                         <a:latin typeface="Calibri" panose="020F0502020204030204" pitchFamily="34" charset="0"/>
@@ -9091,89 +9418,22 @@
                     </a:lnB>
                   </a:tcPr>
                 </a:tc>
-                <a:tc hMerge="1">
-                  <a:txBody>
-                    <a:bodyPr/>
-                    <a:lstStyle/>
-                    <a:p>
-                      <a:endParaRPr lang="es-MX"/>
-                    </a:p>
-                  </a:txBody>
-                  <a:tcPr/>
-                </a:tc>
-                <a:tc>
-                  <a:txBody>
-                    <a:bodyPr/>
-                    <a:lstStyle/>
-                    <a:p>
-                      <a:pPr algn="ctr" fontAlgn="ctr"/>
-                      <a:r>
-                        <a:rPr lang="es-MX" sz="1100" u="none" strike="noStrike">
-                          <a:effectLst/>
-                        </a:rPr>
-                        <a:t>-2.419</a:t>
-                      </a:r>
-                      <a:endParaRPr lang="es-MX" sz="1100" b="0" i="0" u="none" strike="noStrike">
-                        <a:solidFill>
-                          <a:srgbClr val="FF0000"/>
-                        </a:solidFill>
-                        <a:effectLst/>
-                        <a:latin typeface="Calibri" panose="020F0502020204030204" pitchFamily="34" charset="0"/>
-                      </a:endParaRPr>
-                    </a:p>
-                  </a:txBody>
-                  <a:tcPr marL="6881" marR="6881" marT="6881" marB="0" anchor="ctr">
-                    <a:lnL w="12700" cap="flat" cmpd="sng" algn="ctr">
-                      <a:solidFill>
-                        <a:schemeClr val="tx1"/>
-                      </a:solidFill>
-                      <a:prstDash val="solid"/>
-                      <a:round/>
-                      <a:headEnd type="none" w="med" len="med"/>
-                      <a:tailEnd type="none" w="med" len="med"/>
-                    </a:lnL>
-                    <a:lnR w="12700" cap="flat" cmpd="sng" algn="ctr">
-                      <a:solidFill>
-                        <a:schemeClr val="tx1"/>
-                      </a:solidFill>
-                      <a:prstDash val="solid"/>
-                      <a:round/>
-                      <a:headEnd type="none" w="med" len="med"/>
-                      <a:tailEnd type="none" w="med" len="med"/>
-                    </a:lnR>
-                    <a:lnT w="12700" cap="flat" cmpd="sng" algn="ctr">
-                      <a:solidFill>
-                        <a:schemeClr val="tx1"/>
-                      </a:solidFill>
-                      <a:prstDash val="solid"/>
-                      <a:round/>
-                      <a:headEnd type="none" w="med" len="med"/>
-                      <a:tailEnd type="none" w="med" len="med"/>
-                    </a:lnT>
-                    <a:lnB w="12700" cap="flat" cmpd="sng" algn="ctr">
-                      <a:solidFill>
-                        <a:schemeClr val="tx1"/>
-                      </a:solidFill>
-                      <a:prstDash val="solid"/>
-                      <a:round/>
-                      <a:headEnd type="none" w="med" len="med"/>
-                      <a:tailEnd type="none" w="med" len="med"/>
-                    </a:lnB>
-                  </a:tcPr>
-                </a:tc>
-                <a:tc>
-                  <a:txBody>
-                    <a:bodyPr/>
-                    <a:lstStyle/>
-                    <a:p>
-                      <a:pPr algn="ctr" fontAlgn="ctr"/>
-                      <a:r>
-                        <a:rPr lang="es-MX" sz="1100" u="none" strike="noStrike">
+                <a:tc>
+                  <a:txBody>
+                    <a:bodyPr/>
+                    <a:lstStyle/>
+                    <a:p>
+                      <a:pPr algn="ctr" fontAlgn="ctr"/>
+                      <a:r>
+                        <a:rPr lang="es-MX" sz="1100" u="none" strike="noStrike" dirty="0">
+                          <a:solidFill>
+                            <a:srgbClr val="FF0000"/>
+                          </a:solidFill>
                           <a:effectLst/>
                         </a:rPr>
                         <a:t>0.01649</a:t>
                       </a:r>
-                      <a:endParaRPr lang="es-MX" sz="1100" b="0" i="0" u="none" strike="noStrike">
+                      <a:endParaRPr lang="es-MX" sz="1100" b="0" i="0" u="none" strike="noStrike" dirty="0">
                         <a:solidFill>
                           <a:srgbClr val="FF0000"/>
                         </a:solidFill>
@@ -9236,13 +9496,16 @@
                       <a:pPr algn="ctr" fontAlgn="ctr"/>
                       <a:r>
                         <a:rPr lang="es-MX" sz="1100" u="none" strike="noStrike">
+                          <a:solidFill>
+                            <a:srgbClr val="FF0000"/>
+                          </a:solidFill>
                           <a:effectLst/>
                         </a:rPr>
                         <a:t> </a:t>
                       </a:r>
                       <a:endParaRPr lang="es-MX" sz="1100" b="0" i="0" u="none" strike="noStrike">
                         <a:solidFill>
-                          <a:srgbClr val="000000"/>
+                          <a:srgbClr val="FF0000"/>
                         </a:solidFill>
                         <a:effectLst/>
                         <a:latin typeface="Calibri" panose="020F0502020204030204" pitchFamily="34" charset="0"/>
@@ -9296,13 +9559,16 @@
                       <a:pPr algn="ctr" fontAlgn="b"/>
                       <a:r>
                         <a:rPr lang="es-MX" sz="1100" u="none" strike="noStrike">
+                          <a:solidFill>
+                            <a:srgbClr val="FF0000"/>
+                          </a:solidFill>
                           <a:effectLst/>
                         </a:rPr>
                         <a:t> </a:t>
                       </a:r>
                       <a:endParaRPr lang="es-MX" sz="1100" b="0" i="0" u="none" strike="noStrike">
                         <a:solidFill>
-                          <a:srgbClr val="000000"/>
+                          <a:srgbClr val="FF0000"/>
                         </a:solidFill>
                         <a:effectLst/>
                         <a:latin typeface="Calibri" panose="020F0502020204030204" pitchFamily="34" charset="0"/>
@@ -9366,13 +9632,16 @@
                       <a:pPr algn="ctr" fontAlgn="ctr"/>
                       <a:r>
                         <a:rPr lang="es-MX" sz="1100" u="none" strike="noStrike">
+                          <a:solidFill>
+                            <a:srgbClr val="FF0000"/>
+                          </a:solidFill>
                           <a:effectLst/>
                         </a:rPr>
                         <a:t> </a:t>
                       </a:r>
                       <a:endParaRPr lang="es-MX" sz="1100" b="0" i="0" u="none" strike="noStrike">
                         <a:solidFill>
-                          <a:srgbClr val="000000"/>
+                          <a:srgbClr val="FF0000"/>
                         </a:solidFill>
                         <a:effectLst/>
                         <a:latin typeface="Calibri" panose="020F0502020204030204" pitchFamily="34" charset="0"/>
@@ -9425,14 +9694,80 @@
                     <a:p>
                       <a:pPr algn="ctr" fontAlgn="ctr"/>
                       <a:r>
+                        <a:rPr lang="es-MX" sz="1100" u="none" strike="noStrike" dirty="0">
+                          <a:solidFill>
+                            <a:srgbClr val="FF0000"/>
+                          </a:solidFill>
+                          <a:effectLst/>
+                        </a:rPr>
+                        <a:t> </a:t>
+                      </a:r>
+                      <a:endParaRPr lang="es-MX" sz="1100" b="0" i="0" u="none" strike="noStrike" dirty="0">
+                        <a:solidFill>
+                          <a:srgbClr val="FF0000"/>
+                        </a:solidFill>
+                        <a:effectLst/>
+                        <a:latin typeface="Calibri" panose="020F0502020204030204" pitchFamily="34" charset="0"/>
+                      </a:endParaRPr>
+                    </a:p>
+                  </a:txBody>
+                  <a:tcPr marL="6881" marR="6881" marT="6881" marB="0" anchor="ctr">
+                    <a:lnL w="12700" cap="flat" cmpd="sng" algn="ctr">
+                      <a:solidFill>
+                        <a:schemeClr val="tx1"/>
+                      </a:solidFill>
+                      <a:prstDash val="solid"/>
+                      <a:round/>
+                      <a:headEnd type="none" w="med" len="med"/>
+                      <a:tailEnd type="none" w="med" len="med"/>
+                    </a:lnL>
+                    <a:lnR w="12700" cap="flat" cmpd="sng" algn="ctr">
+                      <a:solidFill>
+                        <a:schemeClr val="tx1"/>
+                      </a:solidFill>
+                      <a:prstDash val="solid"/>
+                      <a:round/>
+                      <a:headEnd type="none" w="med" len="med"/>
+                      <a:tailEnd type="none" w="med" len="med"/>
+                    </a:lnR>
+                    <a:lnT w="12700" cap="flat" cmpd="sng" algn="ctr">
+                      <a:solidFill>
+                        <a:schemeClr val="tx1"/>
+                      </a:solidFill>
+                      <a:prstDash val="solid"/>
+                      <a:round/>
+                      <a:headEnd type="none" w="med" len="med"/>
+                      <a:tailEnd type="none" w="med" len="med"/>
+                    </a:lnT>
+                    <a:lnB w="12700" cap="flat" cmpd="sng" algn="ctr">
+                      <a:solidFill>
+                        <a:schemeClr val="tx1"/>
+                      </a:solidFill>
+                      <a:prstDash val="solid"/>
+                      <a:round/>
+                      <a:headEnd type="none" w="med" len="med"/>
+                      <a:tailEnd type="none" w="med" len="med"/>
+                    </a:lnB>
+                  </a:tcPr>
+                </a:tc>
+                <a:tc>
+                  <a:txBody>
+                    <a:bodyPr/>
+                    <a:lstStyle/>
+                    <a:p>
+                      <a:pPr algn="ctr" fontAlgn="ctr"/>
+                      <a:r>
                         <a:rPr lang="es-MX" sz="1100" u="none" strike="noStrike">
-                          <a:effectLst/>
-                        </a:rPr>
-                        <a:t> </a:t>
+                          <a:solidFill>
+                            <a:srgbClr val="FF0000"/>
+                          </a:solidFill>
+                          <a:effectLst/>
+                        </a:rPr>
+                        <a:t>ESCOLARIDAD:MoCA </a:t>
                       </a:r>
                       <a:endParaRPr lang="es-MX" sz="1100" b="0" i="0" u="none" strike="noStrike">
                         <a:solidFill>
-                          <a:srgbClr val="000000"/>
+                          <a:srgbClr val="FF0000"/>
                         </a:solidFill>
                         <a:effectLst/>
                         <a:latin typeface="Calibri" panose="020F0502020204030204" pitchFamily="34" charset="0"/>
@@ -9478,17 +9813,20 @@
                     </a:lnB>
                   </a:tcPr>
                 </a:tc>
-                <a:tc>
-                  <a:txBody>
-                    <a:bodyPr/>
-                    <a:lstStyle/>
-                    <a:p>
-                      <a:pPr algn="ctr" fontAlgn="ctr"/>
+                <a:tc gridSpan="2">
+                  <a:txBody>
+                    <a:bodyPr/>
+                    <a:lstStyle/>
+                    <a:p>
+                      <a:pPr algn="ctr" fontAlgn="b"/>
                       <a:r>
                         <a:rPr lang="es-MX" sz="1100" u="none" strike="noStrike">
-                          <a:effectLst/>
-                        </a:rPr>
-                        <a:t>ESCOLARIDAD:MoCA </a:t>
+                          <a:solidFill>
+                            <a:srgbClr val="FF0000"/>
+                          </a:solidFill>
+                          <a:effectLst/>
+                        </a:rPr>
+                        <a:t>-6.16E+00</a:t>
                       </a:r>
                       <a:endParaRPr lang="es-MX" sz="1100" b="0" i="0" u="none" strike="noStrike">
                         <a:solidFill>
@@ -9538,21 +9876,34 @@
                     </a:lnB>
                   </a:tcPr>
                 </a:tc>
-                <a:tc gridSpan="2">
-                  <a:txBody>
-                    <a:bodyPr/>
-                    <a:lstStyle/>
-                    <a:p>
-                      <a:pPr algn="ctr" fontAlgn="b"/>
+                <a:tc hMerge="1">
+                  <a:txBody>
+                    <a:bodyPr/>
+                    <a:lstStyle/>
+                    <a:p>
+                      <a:endParaRPr lang="es-MX"/>
+                    </a:p>
+                  </a:txBody>
+                  <a:tcPr/>
+                </a:tc>
+                <a:tc>
+                  <a:txBody>
+                    <a:bodyPr/>
+                    <a:lstStyle/>
+                    <a:p>
+                      <a:pPr algn="ctr" fontAlgn="ctr"/>
                       <a:r>
                         <a:rPr lang="es-MX" sz="1100" u="none" strike="noStrike">
-                          <a:effectLst/>
-                        </a:rPr>
-                        <a:t>-6.16E+00</a:t>
+                          <a:solidFill>
+                            <a:srgbClr val="FF0000"/>
+                          </a:solidFill>
+                          <a:effectLst/>
+                        </a:rPr>
+                        <a:t>-2.999</a:t>
                       </a:r>
                       <a:endParaRPr lang="es-MX" sz="1100" b="0" i="0" u="none" strike="noStrike">
                         <a:solidFill>
-                          <a:srgbClr val="000000"/>
+                          <a:srgbClr val="FF0000"/>
                         </a:solidFill>
                         <a:effectLst/>
                         <a:latin typeface="Calibri" panose="020F0502020204030204" pitchFamily="34" charset="0"/>
@@ -9598,89 +9949,22 @@
                     </a:lnB>
                   </a:tcPr>
                 </a:tc>
-                <a:tc hMerge="1">
-                  <a:txBody>
-                    <a:bodyPr/>
-                    <a:lstStyle/>
-                    <a:p>
-                      <a:endParaRPr lang="es-MX"/>
-                    </a:p>
-                  </a:txBody>
-                  <a:tcPr/>
-                </a:tc>
-                <a:tc>
-                  <a:txBody>
-                    <a:bodyPr/>
-                    <a:lstStyle/>
-                    <a:p>
-                      <a:pPr algn="ctr" fontAlgn="ctr"/>
-                      <a:r>
-                        <a:rPr lang="es-MX" sz="1100" u="none" strike="noStrike">
-                          <a:effectLst/>
-                        </a:rPr>
-                        <a:t>-2.999</a:t>
-                      </a:r>
-                      <a:endParaRPr lang="es-MX" sz="1100" b="0" i="0" u="none" strike="noStrike">
-                        <a:solidFill>
-                          <a:srgbClr val="FF0000"/>
-                        </a:solidFill>
-                        <a:effectLst/>
-                        <a:latin typeface="Calibri" panose="020F0502020204030204" pitchFamily="34" charset="0"/>
-                      </a:endParaRPr>
-                    </a:p>
-                  </a:txBody>
-                  <a:tcPr marL="6881" marR="6881" marT="6881" marB="0" anchor="ctr">
-                    <a:lnL w="12700" cap="flat" cmpd="sng" algn="ctr">
-                      <a:solidFill>
-                        <a:schemeClr val="tx1"/>
-                      </a:solidFill>
-                      <a:prstDash val="solid"/>
-                      <a:round/>
-                      <a:headEnd type="none" w="med" len="med"/>
-                      <a:tailEnd type="none" w="med" len="med"/>
-                    </a:lnL>
-                    <a:lnR w="12700" cap="flat" cmpd="sng" algn="ctr">
-                      <a:solidFill>
-                        <a:schemeClr val="tx1"/>
-                      </a:solidFill>
-                      <a:prstDash val="solid"/>
-                      <a:round/>
-                      <a:headEnd type="none" w="med" len="med"/>
-                      <a:tailEnd type="none" w="med" len="med"/>
-                    </a:lnR>
-                    <a:lnT w="12700" cap="flat" cmpd="sng" algn="ctr">
-                      <a:solidFill>
-                        <a:schemeClr val="tx1"/>
-                      </a:solidFill>
-                      <a:prstDash val="solid"/>
-                      <a:round/>
-                      <a:headEnd type="none" w="med" len="med"/>
-                      <a:tailEnd type="none" w="med" len="med"/>
-                    </a:lnT>
-                    <a:lnB w="12700" cap="flat" cmpd="sng" algn="ctr">
-                      <a:solidFill>
-                        <a:schemeClr val="tx1"/>
-                      </a:solidFill>
-                      <a:prstDash val="solid"/>
-                      <a:round/>
-                      <a:headEnd type="none" w="med" len="med"/>
-                      <a:tailEnd type="none" w="med" len="med"/>
-                    </a:lnB>
-                  </a:tcPr>
-                </a:tc>
-                <a:tc>
-                  <a:txBody>
-                    <a:bodyPr/>
-                    <a:lstStyle/>
-                    <a:p>
-                      <a:pPr algn="ctr" fontAlgn="ctr"/>
-                      <a:r>
-                        <a:rPr lang="es-MX" sz="1100" u="none" strike="noStrike">
+                <a:tc>
+                  <a:txBody>
+                    <a:bodyPr/>
+                    <a:lstStyle/>
+                    <a:p>
+                      <a:pPr algn="ctr" fontAlgn="ctr"/>
+                      <a:r>
+                        <a:rPr lang="es-MX" sz="1100" u="none" strike="noStrike" dirty="0">
+                          <a:solidFill>
+                            <a:srgbClr val="FF0000"/>
+                          </a:solidFill>
                           <a:effectLst/>
                         </a:rPr>
                         <a:t>0.00307</a:t>
                       </a:r>
-                      <a:endParaRPr lang="es-MX" sz="1100" b="0" i="0" u="none" strike="noStrike">
+                      <a:endParaRPr lang="es-MX" sz="1100" b="0" i="0" u="none" strike="noStrike" dirty="0">
                         <a:solidFill>
                           <a:srgbClr val="FF0000"/>
                         </a:solidFill>
@@ -9743,6 +10027,9 @@
                       <a:pPr algn="ctr" fontAlgn="ctr"/>
                       <a:r>
                         <a:rPr lang="es-MX" sz="1100" u="none" strike="noStrike">
+                          <a:solidFill>
+                            <a:srgbClr val="FF0000"/>
+                          </a:solidFill>
                           <a:effectLst/>
                         </a:rPr>
                         <a:t>EDAD:CRI_Total </a:t>
@@ -9803,13 +10090,16 @@
                       <a:pPr algn="ctr" fontAlgn="b"/>
                       <a:r>
                         <a:rPr lang="es-MX" sz="1100" u="none" strike="noStrike">
+                          <a:solidFill>
+                            <a:srgbClr val="FF0000"/>
+                          </a:solidFill>
                           <a:effectLst/>
                         </a:rPr>
                         <a:t>0.003327</a:t>
                       </a:r>
                       <a:endParaRPr lang="es-MX" sz="1100" b="0" i="0" u="none" strike="noStrike">
                         <a:solidFill>
-                          <a:srgbClr val="000000"/>
+                          <a:srgbClr val="FF0000"/>
                         </a:solidFill>
                         <a:effectLst/>
                         <a:latin typeface="Calibri" panose="020F0502020204030204" pitchFamily="34" charset="0"/>
@@ -9873,6 +10163,9 @@
                       <a:pPr algn="ctr" fontAlgn="ctr"/>
                       <a:r>
                         <a:rPr lang="es-MX" sz="1100" u="none" strike="noStrike">
+                          <a:solidFill>
+                            <a:srgbClr val="FF0000"/>
+                          </a:solidFill>
                           <a:effectLst/>
                         </a:rPr>
                         <a:t>2.161</a:t>
@@ -9932,10 +10225,76 @@
                     <a:p>
                       <a:pPr algn="ctr" fontAlgn="ctr"/>
                       <a:r>
+                        <a:rPr lang="es-MX" sz="1100" u="none" strike="noStrike" dirty="0">
+                          <a:solidFill>
+                            <a:srgbClr val="FF0000"/>
+                          </a:solidFill>
+                          <a:effectLst/>
+                        </a:rPr>
+                        <a:t>0.03184</a:t>
+                      </a:r>
+                      <a:endParaRPr lang="es-MX" sz="1100" b="0" i="0" u="none" strike="noStrike" dirty="0">
+                        <a:solidFill>
+                          <a:srgbClr val="FF0000"/>
+                        </a:solidFill>
+                        <a:effectLst/>
+                        <a:latin typeface="Calibri" panose="020F0502020204030204" pitchFamily="34" charset="0"/>
+                      </a:endParaRPr>
+                    </a:p>
+                  </a:txBody>
+                  <a:tcPr marL="6881" marR="6881" marT="6881" marB="0" anchor="ctr">
+                    <a:lnL w="12700" cap="flat" cmpd="sng" algn="ctr">
+                      <a:solidFill>
+                        <a:schemeClr val="tx1"/>
+                      </a:solidFill>
+                      <a:prstDash val="solid"/>
+                      <a:round/>
+                      <a:headEnd type="none" w="med" len="med"/>
+                      <a:tailEnd type="none" w="med" len="med"/>
+                    </a:lnL>
+                    <a:lnR w="12700" cap="flat" cmpd="sng" algn="ctr">
+                      <a:solidFill>
+                        <a:schemeClr val="tx1"/>
+                      </a:solidFill>
+                      <a:prstDash val="solid"/>
+                      <a:round/>
+                      <a:headEnd type="none" w="med" len="med"/>
+                      <a:tailEnd type="none" w="med" len="med"/>
+                    </a:lnR>
+                    <a:lnT w="12700" cap="flat" cmpd="sng" algn="ctr">
+                      <a:solidFill>
+                        <a:schemeClr val="tx1"/>
+                      </a:solidFill>
+                      <a:prstDash val="solid"/>
+                      <a:round/>
+                      <a:headEnd type="none" w="med" len="med"/>
+                      <a:tailEnd type="none" w="med" len="med"/>
+                    </a:lnT>
+                    <a:lnB w="12700" cap="flat" cmpd="sng" algn="ctr">
+                      <a:solidFill>
+                        <a:schemeClr val="tx1"/>
+                      </a:solidFill>
+                      <a:prstDash val="solid"/>
+                      <a:round/>
+                      <a:headEnd type="none" w="med" len="med"/>
+                      <a:tailEnd type="none" w="med" len="med"/>
+                    </a:lnB>
+                  </a:tcPr>
+                </a:tc>
+                <a:tc>
+                  <a:txBody>
+                    <a:bodyPr/>
+                    <a:lstStyle/>
+                    <a:p>
+                      <a:pPr algn="ctr" fontAlgn="ctr"/>
+                      <a:r>
                         <a:rPr lang="es-MX" sz="1100" u="none" strike="noStrike">
-                          <a:effectLst/>
-                        </a:rPr>
-                        <a:t>0.03184</a:t>
+                          <a:solidFill>
+                            <a:srgbClr val="FF0000"/>
+                          </a:solidFill>
+                          <a:effectLst/>
+                        </a:rPr>
+                        <a:t>EDAD:CRI_Total </a:t>
                       </a:r>
                       <a:endParaRPr lang="es-MX" sz="1100" b="0" i="0" u="none" strike="noStrike">
                         <a:solidFill>
@@ -9985,17 +10344,20 @@
                     </a:lnB>
                   </a:tcPr>
                 </a:tc>
-                <a:tc>
-                  <a:txBody>
-                    <a:bodyPr/>
-                    <a:lstStyle/>
-                    <a:p>
-                      <a:pPr algn="ctr" fontAlgn="ctr"/>
+                <a:tc gridSpan="2">
+                  <a:txBody>
+                    <a:bodyPr/>
+                    <a:lstStyle/>
+                    <a:p>
+                      <a:pPr algn="ctr" fontAlgn="b"/>
                       <a:r>
                         <a:rPr lang="es-MX" sz="1100" u="none" strike="noStrike">
-                          <a:effectLst/>
-                        </a:rPr>
-                        <a:t>EDAD:CRI_Total </a:t>
+                          <a:solidFill>
+                            <a:srgbClr val="FF0000"/>
+                          </a:solidFill>
+                          <a:effectLst/>
+                        </a:rPr>
+                        <a:t>-3.23E-01</a:t>
                       </a:r>
                       <a:endParaRPr lang="es-MX" sz="1100" b="0" i="0" u="none" strike="noStrike">
                         <a:solidFill>
@@ -10045,21 +10407,34 @@
                     </a:lnB>
                   </a:tcPr>
                 </a:tc>
-                <a:tc gridSpan="2">
-                  <a:txBody>
-                    <a:bodyPr/>
-                    <a:lstStyle/>
-                    <a:p>
-                      <a:pPr algn="ctr" fontAlgn="b"/>
+                <a:tc hMerge="1">
+                  <a:txBody>
+                    <a:bodyPr/>
+                    <a:lstStyle/>
+                    <a:p>
+                      <a:endParaRPr lang="es-MX"/>
+                    </a:p>
+                  </a:txBody>
+                  <a:tcPr/>
+                </a:tc>
+                <a:tc>
+                  <a:txBody>
+                    <a:bodyPr/>
+                    <a:lstStyle/>
+                    <a:p>
+                      <a:pPr algn="ctr" fontAlgn="ctr"/>
                       <a:r>
                         <a:rPr lang="es-MX" sz="1100" u="none" strike="noStrike">
-                          <a:effectLst/>
-                        </a:rPr>
-                        <a:t>-3.23E-01</a:t>
+                          <a:solidFill>
+                            <a:srgbClr val="FF0000"/>
+                          </a:solidFill>
+                          <a:effectLst/>
+                        </a:rPr>
+                        <a:t>-1.991</a:t>
                       </a:r>
                       <a:endParaRPr lang="es-MX" sz="1100" b="0" i="0" u="none" strike="noStrike">
                         <a:solidFill>
-                          <a:srgbClr val="000000"/>
+                          <a:srgbClr val="FF0000"/>
                         </a:solidFill>
                         <a:effectLst/>
                         <a:latin typeface="Calibri" panose="020F0502020204030204" pitchFamily="34" charset="0"/>
@@ -10105,89 +10480,22 @@
                     </a:lnB>
                   </a:tcPr>
                 </a:tc>
-                <a:tc hMerge="1">
-                  <a:txBody>
-                    <a:bodyPr/>
-                    <a:lstStyle/>
-                    <a:p>
-                      <a:endParaRPr lang="es-MX"/>
-                    </a:p>
-                  </a:txBody>
-                  <a:tcPr/>
-                </a:tc>
-                <a:tc>
-                  <a:txBody>
-                    <a:bodyPr/>
-                    <a:lstStyle/>
-                    <a:p>
-                      <a:pPr algn="ctr" fontAlgn="ctr"/>
-                      <a:r>
-                        <a:rPr lang="es-MX" sz="1100" u="none" strike="noStrike">
-                          <a:effectLst/>
-                        </a:rPr>
-                        <a:t>-1.991</a:t>
-                      </a:r>
-                      <a:endParaRPr lang="es-MX" sz="1100" b="0" i="0" u="none" strike="noStrike">
-                        <a:solidFill>
-                          <a:srgbClr val="FF0000"/>
-                        </a:solidFill>
-                        <a:effectLst/>
-                        <a:latin typeface="Calibri" panose="020F0502020204030204" pitchFamily="34" charset="0"/>
-                      </a:endParaRPr>
-                    </a:p>
-                  </a:txBody>
-                  <a:tcPr marL="6881" marR="6881" marT="6881" marB="0" anchor="ctr">
-                    <a:lnL w="12700" cap="flat" cmpd="sng" algn="ctr">
-                      <a:solidFill>
-                        <a:schemeClr val="tx1"/>
-                      </a:solidFill>
-                      <a:prstDash val="solid"/>
-                      <a:round/>
-                      <a:headEnd type="none" w="med" len="med"/>
-                      <a:tailEnd type="none" w="med" len="med"/>
-                    </a:lnL>
-                    <a:lnR w="12700" cap="flat" cmpd="sng" algn="ctr">
-                      <a:solidFill>
-                        <a:schemeClr val="tx1"/>
-                      </a:solidFill>
-                      <a:prstDash val="solid"/>
-                      <a:round/>
-                      <a:headEnd type="none" w="med" len="med"/>
-                      <a:tailEnd type="none" w="med" len="med"/>
-                    </a:lnR>
-                    <a:lnT w="12700" cap="flat" cmpd="sng" algn="ctr">
-                      <a:solidFill>
-                        <a:schemeClr val="tx1"/>
-                      </a:solidFill>
-                      <a:prstDash val="solid"/>
-                      <a:round/>
-                      <a:headEnd type="none" w="med" len="med"/>
-                      <a:tailEnd type="none" w="med" len="med"/>
-                    </a:lnT>
-                    <a:lnB w="12700" cap="flat" cmpd="sng" algn="ctr">
-                      <a:solidFill>
-                        <a:schemeClr val="tx1"/>
-                      </a:solidFill>
-                      <a:prstDash val="solid"/>
-                      <a:round/>
-                      <a:headEnd type="none" w="med" len="med"/>
-                      <a:tailEnd type="none" w="med" len="med"/>
-                    </a:lnB>
-                  </a:tcPr>
-                </a:tc>
-                <a:tc>
-                  <a:txBody>
-                    <a:bodyPr/>
-                    <a:lstStyle/>
-                    <a:p>
-                      <a:pPr algn="ctr" fontAlgn="ctr"/>
-                      <a:r>
-                        <a:rPr lang="es-MX" sz="1100" u="none" strike="noStrike">
+                <a:tc>
+                  <a:txBody>
+                    <a:bodyPr/>
+                    <a:lstStyle/>
+                    <a:p>
+                      <a:pPr algn="ctr" fontAlgn="ctr"/>
+                      <a:r>
+                        <a:rPr lang="es-MX" sz="1100" u="none" strike="noStrike" dirty="0">
+                          <a:solidFill>
+                            <a:srgbClr val="FF0000"/>
+                          </a:solidFill>
                           <a:effectLst/>
                         </a:rPr>
                         <a:t>0.04785</a:t>
                       </a:r>
-                      <a:endParaRPr lang="es-MX" sz="1100" b="0" i="0" u="none" strike="noStrike">
+                      <a:endParaRPr lang="es-MX" sz="1100" b="0" i="0" u="none" strike="noStrike" dirty="0">
                         <a:solidFill>
                           <a:srgbClr val="FF0000"/>
                         </a:solidFill>
@@ -10250,13 +10558,16 @@
                       <a:pPr algn="ctr" fontAlgn="ctr"/>
                       <a:r>
                         <a:rPr lang="es-MX" sz="1100" u="none" strike="noStrike">
+                          <a:solidFill>
+                            <a:srgbClr val="FF0000"/>
+                          </a:solidFill>
                           <a:effectLst/>
                         </a:rPr>
                         <a:t> </a:t>
                       </a:r>
                       <a:endParaRPr lang="es-MX" sz="1100" b="0" i="0" u="none" strike="noStrike">
                         <a:solidFill>
-                          <a:srgbClr val="000000"/>
+                          <a:srgbClr val="FF0000"/>
                         </a:solidFill>
                         <a:effectLst/>
                         <a:latin typeface="Calibri" panose="020F0502020204030204" pitchFamily="34" charset="0"/>
@@ -10310,13 +10621,16 @@
                       <a:pPr algn="ctr" fontAlgn="ctr"/>
                       <a:r>
                         <a:rPr lang="es-MX" sz="1100" u="none" strike="noStrike">
+                          <a:solidFill>
+                            <a:srgbClr val="FF0000"/>
+                          </a:solidFill>
                           <a:effectLst/>
                         </a:rPr>
                         <a:t> </a:t>
                       </a:r>
                       <a:endParaRPr lang="es-MX" sz="1100" b="0" i="0" u="none" strike="noStrike">
                         <a:solidFill>
-                          <a:srgbClr val="000000"/>
+                          <a:srgbClr val="FF0000"/>
                         </a:solidFill>
                         <a:effectLst/>
                         <a:latin typeface="Calibri" panose="020F0502020204030204" pitchFamily="34" charset="0"/>
@@ -10380,13 +10694,16 @@
                       <a:pPr algn="ctr" fontAlgn="ctr"/>
                       <a:r>
                         <a:rPr lang="es-MX" sz="1100" u="none" strike="noStrike">
+                          <a:solidFill>
+                            <a:srgbClr val="FF0000"/>
+                          </a:solidFill>
                           <a:effectLst/>
                         </a:rPr>
                         <a:t> </a:t>
                       </a:r>
                       <a:endParaRPr lang="es-MX" sz="1100" b="0" i="0" u="none" strike="noStrike">
                         <a:solidFill>
-                          <a:srgbClr val="000000"/>
+                          <a:srgbClr val="FF0000"/>
                         </a:solidFill>
                         <a:effectLst/>
                         <a:latin typeface="Calibri" panose="020F0502020204030204" pitchFamily="34" charset="0"/>
@@ -10439,14 +10756,80 @@
                     <a:p>
                       <a:pPr algn="ctr" fontAlgn="ctr"/>
                       <a:r>
+                        <a:rPr lang="es-MX" sz="1100" u="none" strike="noStrike" dirty="0">
+                          <a:solidFill>
+                            <a:srgbClr val="FF0000"/>
+                          </a:solidFill>
+                          <a:effectLst/>
+                        </a:rPr>
+                        <a:t> </a:t>
+                      </a:r>
+                      <a:endParaRPr lang="es-MX" sz="1100" b="0" i="0" u="none" strike="noStrike" dirty="0">
+                        <a:solidFill>
+                          <a:srgbClr val="FF0000"/>
+                        </a:solidFill>
+                        <a:effectLst/>
+                        <a:latin typeface="Calibri" panose="020F0502020204030204" pitchFamily="34" charset="0"/>
+                      </a:endParaRPr>
+                    </a:p>
+                  </a:txBody>
+                  <a:tcPr marL="6881" marR="6881" marT="6881" marB="0" anchor="ctr">
+                    <a:lnL w="12700" cap="flat" cmpd="sng" algn="ctr">
+                      <a:solidFill>
+                        <a:schemeClr val="tx1"/>
+                      </a:solidFill>
+                      <a:prstDash val="solid"/>
+                      <a:round/>
+                      <a:headEnd type="none" w="med" len="med"/>
+                      <a:tailEnd type="none" w="med" len="med"/>
+                    </a:lnL>
+                    <a:lnR w="12700" cap="flat" cmpd="sng" algn="ctr">
+                      <a:solidFill>
+                        <a:schemeClr val="tx1"/>
+                      </a:solidFill>
+                      <a:prstDash val="solid"/>
+                      <a:round/>
+                      <a:headEnd type="none" w="med" len="med"/>
+                      <a:tailEnd type="none" w="med" len="med"/>
+                    </a:lnR>
+                    <a:lnT w="12700" cap="flat" cmpd="sng" algn="ctr">
+                      <a:solidFill>
+                        <a:schemeClr val="tx1"/>
+                      </a:solidFill>
+                      <a:prstDash val="solid"/>
+                      <a:round/>
+                      <a:headEnd type="none" w="med" len="med"/>
+                      <a:tailEnd type="none" w="med" len="med"/>
+                    </a:lnT>
+                    <a:lnB w="12700" cap="flat" cmpd="sng" algn="ctr">
+                      <a:solidFill>
+                        <a:schemeClr val="tx1"/>
+                      </a:solidFill>
+                      <a:prstDash val="solid"/>
+                      <a:round/>
+                      <a:headEnd type="none" w="med" len="med"/>
+                      <a:tailEnd type="none" w="med" len="med"/>
+                    </a:lnB>
+                  </a:tcPr>
+                </a:tc>
+                <a:tc>
+                  <a:txBody>
+                    <a:bodyPr/>
+                    <a:lstStyle/>
+                    <a:p>
+                      <a:pPr algn="ctr" fontAlgn="ctr"/>
+                      <a:r>
                         <a:rPr lang="es-MX" sz="1100" u="none" strike="noStrike">
-                          <a:effectLst/>
-                        </a:rPr>
-                        <a:t> </a:t>
+                          <a:solidFill>
+                            <a:srgbClr val="FF0000"/>
+                          </a:solidFill>
+                          <a:effectLst/>
+                        </a:rPr>
+                        <a:t>ESCOLARIDAD:CRI_Total  </a:t>
                       </a:r>
                       <a:endParaRPr lang="es-MX" sz="1100" b="0" i="0" u="none" strike="noStrike">
                         <a:solidFill>
-                          <a:srgbClr val="000000"/>
+                          <a:srgbClr val="FF0000"/>
                         </a:solidFill>
                         <a:effectLst/>
                         <a:latin typeface="Calibri" panose="020F0502020204030204" pitchFamily="34" charset="0"/>
@@ -10492,17 +10875,20 @@
                     </a:lnB>
                   </a:tcPr>
                 </a:tc>
-                <a:tc>
-                  <a:txBody>
-                    <a:bodyPr/>
-                    <a:lstStyle/>
-                    <a:p>
-                      <a:pPr algn="ctr" fontAlgn="ctr"/>
+                <a:tc gridSpan="2">
+                  <a:txBody>
+                    <a:bodyPr/>
+                    <a:lstStyle/>
+                    <a:p>
+                      <a:pPr algn="ctr" fontAlgn="b"/>
                       <a:r>
                         <a:rPr lang="es-MX" sz="1100" u="none" strike="noStrike">
-                          <a:effectLst/>
-                        </a:rPr>
-                        <a:t>ESCOLARIDAD:CRI_Total  </a:t>
+                          <a:solidFill>
+                            <a:srgbClr val="FF0000"/>
+                          </a:solidFill>
+                          <a:effectLst/>
+                        </a:rPr>
+                        <a:t>-1.30E+00</a:t>
                       </a:r>
                       <a:endParaRPr lang="es-MX" sz="1100" b="0" i="0" u="none" strike="noStrike">
                         <a:solidFill>
@@ -10552,21 +10938,34 @@
                     </a:lnB>
                   </a:tcPr>
                 </a:tc>
-                <a:tc gridSpan="2">
-                  <a:txBody>
-                    <a:bodyPr/>
-                    <a:lstStyle/>
-                    <a:p>
-                      <a:pPr algn="ctr" fontAlgn="b"/>
+                <a:tc hMerge="1">
+                  <a:txBody>
+                    <a:bodyPr/>
+                    <a:lstStyle/>
+                    <a:p>
+                      <a:endParaRPr lang="es-MX"/>
+                    </a:p>
+                  </a:txBody>
+                  <a:tcPr/>
+                </a:tc>
+                <a:tc>
+                  <a:txBody>
+                    <a:bodyPr/>
+                    <a:lstStyle/>
+                    <a:p>
+                      <a:pPr algn="ctr" fontAlgn="ctr"/>
                       <a:r>
                         <a:rPr lang="es-MX" sz="1100" u="none" strike="noStrike">
-                          <a:effectLst/>
-                        </a:rPr>
-                        <a:t>-1.30E+00</a:t>
+                          <a:solidFill>
+                            <a:srgbClr val="FF0000"/>
+                          </a:solidFill>
+                          <a:effectLst/>
+                        </a:rPr>
+                        <a:t>-2.532</a:t>
                       </a:r>
                       <a:endParaRPr lang="es-MX" sz="1100" b="0" i="0" u="none" strike="noStrike">
                         <a:solidFill>
-                          <a:srgbClr val="000000"/>
+                          <a:srgbClr val="FF0000"/>
                         </a:solidFill>
                         <a:effectLst/>
                         <a:latin typeface="Calibri" panose="020F0502020204030204" pitchFamily="34" charset="0"/>
@@ -10612,89 +11011,22 @@
                     </a:lnB>
                   </a:tcPr>
                 </a:tc>
-                <a:tc hMerge="1">
-                  <a:txBody>
-                    <a:bodyPr/>
-                    <a:lstStyle/>
-                    <a:p>
-                      <a:endParaRPr lang="es-MX"/>
-                    </a:p>
-                  </a:txBody>
-                  <a:tcPr/>
-                </a:tc>
-                <a:tc>
-                  <a:txBody>
-                    <a:bodyPr/>
-                    <a:lstStyle/>
-                    <a:p>
-                      <a:pPr algn="ctr" fontAlgn="ctr"/>
-                      <a:r>
-                        <a:rPr lang="es-MX" sz="1100" u="none" strike="noStrike">
-                          <a:effectLst/>
-                        </a:rPr>
-                        <a:t>-2.532</a:t>
-                      </a:r>
-                      <a:endParaRPr lang="es-MX" sz="1100" b="0" i="0" u="none" strike="noStrike">
-                        <a:solidFill>
-                          <a:srgbClr val="FF0000"/>
-                        </a:solidFill>
-                        <a:effectLst/>
-                        <a:latin typeface="Calibri" panose="020F0502020204030204" pitchFamily="34" charset="0"/>
-                      </a:endParaRPr>
-                    </a:p>
-                  </a:txBody>
-                  <a:tcPr marL="6881" marR="6881" marT="6881" marB="0" anchor="ctr">
-                    <a:lnL w="12700" cap="flat" cmpd="sng" algn="ctr">
-                      <a:solidFill>
-                        <a:schemeClr val="tx1"/>
-                      </a:solidFill>
-                      <a:prstDash val="solid"/>
-                      <a:round/>
-                      <a:headEnd type="none" w="med" len="med"/>
-                      <a:tailEnd type="none" w="med" len="med"/>
-                    </a:lnL>
-                    <a:lnR w="12700" cap="flat" cmpd="sng" algn="ctr">
-                      <a:solidFill>
-                        <a:schemeClr val="tx1"/>
-                      </a:solidFill>
-                      <a:prstDash val="solid"/>
-                      <a:round/>
-                      <a:headEnd type="none" w="med" len="med"/>
-                      <a:tailEnd type="none" w="med" len="med"/>
-                    </a:lnR>
-                    <a:lnT w="12700" cap="flat" cmpd="sng" algn="ctr">
-                      <a:solidFill>
-                        <a:schemeClr val="tx1"/>
-                      </a:solidFill>
-                      <a:prstDash val="solid"/>
-                      <a:round/>
-                      <a:headEnd type="none" w="med" len="med"/>
-                      <a:tailEnd type="none" w="med" len="med"/>
-                    </a:lnT>
-                    <a:lnB w="12700" cap="flat" cmpd="sng" algn="ctr">
-                      <a:solidFill>
-                        <a:schemeClr val="tx1"/>
-                      </a:solidFill>
-                      <a:prstDash val="solid"/>
-                      <a:round/>
-                      <a:headEnd type="none" w="med" len="med"/>
-                      <a:tailEnd type="none" w="med" len="med"/>
-                    </a:lnB>
-                  </a:tcPr>
-                </a:tc>
-                <a:tc>
-                  <a:txBody>
-                    <a:bodyPr/>
-                    <a:lstStyle/>
-                    <a:p>
-                      <a:pPr algn="ctr" fontAlgn="ctr"/>
-                      <a:r>
-                        <a:rPr lang="es-MX" sz="1100" u="none" strike="noStrike">
+                <a:tc>
+                  <a:txBody>
+                    <a:bodyPr/>
+                    <a:lstStyle/>
+                    <a:p>
+                      <a:pPr algn="ctr" fontAlgn="ctr"/>
+                      <a:r>
+                        <a:rPr lang="es-MX" sz="1100" u="none" strike="noStrike" dirty="0">
+                          <a:solidFill>
+                            <a:srgbClr val="FF0000"/>
+                          </a:solidFill>
                           <a:effectLst/>
                         </a:rPr>
                         <a:t>0.01214</a:t>
                       </a:r>
-                      <a:endParaRPr lang="es-MX" sz="1100" b="0" i="0" u="none" strike="noStrike">
+                      <a:endParaRPr lang="es-MX" sz="1100" b="0" i="0" u="none" strike="noStrike" dirty="0">
                         <a:solidFill>
                           <a:srgbClr val="FF0000"/>
                         </a:solidFill>
@@ -10757,6 +11089,9 @@
                       <a:pPr algn="ctr" fontAlgn="ctr"/>
                       <a:r>
                         <a:rPr lang="es-MX" sz="1100" u="none" strike="noStrike">
+                          <a:solidFill>
+                            <a:srgbClr val="FF0000"/>
+                          </a:solidFill>
                           <a:effectLst/>
                         </a:rPr>
                         <a:t>MoCA:CRI_Total</a:t>
@@ -10817,13 +11152,16 @@
                       <a:pPr algn="ctr" fontAlgn="b"/>
                       <a:r>
                         <a:rPr lang="es-MX" sz="1100" u="none" strike="noStrike">
+                          <a:solidFill>
+                            <a:srgbClr val="FF0000"/>
+                          </a:solidFill>
                           <a:effectLst/>
                         </a:rPr>
                         <a:t>0.034965</a:t>
                       </a:r>
                       <a:endParaRPr lang="es-MX" sz="1100" b="0" i="0" u="none" strike="noStrike">
                         <a:solidFill>
-                          <a:srgbClr val="000000"/>
+                          <a:srgbClr val="FF0000"/>
                         </a:solidFill>
                         <a:effectLst/>
                         <a:latin typeface="Calibri" panose="020F0502020204030204" pitchFamily="34" charset="0"/>
@@ -10887,6 +11225,9 @@
                       <a:pPr algn="ctr" fontAlgn="ctr"/>
                       <a:r>
                         <a:rPr lang="es-MX" sz="1100" u="none" strike="noStrike">
+                          <a:solidFill>
+                            <a:srgbClr val="FF0000"/>
+                          </a:solidFill>
                           <a:effectLst/>
                         </a:rPr>
                         <a:t>2.004</a:t>
@@ -10946,12 +11287,15 @@
                     <a:p>
                       <a:pPr algn="ctr" fontAlgn="ctr"/>
                       <a:r>
-                        <a:rPr lang="es-MX" sz="1100" u="none" strike="noStrike">
+                        <a:rPr lang="es-MX" sz="1100" u="none" strike="noStrike" dirty="0">
+                          <a:solidFill>
+                            <a:srgbClr val="FF0000"/>
+                          </a:solidFill>
                           <a:effectLst/>
                         </a:rPr>
                         <a:t>0.04643</a:t>
                       </a:r>
-                      <a:endParaRPr lang="es-MX" sz="1100" b="0" i="0" u="none" strike="noStrike">
+                      <a:endParaRPr lang="es-MX" sz="1100" b="0" i="0" u="none" strike="noStrike" dirty="0">
                         <a:solidFill>
                           <a:srgbClr val="FF0000"/>
                         </a:solidFill>
@@ -11513,10 +11857,149 @@
                     <a:p>
                       <a:pPr algn="ctr" fontAlgn="ctr"/>
                       <a:r>
+                        <a:rPr lang="es-MX" sz="1100" u="none" strike="noStrike" dirty="0" err="1">
+                          <a:solidFill>
+                            <a:srgbClr val="FF0000"/>
+                          </a:solidFill>
+                          <a:effectLst/>
+                        </a:rPr>
+                        <a:t>EDAD:ESCOLARIDAD:MoCA</a:t>
+                      </a:r>
+                      <a:endParaRPr lang="es-MX" sz="1100" b="0" i="0" u="none" strike="noStrike" dirty="0">
+                        <a:solidFill>
+                          <a:srgbClr val="FF0000"/>
+                        </a:solidFill>
+                        <a:effectLst/>
+                        <a:latin typeface="Calibri" panose="020F0502020204030204" pitchFamily="34" charset="0"/>
+                      </a:endParaRPr>
+                    </a:p>
+                  </a:txBody>
+                  <a:tcPr marL="6881" marR="6881" marT="6881" marB="0" anchor="ctr">
+                    <a:lnL w="12700" cap="flat" cmpd="sng" algn="ctr">
+                      <a:solidFill>
+                        <a:schemeClr val="tx1"/>
+                      </a:solidFill>
+                      <a:prstDash val="solid"/>
+                      <a:round/>
+                      <a:headEnd type="none" w="med" len="med"/>
+                      <a:tailEnd type="none" w="med" len="med"/>
+                    </a:lnL>
+                    <a:lnR w="12700" cap="flat" cmpd="sng" algn="ctr">
+                      <a:solidFill>
+                        <a:schemeClr val="tx1"/>
+                      </a:solidFill>
+                      <a:prstDash val="solid"/>
+                      <a:round/>
+                      <a:headEnd type="none" w="med" len="med"/>
+                      <a:tailEnd type="none" w="med" len="med"/>
+                    </a:lnR>
+                    <a:lnT w="12700" cap="flat" cmpd="sng" algn="ctr">
+                      <a:solidFill>
+                        <a:schemeClr val="tx1"/>
+                      </a:solidFill>
+                      <a:prstDash val="solid"/>
+                      <a:round/>
+                      <a:headEnd type="none" w="med" len="med"/>
+                      <a:tailEnd type="none" w="med" len="med"/>
+                    </a:lnT>
+                    <a:lnB w="12700" cap="flat" cmpd="sng" algn="ctr">
+                      <a:solidFill>
+                        <a:schemeClr val="tx1"/>
+                      </a:solidFill>
+                      <a:prstDash val="solid"/>
+                      <a:round/>
+                      <a:headEnd type="none" w="med" len="med"/>
+                      <a:tailEnd type="none" w="med" len="med"/>
+                    </a:lnB>
+                  </a:tcPr>
+                </a:tc>
+                <a:tc gridSpan="2">
+                  <a:txBody>
+                    <a:bodyPr/>
+                    <a:lstStyle/>
+                    <a:p>
+                      <a:pPr algn="ctr" fontAlgn="ctr"/>
+                      <a:r>
+                        <a:rPr lang="es-MX" sz="1100" u="none" strike="noStrike" dirty="0">
+                          <a:solidFill>
+                            <a:srgbClr val="FF0000"/>
+                          </a:solidFill>
+                          <a:effectLst/>
+                        </a:rPr>
+                        <a:t>1.14E-01</a:t>
+                      </a:r>
+                      <a:endParaRPr lang="es-MX" sz="1100" b="0" i="0" u="none" strike="noStrike" dirty="0">
+                        <a:solidFill>
+                          <a:srgbClr val="FF0000"/>
+                        </a:solidFill>
+                        <a:effectLst/>
+                        <a:latin typeface="Calibri" panose="020F0502020204030204" pitchFamily="34" charset="0"/>
+                      </a:endParaRPr>
+                    </a:p>
+                  </a:txBody>
+                  <a:tcPr marL="6881" marR="6881" marT="6881" marB="0" anchor="ctr">
+                    <a:lnL w="12700" cap="flat" cmpd="sng" algn="ctr">
+                      <a:solidFill>
+                        <a:schemeClr val="tx1"/>
+                      </a:solidFill>
+                      <a:prstDash val="solid"/>
+                      <a:round/>
+                      <a:headEnd type="none" w="med" len="med"/>
+                      <a:tailEnd type="none" w="med" len="med"/>
+                    </a:lnL>
+                    <a:lnR w="12700" cap="flat" cmpd="sng" algn="ctr">
+                      <a:solidFill>
+                        <a:schemeClr val="tx1"/>
+                      </a:solidFill>
+                      <a:prstDash val="solid"/>
+                      <a:round/>
+                      <a:headEnd type="none" w="med" len="med"/>
+                      <a:tailEnd type="none" w="med" len="med"/>
+                    </a:lnR>
+                    <a:lnT w="12700" cap="flat" cmpd="sng" algn="ctr">
+                      <a:solidFill>
+                        <a:schemeClr val="tx1"/>
+                      </a:solidFill>
+                      <a:prstDash val="solid"/>
+                      <a:round/>
+                      <a:headEnd type="none" w="med" len="med"/>
+                      <a:tailEnd type="none" w="med" len="med"/>
+                    </a:lnT>
+                    <a:lnB w="12700" cap="flat" cmpd="sng" algn="ctr">
+                      <a:solidFill>
+                        <a:schemeClr val="tx1"/>
+                      </a:solidFill>
+                      <a:prstDash val="solid"/>
+                      <a:round/>
+                      <a:headEnd type="none" w="med" len="med"/>
+                      <a:tailEnd type="none" w="med" len="med"/>
+                    </a:lnB>
+                  </a:tcPr>
+                </a:tc>
+                <a:tc hMerge="1">
+                  <a:txBody>
+                    <a:bodyPr/>
+                    <a:lstStyle/>
+                    <a:p>
+                      <a:endParaRPr lang="es-MX"/>
+                    </a:p>
+                  </a:txBody>
+                  <a:tcPr/>
+                </a:tc>
+                <a:tc>
+                  <a:txBody>
+                    <a:bodyPr/>
+                    <a:lstStyle/>
+                    <a:p>
+                      <a:pPr algn="ctr" fontAlgn="ctr"/>
+                      <a:r>
                         <a:rPr lang="es-MX" sz="1100" u="none" strike="noStrike">
-                          <a:effectLst/>
-                        </a:rPr>
-                        <a:t>EDAD:ESCOLARIDAD:MoCA</a:t>
+                          <a:solidFill>
+                            <a:srgbClr val="FF0000"/>
+                          </a:solidFill>
+                          <a:effectLst/>
+                        </a:rPr>
+                        <a:t>3.067</a:t>
                       </a:r>
                       <a:endParaRPr lang="es-MX" sz="1100" b="0" i="0" u="none" strike="noStrike">
                         <a:solidFill>
@@ -11566,7 +12049,7 @@
                     </a:lnB>
                   </a:tcPr>
                 </a:tc>
-                <a:tc gridSpan="2">
+                <a:tc>
                   <a:txBody>
                     <a:bodyPr/>
                     <a:lstStyle/>
@@ -11574,136 +12057,9 @@
                       <a:pPr algn="ctr" fontAlgn="ctr"/>
                       <a:r>
                         <a:rPr lang="es-MX" sz="1100" u="none" strike="noStrike">
-                          <a:effectLst/>
-                        </a:rPr>
-                        <a:t>1.14E-01</a:t>
-                      </a:r>
-                      <a:endParaRPr lang="es-MX" sz="1100" b="0" i="0" u="none" strike="noStrike">
-                        <a:solidFill>
-                          <a:srgbClr val="000000"/>
-                        </a:solidFill>
-                        <a:effectLst/>
-                        <a:latin typeface="Calibri" panose="020F0502020204030204" pitchFamily="34" charset="0"/>
-                      </a:endParaRPr>
-                    </a:p>
-                  </a:txBody>
-                  <a:tcPr marL="6881" marR="6881" marT="6881" marB="0" anchor="ctr">
-                    <a:lnL w="12700" cap="flat" cmpd="sng" algn="ctr">
-                      <a:solidFill>
-                        <a:schemeClr val="tx1"/>
-                      </a:solidFill>
-                      <a:prstDash val="solid"/>
-                      <a:round/>
-                      <a:headEnd type="none" w="med" len="med"/>
-                      <a:tailEnd type="none" w="med" len="med"/>
-                    </a:lnL>
-                    <a:lnR w="12700" cap="flat" cmpd="sng" algn="ctr">
-                      <a:solidFill>
-                        <a:schemeClr val="tx1"/>
-                      </a:solidFill>
-                      <a:prstDash val="solid"/>
-                      <a:round/>
-                      <a:headEnd type="none" w="med" len="med"/>
-                      <a:tailEnd type="none" w="med" len="med"/>
-                    </a:lnR>
-                    <a:lnT w="12700" cap="flat" cmpd="sng" algn="ctr">
-                      <a:solidFill>
-                        <a:schemeClr val="tx1"/>
-                      </a:solidFill>
-                      <a:prstDash val="solid"/>
-                      <a:round/>
-                      <a:headEnd type="none" w="med" len="med"/>
-                      <a:tailEnd type="none" w="med" len="med"/>
-                    </a:lnT>
-                    <a:lnB w="12700" cap="flat" cmpd="sng" algn="ctr">
-                      <a:solidFill>
-                        <a:schemeClr val="tx1"/>
-                      </a:solidFill>
-                      <a:prstDash val="solid"/>
-                      <a:round/>
-                      <a:headEnd type="none" w="med" len="med"/>
-                      <a:tailEnd type="none" w="med" len="med"/>
-                    </a:lnB>
-                  </a:tcPr>
-                </a:tc>
-                <a:tc hMerge="1">
-                  <a:txBody>
-                    <a:bodyPr/>
-                    <a:lstStyle/>
-                    <a:p>
-                      <a:endParaRPr lang="es-MX"/>
-                    </a:p>
-                  </a:txBody>
-                  <a:tcPr/>
-                </a:tc>
-                <a:tc>
-                  <a:txBody>
-                    <a:bodyPr/>
-                    <a:lstStyle/>
-                    <a:p>
-                      <a:pPr algn="ctr" fontAlgn="ctr"/>
-                      <a:r>
-                        <a:rPr lang="es-MX" sz="1100" u="none" strike="noStrike">
-                          <a:effectLst/>
-                        </a:rPr>
-                        <a:t>3.067</a:t>
-                      </a:r>
-                      <a:endParaRPr lang="es-MX" sz="1100" b="0" i="0" u="none" strike="noStrike">
-                        <a:solidFill>
-                          <a:srgbClr val="FF0000"/>
-                        </a:solidFill>
-                        <a:effectLst/>
-                        <a:latin typeface="Calibri" panose="020F0502020204030204" pitchFamily="34" charset="0"/>
-                      </a:endParaRPr>
-                    </a:p>
-                  </a:txBody>
-                  <a:tcPr marL="6881" marR="6881" marT="6881" marB="0" anchor="ctr">
-                    <a:lnL w="12700" cap="flat" cmpd="sng" algn="ctr">
-                      <a:solidFill>
-                        <a:schemeClr val="tx1"/>
-                      </a:solidFill>
-                      <a:prstDash val="solid"/>
-                      <a:round/>
-                      <a:headEnd type="none" w="med" len="med"/>
-                      <a:tailEnd type="none" w="med" len="med"/>
-                    </a:lnL>
-                    <a:lnR w="12700" cap="flat" cmpd="sng" algn="ctr">
-                      <a:solidFill>
-                        <a:schemeClr val="tx1"/>
-                      </a:solidFill>
-                      <a:prstDash val="solid"/>
-                      <a:round/>
-                      <a:headEnd type="none" w="med" len="med"/>
-                      <a:tailEnd type="none" w="med" len="med"/>
-                    </a:lnR>
-                    <a:lnT w="12700" cap="flat" cmpd="sng" algn="ctr">
-                      <a:solidFill>
-                        <a:schemeClr val="tx1"/>
-                      </a:solidFill>
-                      <a:prstDash val="solid"/>
-                      <a:round/>
-                      <a:headEnd type="none" w="med" len="med"/>
-                      <a:tailEnd type="none" w="med" len="med"/>
-                    </a:lnT>
-                    <a:lnB w="12700" cap="flat" cmpd="sng" algn="ctr">
-                      <a:solidFill>
-                        <a:schemeClr val="tx1"/>
-                      </a:solidFill>
-                      <a:prstDash val="solid"/>
-                      <a:round/>
-                      <a:headEnd type="none" w="med" len="med"/>
-                      <a:tailEnd type="none" w="med" len="med"/>
-                    </a:lnB>
-                  </a:tcPr>
-                </a:tc>
-                <a:tc>
-                  <a:txBody>
-                    <a:bodyPr/>
-                    <a:lstStyle/>
-                    <a:p>
-                      <a:pPr algn="ctr" fontAlgn="ctr"/>
-                      <a:r>
-                        <a:rPr lang="es-MX" sz="1100" u="none" strike="noStrike">
+                          <a:solidFill>
+                            <a:srgbClr val="FF0000"/>
+                          </a:solidFill>
                           <a:effectLst/>
                         </a:rPr>
                         <a:t>0.00248</a:t>
@@ -12021,6 +12377,9 @@
                       <a:pPr algn="ctr" fontAlgn="ctr"/>
                       <a:r>
                         <a:rPr lang="es-MX" sz="1100" u="none" strike="noStrike">
+                          <a:solidFill>
+                            <a:srgbClr val="FF0000"/>
+                          </a:solidFill>
                           <a:effectLst/>
                         </a:rPr>
                         <a:t>EDAD:ESCOLARIDAD:CRI_Total   </a:t>
@@ -12080,14 +12439,17 @@
                     <a:p>
                       <a:pPr algn="ctr" fontAlgn="ctr"/>
                       <a:r>
-                        <a:rPr lang="es-MX" sz="1100" u="none" strike="noStrike">
+                        <a:rPr lang="es-MX" sz="1100" u="none" strike="noStrike" dirty="0">
+                          <a:solidFill>
+                            <a:srgbClr val="FF0000"/>
+                          </a:solidFill>
                           <a:effectLst/>
                         </a:rPr>
                         <a:t>2.43E-02</a:t>
                       </a:r>
-                      <a:endParaRPr lang="es-MX" sz="1100" b="0" i="0" u="none" strike="noStrike">
-                        <a:solidFill>
-                          <a:srgbClr val="000000"/>
+                      <a:endParaRPr lang="es-MX" sz="1100" b="0" i="0" u="none" strike="noStrike" dirty="0">
+                        <a:solidFill>
+                          <a:srgbClr val="FF0000"/>
                         </a:solidFill>
                         <a:effectLst/>
                         <a:latin typeface="Calibri" panose="020F0502020204030204" pitchFamily="34" charset="0"/>
@@ -12150,12 +12512,15 @@
                     <a:p>
                       <a:pPr algn="ctr" fontAlgn="ctr"/>
                       <a:r>
-                        <a:rPr lang="es-MX" sz="1100" u="none" strike="noStrike">
+                        <a:rPr lang="es-MX" sz="1100" u="none" strike="noStrike" dirty="0">
+                          <a:solidFill>
+                            <a:srgbClr val="FF0000"/>
+                          </a:solidFill>
                           <a:effectLst/>
                         </a:rPr>
                         <a:t>2.677</a:t>
                       </a:r>
-                      <a:endParaRPr lang="es-MX" sz="1100" b="0" i="0" u="none" strike="noStrike">
+                      <a:endParaRPr lang="es-MX" sz="1100" b="0" i="0" u="none" strike="noStrike" dirty="0">
                         <a:solidFill>
                           <a:srgbClr val="FF0000"/>
                         </a:solidFill>
@@ -12210,12 +12575,15 @@
                     <a:p>
                       <a:pPr algn="ctr" fontAlgn="ctr"/>
                       <a:r>
-                        <a:rPr lang="es-MX" sz="1100" u="none" strike="noStrike">
+                        <a:rPr lang="es-MX" sz="1100" u="none" strike="noStrike" dirty="0">
+                          <a:solidFill>
+                            <a:srgbClr val="FF0000"/>
+                          </a:solidFill>
                           <a:effectLst/>
                         </a:rPr>
                         <a:t>0.00808</a:t>
                       </a:r>
-                      <a:endParaRPr lang="es-MX" sz="1100" b="0" i="0" u="none" strike="noStrike">
+                      <a:endParaRPr lang="es-MX" sz="1100" b="0" i="0" u="none" strike="noStrike" dirty="0">
                         <a:solidFill>
                           <a:srgbClr val="FF0000"/>
                         </a:solidFill>
@@ -13034,197 +13402,218 @@
                     <a:p>
                       <a:pPr algn="ctr" fontAlgn="ctr"/>
                       <a:r>
+                        <a:rPr lang="es-MX" sz="1100" u="none" strike="noStrike" dirty="0" err="1">
+                          <a:solidFill>
+                            <a:srgbClr val="FF0000"/>
+                          </a:solidFill>
+                          <a:effectLst/>
+                        </a:rPr>
+                        <a:t>ESCOLARIDAD:MoCA:CRI_Total</a:t>
+                      </a:r>
+                      <a:r>
+                        <a:rPr lang="es-MX" sz="1100" u="none" strike="noStrike" dirty="0">
+                          <a:solidFill>
+                            <a:srgbClr val="FF0000"/>
+                          </a:solidFill>
+                          <a:effectLst/>
+                        </a:rPr>
+                        <a:t>    </a:t>
+                      </a:r>
+                      <a:endParaRPr lang="es-MX" sz="1100" b="0" i="0" u="none" strike="noStrike" dirty="0">
+                        <a:solidFill>
+                          <a:srgbClr val="FF0000"/>
+                        </a:solidFill>
+                        <a:effectLst/>
+                        <a:latin typeface="Calibri" panose="020F0502020204030204" pitchFamily="34" charset="0"/>
+                      </a:endParaRPr>
+                    </a:p>
+                  </a:txBody>
+                  <a:tcPr marL="6881" marR="6881" marT="6881" marB="0" anchor="ctr">
+                    <a:lnL w="12700" cap="flat" cmpd="sng" algn="ctr">
+                      <a:solidFill>
+                        <a:schemeClr val="tx1"/>
+                      </a:solidFill>
+                      <a:prstDash val="solid"/>
+                      <a:round/>
+                      <a:headEnd type="none" w="med" len="med"/>
+                      <a:tailEnd type="none" w="med" len="med"/>
+                    </a:lnL>
+                    <a:lnR w="12700" cap="flat" cmpd="sng" algn="ctr">
+                      <a:solidFill>
+                        <a:schemeClr val="tx1"/>
+                      </a:solidFill>
+                      <a:prstDash val="solid"/>
+                      <a:round/>
+                      <a:headEnd type="none" w="med" len="med"/>
+                      <a:tailEnd type="none" w="med" len="med"/>
+                    </a:lnR>
+                    <a:lnT w="12700" cap="flat" cmpd="sng" algn="ctr">
+                      <a:solidFill>
+                        <a:schemeClr val="tx1"/>
+                      </a:solidFill>
+                      <a:prstDash val="solid"/>
+                      <a:round/>
+                      <a:headEnd type="none" w="med" len="med"/>
+                      <a:tailEnd type="none" w="med" len="med"/>
+                    </a:lnT>
+                    <a:lnB w="12700" cap="flat" cmpd="sng" algn="ctr">
+                      <a:solidFill>
+                        <a:schemeClr val="tx1"/>
+                      </a:solidFill>
+                      <a:prstDash val="solid"/>
+                      <a:round/>
+                      <a:headEnd type="none" w="med" len="med"/>
+                      <a:tailEnd type="none" w="med" len="med"/>
+                    </a:lnB>
+                  </a:tcPr>
+                </a:tc>
+                <a:tc gridSpan="2">
+                  <a:txBody>
+                    <a:bodyPr/>
+                    <a:lstStyle/>
+                    <a:p>
+                      <a:pPr algn="ctr" fontAlgn="ctr"/>
+                      <a:r>
+                        <a:rPr lang="es-MX" sz="1100" u="none" strike="noStrike" dirty="0">
+                          <a:solidFill>
+                            <a:srgbClr val="FF0000"/>
+                          </a:solidFill>
+                          <a:effectLst/>
+                        </a:rPr>
+                        <a:t>4.54E-02</a:t>
+                      </a:r>
+                      <a:endParaRPr lang="es-MX" sz="1100" b="0" i="0" u="none" strike="noStrike" dirty="0">
+                        <a:solidFill>
+                          <a:srgbClr val="FF0000"/>
+                        </a:solidFill>
+                        <a:effectLst/>
+                        <a:latin typeface="Calibri" panose="020F0502020204030204" pitchFamily="34" charset="0"/>
+                      </a:endParaRPr>
+                    </a:p>
+                  </a:txBody>
+                  <a:tcPr marL="6881" marR="6881" marT="6881" marB="0" anchor="ctr">
+                    <a:lnL w="12700" cap="flat" cmpd="sng" algn="ctr">
+                      <a:solidFill>
+                        <a:schemeClr val="tx1"/>
+                      </a:solidFill>
+                      <a:prstDash val="solid"/>
+                      <a:round/>
+                      <a:headEnd type="none" w="med" len="med"/>
+                      <a:tailEnd type="none" w="med" len="med"/>
+                    </a:lnL>
+                    <a:lnR w="12700" cap="flat" cmpd="sng" algn="ctr">
+                      <a:solidFill>
+                        <a:schemeClr val="tx1"/>
+                      </a:solidFill>
+                      <a:prstDash val="solid"/>
+                      <a:round/>
+                      <a:headEnd type="none" w="med" len="med"/>
+                      <a:tailEnd type="none" w="med" len="med"/>
+                    </a:lnR>
+                    <a:lnT w="12700" cap="flat" cmpd="sng" algn="ctr">
+                      <a:solidFill>
+                        <a:schemeClr val="tx1"/>
+                      </a:solidFill>
+                      <a:prstDash val="solid"/>
+                      <a:round/>
+                      <a:headEnd type="none" w="med" len="med"/>
+                      <a:tailEnd type="none" w="med" len="med"/>
+                    </a:lnT>
+                    <a:lnB w="12700" cap="flat" cmpd="sng" algn="ctr">
+                      <a:solidFill>
+                        <a:schemeClr val="tx1"/>
+                      </a:solidFill>
+                      <a:prstDash val="solid"/>
+                      <a:round/>
+                      <a:headEnd type="none" w="med" len="med"/>
+                      <a:tailEnd type="none" w="med" len="med"/>
+                    </a:lnB>
+                  </a:tcPr>
+                </a:tc>
+                <a:tc hMerge="1">
+                  <a:txBody>
+                    <a:bodyPr/>
+                    <a:lstStyle/>
+                    <a:p>
+                      <a:endParaRPr lang="es-MX"/>
+                    </a:p>
+                  </a:txBody>
+                  <a:tcPr/>
+                </a:tc>
+                <a:tc>
+                  <a:txBody>
+                    <a:bodyPr/>
+                    <a:lstStyle/>
+                    <a:p>
+                      <a:pPr algn="ctr" fontAlgn="ctr"/>
+                      <a:r>
+                        <a:rPr lang="es-MX" sz="1100" u="none" strike="noStrike" dirty="0">
+                          <a:solidFill>
+                            <a:srgbClr val="FF0000"/>
+                          </a:solidFill>
+                          <a:effectLst/>
+                        </a:rPr>
+                        <a:t>2.429</a:t>
+                      </a:r>
+                      <a:endParaRPr lang="es-MX" sz="1100" b="0" i="0" u="none" strike="noStrike" dirty="0">
+                        <a:solidFill>
+                          <a:srgbClr val="FF0000"/>
+                        </a:solidFill>
+                        <a:effectLst/>
+                        <a:latin typeface="Calibri" panose="020F0502020204030204" pitchFamily="34" charset="0"/>
+                      </a:endParaRPr>
+                    </a:p>
+                  </a:txBody>
+                  <a:tcPr marL="6881" marR="6881" marT="6881" marB="0" anchor="ctr">
+                    <a:lnL w="12700" cap="flat" cmpd="sng" algn="ctr">
+                      <a:solidFill>
+                        <a:schemeClr val="tx1"/>
+                      </a:solidFill>
+                      <a:prstDash val="solid"/>
+                      <a:round/>
+                      <a:headEnd type="none" w="med" len="med"/>
+                      <a:tailEnd type="none" w="med" len="med"/>
+                    </a:lnL>
+                    <a:lnR w="12700" cap="flat" cmpd="sng" algn="ctr">
+                      <a:solidFill>
+                        <a:schemeClr val="tx1"/>
+                      </a:solidFill>
+                      <a:prstDash val="solid"/>
+                      <a:round/>
+                      <a:headEnd type="none" w="med" len="med"/>
+                      <a:tailEnd type="none" w="med" len="med"/>
+                    </a:lnR>
+                    <a:lnT w="12700" cap="flat" cmpd="sng" algn="ctr">
+                      <a:solidFill>
+                        <a:schemeClr val="tx1"/>
+                      </a:solidFill>
+                      <a:prstDash val="solid"/>
+                      <a:round/>
+                      <a:headEnd type="none" w="med" len="med"/>
+                      <a:tailEnd type="none" w="med" len="med"/>
+                    </a:lnT>
+                    <a:lnB w="12700" cap="flat" cmpd="sng" algn="ctr">
+                      <a:solidFill>
+                        <a:schemeClr val="tx1"/>
+                      </a:solidFill>
+                      <a:prstDash val="solid"/>
+                      <a:round/>
+                      <a:headEnd type="none" w="med" len="med"/>
+                      <a:tailEnd type="none" w="med" len="med"/>
+                    </a:lnB>
+                  </a:tcPr>
+                </a:tc>
+                <a:tc>
+                  <a:txBody>
+                    <a:bodyPr/>
+                    <a:lstStyle/>
+                    <a:p>
+                      <a:pPr algn="ctr" fontAlgn="ctr"/>
+                      <a:r>
                         <a:rPr lang="es-MX" sz="1100" u="none" strike="noStrike">
-                          <a:effectLst/>
-                        </a:rPr>
-                        <a:t>ESCOLARIDAD:MoCA:CRI_Total    </a:t>
-                      </a:r>
-                      <a:endParaRPr lang="es-MX" sz="1100" b="0" i="0" u="none" strike="noStrike">
-                        <a:solidFill>
-                          <a:srgbClr val="FF0000"/>
-                        </a:solidFill>
-                        <a:effectLst/>
-                        <a:latin typeface="Calibri" panose="020F0502020204030204" pitchFamily="34" charset="0"/>
-                      </a:endParaRPr>
-                    </a:p>
-                  </a:txBody>
-                  <a:tcPr marL="6881" marR="6881" marT="6881" marB="0" anchor="ctr">
-                    <a:lnL w="12700" cap="flat" cmpd="sng" algn="ctr">
-                      <a:solidFill>
-                        <a:schemeClr val="tx1"/>
-                      </a:solidFill>
-                      <a:prstDash val="solid"/>
-                      <a:round/>
-                      <a:headEnd type="none" w="med" len="med"/>
-                      <a:tailEnd type="none" w="med" len="med"/>
-                    </a:lnL>
-                    <a:lnR w="12700" cap="flat" cmpd="sng" algn="ctr">
-                      <a:solidFill>
-                        <a:schemeClr val="tx1"/>
-                      </a:solidFill>
-                      <a:prstDash val="solid"/>
-                      <a:round/>
-                      <a:headEnd type="none" w="med" len="med"/>
-                      <a:tailEnd type="none" w="med" len="med"/>
-                    </a:lnR>
-                    <a:lnT w="12700" cap="flat" cmpd="sng" algn="ctr">
-                      <a:solidFill>
-                        <a:schemeClr val="tx1"/>
-                      </a:solidFill>
-                      <a:prstDash val="solid"/>
-                      <a:round/>
-                      <a:headEnd type="none" w="med" len="med"/>
-                      <a:tailEnd type="none" w="med" len="med"/>
-                    </a:lnT>
-                    <a:lnB w="12700" cap="flat" cmpd="sng" algn="ctr">
-                      <a:solidFill>
-                        <a:schemeClr val="tx1"/>
-                      </a:solidFill>
-                      <a:prstDash val="solid"/>
-                      <a:round/>
-                      <a:headEnd type="none" w="med" len="med"/>
-                      <a:tailEnd type="none" w="med" len="med"/>
-                    </a:lnB>
-                  </a:tcPr>
-                </a:tc>
-                <a:tc gridSpan="2">
-                  <a:txBody>
-                    <a:bodyPr/>
-                    <a:lstStyle/>
-                    <a:p>
-                      <a:pPr algn="ctr" fontAlgn="ctr"/>
-                      <a:r>
-                        <a:rPr lang="es-MX" sz="1100" u="none" strike="noStrike">
-                          <a:effectLst/>
-                        </a:rPr>
-                        <a:t>4.54E-02</a:t>
-                      </a:r>
-                      <a:endParaRPr lang="es-MX" sz="1100" b="0" i="0" u="none" strike="noStrike">
-                        <a:solidFill>
-                          <a:srgbClr val="000000"/>
-                        </a:solidFill>
-                        <a:effectLst/>
-                        <a:latin typeface="Calibri" panose="020F0502020204030204" pitchFamily="34" charset="0"/>
-                      </a:endParaRPr>
-                    </a:p>
-                  </a:txBody>
-                  <a:tcPr marL="6881" marR="6881" marT="6881" marB="0" anchor="ctr">
-                    <a:lnL w="12700" cap="flat" cmpd="sng" algn="ctr">
-                      <a:solidFill>
-                        <a:schemeClr val="tx1"/>
-                      </a:solidFill>
-                      <a:prstDash val="solid"/>
-                      <a:round/>
-                      <a:headEnd type="none" w="med" len="med"/>
-                      <a:tailEnd type="none" w="med" len="med"/>
-                    </a:lnL>
-                    <a:lnR w="12700" cap="flat" cmpd="sng" algn="ctr">
-                      <a:solidFill>
-                        <a:schemeClr val="tx1"/>
-                      </a:solidFill>
-                      <a:prstDash val="solid"/>
-                      <a:round/>
-                      <a:headEnd type="none" w="med" len="med"/>
-                      <a:tailEnd type="none" w="med" len="med"/>
-                    </a:lnR>
-                    <a:lnT w="12700" cap="flat" cmpd="sng" algn="ctr">
-                      <a:solidFill>
-                        <a:schemeClr val="tx1"/>
-                      </a:solidFill>
-                      <a:prstDash val="solid"/>
-                      <a:round/>
-                      <a:headEnd type="none" w="med" len="med"/>
-                      <a:tailEnd type="none" w="med" len="med"/>
-                    </a:lnT>
-                    <a:lnB w="12700" cap="flat" cmpd="sng" algn="ctr">
-                      <a:solidFill>
-                        <a:schemeClr val="tx1"/>
-                      </a:solidFill>
-                      <a:prstDash val="solid"/>
-                      <a:round/>
-                      <a:headEnd type="none" w="med" len="med"/>
-                      <a:tailEnd type="none" w="med" len="med"/>
-                    </a:lnB>
-                  </a:tcPr>
-                </a:tc>
-                <a:tc hMerge="1">
-                  <a:txBody>
-                    <a:bodyPr/>
-                    <a:lstStyle/>
-                    <a:p>
-                      <a:endParaRPr lang="es-MX"/>
-                    </a:p>
-                  </a:txBody>
-                  <a:tcPr/>
-                </a:tc>
-                <a:tc>
-                  <a:txBody>
-                    <a:bodyPr/>
-                    <a:lstStyle/>
-                    <a:p>
-                      <a:pPr algn="ctr" fontAlgn="ctr"/>
-                      <a:r>
-                        <a:rPr lang="es-MX" sz="1100" u="none" strike="noStrike">
-                          <a:effectLst/>
-                        </a:rPr>
-                        <a:t>2.429</a:t>
-                      </a:r>
-                      <a:endParaRPr lang="es-MX" sz="1100" b="0" i="0" u="none" strike="noStrike">
-                        <a:solidFill>
-                          <a:srgbClr val="FF0000"/>
-                        </a:solidFill>
-                        <a:effectLst/>
-                        <a:latin typeface="Calibri" panose="020F0502020204030204" pitchFamily="34" charset="0"/>
-                      </a:endParaRPr>
-                    </a:p>
-                  </a:txBody>
-                  <a:tcPr marL="6881" marR="6881" marT="6881" marB="0" anchor="ctr">
-                    <a:lnL w="12700" cap="flat" cmpd="sng" algn="ctr">
-                      <a:solidFill>
-                        <a:schemeClr val="tx1"/>
-                      </a:solidFill>
-                      <a:prstDash val="solid"/>
-                      <a:round/>
-                      <a:headEnd type="none" w="med" len="med"/>
-                      <a:tailEnd type="none" w="med" len="med"/>
-                    </a:lnL>
-                    <a:lnR w="12700" cap="flat" cmpd="sng" algn="ctr">
-                      <a:solidFill>
-                        <a:schemeClr val="tx1"/>
-                      </a:solidFill>
-                      <a:prstDash val="solid"/>
-                      <a:round/>
-                      <a:headEnd type="none" w="med" len="med"/>
-                      <a:tailEnd type="none" w="med" len="med"/>
-                    </a:lnR>
-                    <a:lnT w="12700" cap="flat" cmpd="sng" algn="ctr">
-                      <a:solidFill>
-                        <a:schemeClr val="tx1"/>
-                      </a:solidFill>
-                      <a:prstDash val="solid"/>
-                      <a:round/>
-                      <a:headEnd type="none" w="med" len="med"/>
-                      <a:tailEnd type="none" w="med" len="med"/>
-                    </a:lnT>
-                    <a:lnB w="12700" cap="flat" cmpd="sng" algn="ctr">
-                      <a:solidFill>
-                        <a:schemeClr val="tx1"/>
-                      </a:solidFill>
-                      <a:prstDash val="solid"/>
-                      <a:round/>
-                      <a:headEnd type="none" w="med" len="med"/>
-                      <a:tailEnd type="none" w="med" len="med"/>
-                    </a:lnB>
-                  </a:tcPr>
-                </a:tc>
-                <a:tc>
-                  <a:txBody>
-                    <a:bodyPr/>
-                    <a:lstStyle/>
-                    <a:p>
-                      <a:pPr algn="ctr" fontAlgn="ctr"/>
-                      <a:r>
-                        <a:rPr lang="es-MX" sz="1100" u="none" strike="noStrike">
+                          <a:solidFill>
+                            <a:srgbClr val="FF0000"/>
+                          </a:solidFill>
                           <a:effectLst/>
                         </a:rPr>
                         <a:t>0.01605</a:t>
@@ -13542,6 +13931,9 @@
                       <a:pPr algn="ctr" fontAlgn="ctr"/>
                       <a:r>
                         <a:rPr lang="es-ES" sz="1100" u="none" strike="noStrike">
+                          <a:solidFill>
+                            <a:srgbClr val="FF0000"/>
+                          </a:solidFill>
                           <a:effectLst/>
                         </a:rPr>
                         <a:t>EDAD:ESCOLARIDAD:MoCA:CRI_Total </a:t>
@@ -13602,13 +13994,16 @@
                       <a:pPr algn="ctr" fontAlgn="ctr"/>
                       <a:r>
                         <a:rPr lang="es-MX" sz="1100" u="none" strike="noStrike">
+                          <a:solidFill>
+                            <a:srgbClr val="FF0000"/>
+                          </a:solidFill>
                           <a:effectLst/>
                         </a:rPr>
                         <a:t>-8.48E-04</a:t>
                       </a:r>
                       <a:endParaRPr lang="es-MX" sz="1100" b="0" i="0" u="none" strike="noStrike">
                         <a:solidFill>
-                          <a:srgbClr val="000000"/>
+                          <a:srgbClr val="FF0000"/>
                         </a:solidFill>
                         <a:effectLst/>
                         <a:latin typeface="Calibri" panose="020F0502020204030204" pitchFamily="34" charset="0"/>
@@ -13672,6 +14067,9 @@
                       <a:pPr algn="ctr" fontAlgn="ctr"/>
                       <a:r>
                         <a:rPr lang="es-MX" sz="1100" u="none" strike="noStrike">
+                          <a:solidFill>
+                            <a:srgbClr val="FF0000"/>
+                          </a:solidFill>
                           <a:effectLst/>
                         </a:rPr>
                         <a:t>-2.564</a:t>
@@ -13732,6 +14130,9 @@
                       <a:pPr algn="ctr" fontAlgn="ctr"/>
                       <a:r>
                         <a:rPr lang="es-MX" sz="1100" u="none" strike="noStrike" dirty="0">
+                          <a:solidFill>
+                            <a:srgbClr val="FF0000"/>
+                          </a:solidFill>
                           <a:effectLst/>
                         </a:rPr>
                         <a:t>0.01113</a:t>
@@ -15473,7 +15874,7 @@
           <p:nvPr>
             <p:extLst>
               <p:ext uri="{D42A27DB-BD31-4B8C-83A1-F6EECF244321}">
-                <p14:modId xmlns:p14="http://schemas.microsoft.com/office/powerpoint/2010/main" val="2567316170"/>
+                <p14:modId xmlns:p14="http://schemas.microsoft.com/office/powerpoint/2010/main" val="1055991756"/>
               </p:ext>
             </p:extLst>
           </p:nvPr>
@@ -16648,17 +17049,53 @@
                     <a:p>
                       <a:pPr algn="ctr" fontAlgn="ctr"/>
                       <a:r>
-                        <a:rPr lang="es-MX" sz="1400" u="none" strike="noStrike" cap="none" spc="0">
+                        <a:rPr lang="es-MX" sz="1400" u="none" strike="noStrike" cap="none" spc="0" dirty="0" err="1">
                           <a:solidFill>
-                            <a:schemeClr val="tx1"/>
+                            <a:srgbClr val="FF0000"/>
                           </a:solidFill>
                           <a:effectLst/>
                         </a:rPr>
-                        <a:t>value ~ ESCOLARIDAD + MoCA + ESCOLARIDAD:MoCA</a:t>
-                      </a:r>
-                      <a:endParaRPr lang="es-MX" sz="1400" b="0" i="0" u="none" strike="noStrike" cap="none" spc="0">
-                        <a:solidFill>
-                          <a:schemeClr val="tx1"/>
+                        <a:t>value</a:t>
+                      </a:r>
+                      <a:r>
+                        <a:rPr lang="es-MX" sz="1400" u="none" strike="noStrike" cap="none" spc="0" dirty="0">
+                          <a:solidFill>
+                            <a:srgbClr val="FF0000"/>
+                          </a:solidFill>
+                          <a:effectLst/>
+                        </a:rPr>
+                        <a:t> ~ ESCOLARIDAD + </a:t>
+                      </a:r>
+                      <a:r>
+                        <a:rPr lang="es-MX" sz="1400" u="none" strike="noStrike" cap="none" spc="0" dirty="0" err="1">
+                          <a:solidFill>
+                            <a:srgbClr val="FF0000"/>
+                          </a:solidFill>
+                          <a:effectLst/>
+                        </a:rPr>
+                        <a:t>MoCA</a:t>
+                      </a:r>
+                      <a:r>
+                        <a:rPr lang="es-MX" sz="1400" u="none" strike="noStrike" cap="none" spc="0" dirty="0">
+                          <a:solidFill>
+                            <a:srgbClr val="FF0000"/>
+                          </a:solidFill>
+                          <a:effectLst/>
+                        </a:rPr>
+                        <a:t> + </a:t>
+                      </a:r>
+                      <a:r>
+                        <a:rPr lang="es-MX" sz="1400" u="none" strike="noStrike" cap="none" spc="0" dirty="0" err="1">
+                          <a:solidFill>
+                            <a:srgbClr val="FF0000"/>
+                          </a:solidFill>
+                          <a:effectLst/>
+                        </a:rPr>
+                        <a:t>ESCOLARIDAD:MoCA</a:t>
+                      </a:r>
+                      <a:endParaRPr lang="es-MX" sz="1400" b="0" i="0" u="none" strike="noStrike" cap="none" spc="0" dirty="0">
+                        <a:solidFill>
+                          <a:srgbClr val="FF0000"/>
                         </a:solidFill>
                         <a:effectLst/>
                         <a:latin typeface="Calibri" panose="020F0502020204030204" pitchFamily="34" charset="0"/>
@@ -16716,17 +17153,17 @@
                     <a:p>
                       <a:pPr algn="ctr" fontAlgn="ctr"/>
                       <a:r>
-                        <a:rPr lang="es-MX" sz="1400" u="none" strike="noStrike" cap="none" spc="0">
+                        <a:rPr lang="es-MX" sz="1400" u="none" strike="noStrike" cap="none" spc="0" dirty="0">
                           <a:solidFill>
-                            <a:schemeClr val="tx1"/>
+                            <a:srgbClr val="FF0000"/>
                           </a:solidFill>
                           <a:effectLst/>
                         </a:rPr>
                         <a:t>2471.94</a:t>
                       </a:r>
-                      <a:endParaRPr lang="es-MX" sz="1400" b="0" i="0" u="none" strike="noStrike" cap="none" spc="0">
-                        <a:solidFill>
-                          <a:schemeClr val="tx1"/>
+                      <a:endParaRPr lang="es-MX" sz="1400" b="0" i="0" u="none" strike="noStrike" cap="none" spc="0" dirty="0">
+                        <a:solidFill>
+                          <a:srgbClr val="FF0000"/>
                         </a:solidFill>
                         <a:effectLst/>
                         <a:latin typeface="Calibri" panose="020F0502020204030204" pitchFamily="34" charset="0"/>
@@ -16786,7 +17223,7 @@
                       <a:r>
                         <a:rPr lang="es-MX" sz="1400" u="none" strike="noStrike" cap="none" spc="0">
                           <a:solidFill>
-                            <a:schemeClr val="tx1"/>
+                            <a:srgbClr val="FF0000"/>
                           </a:solidFill>
                           <a:effectLst/>
                         </a:rPr>
@@ -16794,7 +17231,7 @@
                       </a:r>
                       <a:endParaRPr lang="es-MX" sz="1400" b="0" i="0" u="none" strike="noStrike" cap="none" spc="0">
                         <a:solidFill>
-                          <a:schemeClr val="tx1"/>
+                          <a:srgbClr val="FF0000"/>
                         </a:solidFill>
                         <a:effectLst/>
                         <a:latin typeface="Calibri" panose="020F0502020204030204" pitchFamily="34" charset="0"/>
@@ -16852,17 +17289,17 @@
                     <a:p>
                       <a:pPr algn="ctr" fontAlgn="ctr"/>
                       <a:r>
-                        <a:rPr lang="es-MX" sz="1400" u="none" strike="noStrike" cap="none" spc="0">
+                        <a:rPr lang="es-MX" sz="1400" u="none" strike="noStrike" cap="none" spc="0" dirty="0">
                           <a:solidFill>
-                            <a:schemeClr val="tx1"/>
+                            <a:srgbClr val="FF0000"/>
                           </a:solidFill>
                           <a:effectLst/>
                         </a:rPr>
                         <a:t>0.0368</a:t>
                       </a:r>
-                      <a:endParaRPr lang="es-MX" sz="1400" b="0" i="0" u="none" strike="noStrike" cap="none" spc="0">
-                        <a:solidFill>
-                          <a:schemeClr val="tx1"/>
+                      <a:endParaRPr lang="es-MX" sz="1400" b="0" i="0" u="none" strike="noStrike" cap="none" spc="0" dirty="0">
+                        <a:solidFill>
+                          <a:srgbClr val="FF0000"/>
                         </a:solidFill>
                         <a:effectLst/>
                         <a:latin typeface="Calibri" panose="020F0502020204030204" pitchFamily="34" charset="0"/>
@@ -16920,17 +17357,17 @@
                     <a:p>
                       <a:pPr algn="ctr" fontAlgn="ctr"/>
                       <a:r>
-                        <a:rPr lang="es-MX" sz="1400" u="none" strike="noStrike" cap="none" spc="0">
+                        <a:rPr lang="es-MX" sz="1400" u="none" strike="noStrike" cap="none" spc="0" dirty="0">
                           <a:solidFill>
-                            <a:schemeClr val="tx1"/>
+                            <a:srgbClr val="FF0000"/>
                           </a:solidFill>
                           <a:effectLst/>
                         </a:rPr>
                         <a:t>0.01376</a:t>
                       </a:r>
-                      <a:endParaRPr lang="es-MX" sz="1400" b="0" i="0" u="none" strike="noStrike" cap="none" spc="0">
-                        <a:solidFill>
-                          <a:schemeClr val="tx1"/>
+                      <a:endParaRPr lang="es-MX" sz="1400" b="0" i="0" u="none" strike="noStrike" cap="none" spc="0" dirty="0">
+                        <a:solidFill>
+                          <a:srgbClr val="FF0000"/>
                         </a:solidFill>
                         <a:effectLst/>
                         <a:latin typeface="Calibri" panose="020F0502020204030204" pitchFamily="34" charset="0"/>
@@ -17403,7 +17840,7 @@
                     <a:p>
                       <a:pPr algn="ctr" fontAlgn="b"/>
                       <a:r>
-                        <a:rPr lang="el-GR" sz="1400" u="none" strike="noStrike" cap="none" spc="0">
+                        <a:rPr lang="el-GR" sz="1400" u="none" strike="noStrike" cap="none" spc="0" dirty="0">
                           <a:solidFill>
                             <a:schemeClr val="tx1"/>
                           </a:solidFill>
@@ -17411,7 +17848,7 @@
                         </a:rPr>
                         <a:t>β</a:t>
                       </a:r>
-                      <a:endParaRPr lang="el-GR" sz="1400" b="1" i="0" u="none" strike="noStrike" cap="none" spc="0">
+                      <a:endParaRPr lang="el-GR" sz="1400" b="1" i="0" u="none" strike="noStrike" cap="none" spc="0" dirty="0">
                         <a:solidFill>
                           <a:schemeClr val="tx1"/>
                         </a:solidFill>
@@ -17481,7 +17918,7 @@
                     <a:p>
                       <a:pPr algn="ctr" fontAlgn="ctr"/>
                       <a:r>
-                        <a:rPr lang="es-MX" sz="1400" u="none" strike="noStrike" cap="none" spc="0">
+                        <a:rPr lang="es-MX" sz="1400" u="none" strike="noStrike" cap="none" spc="0" dirty="0">
                           <a:solidFill>
                             <a:schemeClr val="tx1"/>
                           </a:solidFill>
@@ -17489,7 +17926,7 @@
                         </a:rPr>
                         <a:t>t</a:t>
                       </a:r>
-                      <a:endParaRPr lang="es-MX" sz="1400" b="1" i="0" u="none" strike="noStrike" cap="none" spc="0">
+                      <a:endParaRPr lang="es-MX" sz="1400" b="1" i="0" u="none" strike="noStrike" cap="none" spc="0" dirty="0">
                         <a:solidFill>
                           <a:schemeClr val="tx1"/>
                         </a:solidFill>
@@ -17974,7 +18411,7 @@
                     <a:p>
                       <a:pPr algn="ctr" fontAlgn="b"/>
                       <a:r>
-                        <a:rPr lang="es-MX" sz="1400" u="none" strike="noStrike" cap="none" spc="0">
+                        <a:rPr lang="es-MX" sz="1400" u="none" strike="noStrike" cap="none" spc="0" dirty="0">
                           <a:solidFill>
                             <a:schemeClr val="tx1"/>
                           </a:solidFill>
@@ -17982,7 +18419,7 @@
                         </a:rPr>
                         <a:t>6656.664</a:t>
                       </a:r>
-                      <a:endParaRPr lang="es-MX" sz="1400" b="0" i="0" u="none" strike="noStrike" cap="none" spc="0">
+                      <a:endParaRPr lang="es-MX" sz="1400" b="0" i="0" u="none" strike="noStrike" cap="none" spc="0" dirty="0">
                         <a:solidFill>
                           <a:schemeClr val="tx1"/>
                         </a:solidFill>
@@ -19048,7 +19485,7 @@
                     <a:p>
                       <a:pPr algn="ctr" fontAlgn="ctr"/>
                       <a:r>
-                        <a:rPr lang="es-MX" sz="1400" u="none" strike="noStrike" cap="none" spc="0">
+                        <a:rPr lang="es-MX" sz="1400" u="none" strike="noStrike" cap="none" spc="0" dirty="0">
                           <a:solidFill>
                             <a:schemeClr val="tx1"/>
                           </a:solidFill>
@@ -19056,7 +19493,7 @@
                         </a:rPr>
                         <a:t>ESCOLARIDAD </a:t>
                       </a:r>
-                      <a:endParaRPr lang="es-MX" sz="1400" b="0" i="0" u="none" strike="noStrike" cap="none" spc="0">
+                      <a:endParaRPr lang="es-MX" sz="1400" b="0" i="0" u="none" strike="noStrike" cap="none" spc="0" dirty="0">
                         <a:solidFill>
                           <a:schemeClr val="tx1"/>
                         </a:solidFill>
@@ -19194,7 +19631,7 @@
                     <a:p>
                       <a:pPr algn="ctr" fontAlgn="ctr"/>
                       <a:r>
-                        <a:rPr lang="es-MX" sz="1400" u="none" strike="noStrike" cap="none" spc="0">
+                        <a:rPr lang="es-MX" sz="1400" u="none" strike="noStrike" cap="none" spc="0" dirty="0">
                           <a:solidFill>
                             <a:schemeClr val="tx1"/>
                           </a:solidFill>
@@ -19202,7 +19639,7 @@
                         </a:rPr>
                         <a:t>-2.122</a:t>
                       </a:r>
-                      <a:endParaRPr lang="es-MX" sz="1400" b="0" i="0" u="none" strike="noStrike" cap="none" spc="0">
+                      <a:endParaRPr lang="es-MX" sz="1400" b="0" i="0" u="none" strike="noStrike" cap="none" spc="0" dirty="0">
                         <a:solidFill>
                           <a:schemeClr val="tx1"/>
                         </a:solidFill>
@@ -19262,7 +19699,7 @@
                     <a:p>
                       <a:pPr algn="ctr" fontAlgn="ctr"/>
                       <a:r>
-                        <a:rPr lang="es-MX" sz="1400" u="none" strike="noStrike" cap="none" spc="0">
+                        <a:rPr lang="es-MX" sz="1400" u="none" strike="noStrike" cap="none" spc="0" dirty="0">
                           <a:solidFill>
                             <a:schemeClr val="tx1"/>
                           </a:solidFill>
@@ -19270,7 +19707,7 @@
                         </a:rPr>
                         <a:t>0.035</a:t>
                       </a:r>
-                      <a:endParaRPr lang="es-MX" sz="1400" b="0" i="0" u="none" strike="noStrike" cap="none" spc="0">
+                      <a:endParaRPr lang="es-MX" sz="1400" b="0" i="0" u="none" strike="noStrike" cap="none" spc="0" dirty="0">
                         <a:solidFill>
                           <a:schemeClr val="tx1"/>
                         </a:solidFill>
@@ -19687,7 +20124,7 @@
                     <a:p>
                       <a:pPr algn="ctr" fontAlgn="b"/>
                       <a:r>
-                        <a:rPr lang="es-MX" sz="1400" u="none" strike="noStrike" cap="none" spc="0">
+                        <a:rPr lang="es-MX" sz="1400" u="none" strike="noStrike" cap="none" spc="0" dirty="0">
                           <a:solidFill>
                             <a:schemeClr val="tx1"/>
                           </a:solidFill>
@@ -19695,7 +20132,7 @@
                         </a:rPr>
                         <a:t>-251.288</a:t>
                       </a:r>
-                      <a:endParaRPr lang="es-MX" sz="1400" b="0" i="0" u="none" strike="noStrike" cap="none" spc="0">
+                      <a:endParaRPr lang="es-MX" sz="1400" b="0" i="0" u="none" strike="noStrike" cap="none" spc="0" dirty="0">
                         <a:solidFill>
                           <a:schemeClr val="tx1"/>
                         </a:solidFill>
@@ -20761,17 +21198,26 @@
                     <a:p>
                       <a:pPr algn="ctr" fontAlgn="ctr"/>
                       <a:r>
-                        <a:rPr lang="es-MX" sz="1400" u="none" strike="noStrike" cap="none" spc="0">
+                        <a:rPr lang="es-MX" sz="1400" u="none" strike="noStrike" cap="none" spc="0" dirty="0" err="1">
                           <a:solidFill>
-                            <a:schemeClr val="tx1"/>
+                            <a:srgbClr val="FF0000"/>
                           </a:solidFill>
                           <a:effectLst/>
                         </a:rPr>
-                        <a:t>ESCOLARIDAD:MoCA  </a:t>
-                      </a:r>
-                      <a:endParaRPr lang="es-MX" sz="1400" b="0" i="0" u="none" strike="noStrike" cap="none" spc="0">
-                        <a:solidFill>
-                          <a:schemeClr val="tx1"/>
+                        <a:t>ESCOLARIDAD:MoCA</a:t>
+                      </a:r>
+                      <a:r>
+                        <a:rPr lang="es-MX" sz="1400" u="none" strike="noStrike" cap="none" spc="0" dirty="0">
+                          <a:solidFill>
+                            <a:srgbClr val="FF0000"/>
+                          </a:solidFill>
+                          <a:effectLst/>
+                        </a:rPr>
+                        <a:t>  </a:t>
+                      </a:r>
+                      <a:endParaRPr lang="es-MX" sz="1400" b="0" i="0" u="none" strike="noStrike" cap="none" spc="0" dirty="0">
+                        <a:solidFill>
+                          <a:srgbClr val="FF0000"/>
                         </a:solidFill>
                         <a:effectLst/>
                         <a:latin typeface="Calibri" panose="020F0502020204030204" pitchFamily="34" charset="0"/>
@@ -20829,17 +21275,17 @@
                     <a:p>
                       <a:pPr algn="ctr" fontAlgn="b"/>
                       <a:r>
-                        <a:rPr lang="es-MX" sz="1400" u="none" strike="noStrike" cap="none" spc="0">
+                        <a:rPr lang="es-MX" sz="1400" u="none" strike="noStrike" cap="none" spc="0" dirty="0">
                           <a:solidFill>
-                            <a:schemeClr val="tx1"/>
+                            <a:srgbClr val="FF0000"/>
                           </a:solidFill>
                           <a:effectLst/>
                         </a:rPr>
                         <a:t>16.175</a:t>
                       </a:r>
-                      <a:endParaRPr lang="es-MX" sz="1400" b="0" i="0" u="none" strike="noStrike" cap="none" spc="0">
-                        <a:solidFill>
-                          <a:schemeClr val="tx1"/>
+                      <a:endParaRPr lang="es-MX" sz="1400" b="0" i="0" u="none" strike="noStrike" cap="none" spc="0" dirty="0">
+                        <a:solidFill>
+                          <a:srgbClr val="FF0000"/>
                         </a:solidFill>
                         <a:effectLst/>
                         <a:latin typeface="Calibri" panose="020F0502020204030204" pitchFamily="34" charset="0"/>
@@ -20907,17 +21353,17 @@
                     <a:p>
                       <a:pPr algn="ctr" fontAlgn="ctr"/>
                       <a:r>
-                        <a:rPr lang="es-MX" sz="1400" u="none" strike="noStrike" cap="none" spc="0">
+                        <a:rPr lang="es-MX" sz="1400" u="none" strike="noStrike" cap="none" spc="0" dirty="0">
                           <a:solidFill>
-                            <a:schemeClr val="tx1"/>
+                            <a:srgbClr val="FF0000"/>
                           </a:solidFill>
                           <a:effectLst/>
                         </a:rPr>
                         <a:t>2.211</a:t>
                       </a:r>
-                      <a:endParaRPr lang="es-MX" sz="1400" b="0" i="0" u="none" strike="noStrike" cap="none" spc="0">
-                        <a:solidFill>
-                          <a:schemeClr val="tx1"/>
+                      <a:endParaRPr lang="es-MX" sz="1400" b="0" i="0" u="none" strike="noStrike" cap="none" spc="0" dirty="0">
+                        <a:solidFill>
+                          <a:srgbClr val="FF0000"/>
                         </a:solidFill>
                         <a:effectLst/>
                         <a:latin typeface="Calibri" panose="020F0502020204030204" pitchFamily="34" charset="0"/>
@@ -20975,17 +21421,17 @@
                     <a:p>
                       <a:pPr algn="ctr" fontAlgn="ctr"/>
                       <a:r>
-                        <a:rPr lang="es-MX" sz="1400" u="none" strike="noStrike" cap="none" spc="0">
+                        <a:rPr lang="es-MX" sz="1400" u="none" strike="noStrike" cap="none" spc="0" dirty="0">
                           <a:solidFill>
-                            <a:schemeClr val="tx1"/>
+                            <a:srgbClr val="FF0000"/>
                           </a:solidFill>
                           <a:effectLst/>
                         </a:rPr>
                         <a:t>0.0281</a:t>
                       </a:r>
-                      <a:endParaRPr lang="es-MX" sz="1400" b="0" i="0" u="none" strike="noStrike" cap="none" spc="0">
-                        <a:solidFill>
-                          <a:schemeClr val="tx1"/>
+                      <a:endParaRPr lang="es-MX" sz="1400" b="0" i="0" u="none" strike="noStrike" cap="none" spc="0" dirty="0">
+                        <a:solidFill>
+                          <a:srgbClr val="FF0000"/>
                         </a:solidFill>
                         <a:effectLst/>
                         <a:latin typeface="Calibri" panose="020F0502020204030204" pitchFamily="34" charset="0"/>
@@ -23309,7 +23755,7 @@
           <p:nvPr>
             <p:extLst>
               <p:ext uri="{D42A27DB-BD31-4B8C-83A1-F6EECF244321}">
-                <p14:modId xmlns:p14="http://schemas.microsoft.com/office/powerpoint/2010/main" val="1184515094"/>
+                <p14:modId xmlns:p14="http://schemas.microsoft.com/office/powerpoint/2010/main" val="2366517349"/>
               </p:ext>
             </p:extLst>
           </p:nvPr>
@@ -24479,12 +24925,87 @@
                     <a:p>
                       <a:pPr algn="ctr" fontAlgn="ctr"/>
                       <a:r>
-                        <a:rPr lang="es-ES" sz="1100" u="none" strike="noStrike">
-                          <a:effectLst/>
-                        </a:rPr>
-                        <a:t>value ~ EDAD + MoCA + CRI_Total + EDAD:MoCA + MoCA:CRI_Total</a:t>
-                      </a:r>
-                      <a:endParaRPr lang="es-ES" sz="1100" b="0" i="0" u="none" strike="noStrike">
+                        <a:rPr lang="es-ES" sz="1100" u="none" strike="noStrike" dirty="0" err="1">
+                          <a:solidFill>
+                            <a:srgbClr val="FF0000"/>
+                          </a:solidFill>
+                          <a:effectLst/>
+                        </a:rPr>
+                        <a:t>value</a:t>
+                      </a:r>
+                      <a:r>
+                        <a:rPr lang="es-ES" sz="1100" u="none" strike="noStrike" dirty="0">
+                          <a:solidFill>
+                            <a:srgbClr val="FF0000"/>
+                          </a:solidFill>
+                          <a:effectLst/>
+                        </a:rPr>
+                        <a:t> ~ EDAD + </a:t>
+                      </a:r>
+                      <a:r>
+                        <a:rPr lang="es-ES" sz="1100" u="none" strike="noStrike" dirty="0" err="1">
+                          <a:solidFill>
+                            <a:srgbClr val="FF0000"/>
+                          </a:solidFill>
+                          <a:effectLst/>
+                        </a:rPr>
+                        <a:t>MoCA</a:t>
+                      </a:r>
+                      <a:r>
+                        <a:rPr lang="es-ES" sz="1100" u="none" strike="noStrike" dirty="0">
+                          <a:solidFill>
+                            <a:srgbClr val="FF0000"/>
+                          </a:solidFill>
+                          <a:effectLst/>
+                        </a:rPr>
+                        <a:t> + </a:t>
+                      </a:r>
+                      <a:r>
+                        <a:rPr lang="es-ES" sz="1100" u="none" strike="noStrike" dirty="0" err="1">
+                          <a:solidFill>
+                            <a:srgbClr val="FF0000"/>
+                          </a:solidFill>
+                          <a:effectLst/>
+                        </a:rPr>
+                        <a:t>CRI_Total</a:t>
+                      </a:r>
+                      <a:r>
+                        <a:rPr lang="es-ES" sz="1100" u="none" strike="noStrike" dirty="0">
+                          <a:solidFill>
+                            <a:srgbClr val="FF0000"/>
+                          </a:solidFill>
+                          <a:effectLst/>
+                        </a:rPr>
+                        <a:t> + </a:t>
+                      </a:r>
+                      <a:r>
+                        <a:rPr lang="es-ES" sz="1100" u="none" strike="noStrike" dirty="0" err="1">
+                          <a:solidFill>
+                            <a:srgbClr val="FF0000"/>
+                          </a:solidFill>
+                          <a:effectLst/>
+                        </a:rPr>
+                        <a:t>EDAD:MoCA</a:t>
+                      </a:r>
+                      <a:r>
+                        <a:rPr lang="es-ES" sz="1100" u="none" strike="noStrike" dirty="0">
+                          <a:solidFill>
+                            <a:srgbClr val="FF0000"/>
+                          </a:solidFill>
+                          <a:effectLst/>
+                        </a:rPr>
+                        <a:t> + </a:t>
+                      </a:r>
+                      <a:r>
+                        <a:rPr lang="es-ES" sz="1100" u="none" strike="noStrike" dirty="0" err="1">
+                          <a:solidFill>
+                            <a:srgbClr val="FF0000"/>
+                          </a:solidFill>
+                          <a:effectLst/>
+                        </a:rPr>
+                        <a:t>MoCA:CRI_Total</a:t>
+                      </a:r>
+                      <a:endParaRPr lang="es-ES" sz="1100" b="0" i="0" u="none" strike="noStrike" dirty="0">
                         <a:solidFill>
                           <a:srgbClr val="FF0000"/>
                         </a:solidFill>
@@ -24547,12 +25068,15 @@
                     <a:p>
                       <a:pPr algn="ctr" fontAlgn="ctr"/>
                       <a:r>
-                        <a:rPr lang="es-MX" sz="1100" u="none" strike="noStrike">
+                        <a:rPr lang="es-MX" sz="1100" u="none" strike="noStrike" dirty="0">
+                          <a:solidFill>
+                            <a:srgbClr val="FF0000"/>
+                          </a:solidFill>
                           <a:effectLst/>
                         </a:rPr>
                         <a:t>-343.23</a:t>
                       </a:r>
-                      <a:endParaRPr lang="es-MX" sz="1100" b="0" i="0" u="none" strike="noStrike">
+                      <a:endParaRPr lang="es-MX" sz="1100" b="0" i="0" u="none" strike="noStrike" dirty="0">
                         <a:solidFill>
                           <a:srgbClr val="FF0000"/>
                         </a:solidFill>
@@ -24615,12 +25139,15 @@
                     <a:p>
                       <a:pPr algn="ctr" fontAlgn="ctr"/>
                       <a:r>
-                        <a:rPr lang="es-MX" sz="1100" u="none" strike="noStrike">
+                        <a:rPr lang="es-MX" sz="1100" u="none" strike="noStrike" dirty="0">
+                          <a:solidFill>
+                            <a:srgbClr val="FF0000"/>
+                          </a:solidFill>
                           <a:effectLst/>
                         </a:rPr>
                         <a:t>5.948</a:t>
                       </a:r>
-                      <a:endParaRPr lang="es-MX" sz="1100" b="0" i="0" u="none" strike="noStrike">
+                      <a:endParaRPr lang="es-MX" sz="1100" b="0" i="0" u="none" strike="noStrike" dirty="0">
                         <a:solidFill>
                           <a:srgbClr val="FF0000"/>
                         </a:solidFill>
@@ -24683,12 +25210,15 @@
                     <a:p>
                       <a:pPr algn="ctr" fontAlgn="ctr"/>
                       <a:r>
-                        <a:rPr lang="es-MX" sz="1100" u="none" strike="noStrike">
+                        <a:rPr lang="es-MX" sz="1100" u="none" strike="noStrike" dirty="0">
+                          <a:solidFill>
+                            <a:srgbClr val="FF0000"/>
+                          </a:solidFill>
                           <a:effectLst/>
                         </a:rPr>
                         <a:t>0.1068</a:t>
                       </a:r>
-                      <a:endParaRPr lang="es-MX" sz="1100" b="0" i="0" u="none" strike="noStrike">
+                      <a:endParaRPr lang="es-MX" sz="1100" b="0" i="0" u="none" strike="noStrike" dirty="0">
                         <a:solidFill>
                           <a:srgbClr val="FF0000"/>
                         </a:solidFill>
@@ -24751,12 +25281,15 @@
                     <a:p>
                       <a:pPr algn="ctr" fontAlgn="ctr"/>
                       <a:r>
-                        <a:rPr lang="es-MX" sz="1100" u="none" strike="noStrike">
+                        <a:rPr lang="es-MX" sz="1100" u="none" strike="noStrike" dirty="0">
+                          <a:solidFill>
+                            <a:srgbClr val="FF0000"/>
+                          </a:solidFill>
                           <a:effectLst/>
                         </a:rPr>
                         <a:t>3.73E-05</a:t>
                       </a:r>
-                      <a:endParaRPr lang="es-MX" sz="1100" b="0" i="0" u="none" strike="noStrike">
+                      <a:endParaRPr lang="es-MX" sz="1100" b="0" i="0" u="none" strike="noStrike" dirty="0">
                         <a:solidFill>
                           <a:srgbClr val="FF0000"/>
                         </a:solidFill>
@@ -24819,12 +25352,51 @@
                     <a:p>
                       <a:pPr algn="ctr" fontAlgn="ctr"/>
                       <a:r>
-                        <a:rPr lang="es-ES" sz="1100" u="none" strike="noStrike">
-                          <a:effectLst/>
-                        </a:rPr>
-                        <a:t>value ~ EDAD * ESCOLARIDAD * MoCA * CRI_Total</a:t>
-                      </a:r>
-                      <a:endParaRPr lang="es-ES" sz="1100" b="0" i="0" u="none" strike="noStrike">
+                        <a:rPr lang="es-ES" sz="1100" u="none" strike="noStrike" dirty="0" err="1">
+                          <a:solidFill>
+                            <a:srgbClr val="FF0000"/>
+                          </a:solidFill>
+                          <a:effectLst/>
+                        </a:rPr>
+                        <a:t>value</a:t>
+                      </a:r>
+                      <a:r>
+                        <a:rPr lang="es-ES" sz="1100" u="none" strike="noStrike" dirty="0">
+                          <a:solidFill>
+                            <a:srgbClr val="FF0000"/>
+                          </a:solidFill>
+                          <a:effectLst/>
+                        </a:rPr>
+                        <a:t> ~ EDAD * ESCOLARIDAD * </a:t>
+                      </a:r>
+                      <a:r>
+                        <a:rPr lang="es-ES" sz="1100" u="none" strike="noStrike" dirty="0" err="1">
+                          <a:solidFill>
+                            <a:srgbClr val="FF0000"/>
+                          </a:solidFill>
+                          <a:effectLst/>
+                        </a:rPr>
+                        <a:t>MoCA</a:t>
+                      </a:r>
+                      <a:r>
+                        <a:rPr lang="es-ES" sz="1100" u="none" strike="noStrike" dirty="0">
+                          <a:solidFill>
+                            <a:srgbClr val="FF0000"/>
+                          </a:solidFill>
+                          <a:effectLst/>
+                        </a:rPr>
+                        <a:t> * </a:t>
+                      </a:r>
+                      <a:r>
+                        <a:rPr lang="es-ES" sz="1100" u="none" strike="noStrike" dirty="0" err="1">
+                          <a:solidFill>
+                            <a:srgbClr val="FF0000"/>
+                          </a:solidFill>
+                          <a:effectLst/>
+                        </a:rPr>
+                        <a:t>CRI_Total</a:t>
+                      </a:r>
+                      <a:endParaRPr lang="es-ES" sz="1100" b="0" i="0" u="none" strike="noStrike" dirty="0">
                         <a:solidFill>
                           <a:srgbClr val="FF0000"/>
                         </a:solidFill>
@@ -24887,12 +25459,15 @@
                     <a:p>
                       <a:pPr algn="ctr" fontAlgn="ctr"/>
                       <a:r>
-                        <a:rPr lang="es-MX" sz="1100" u="none" strike="noStrike">
+                        <a:rPr lang="es-MX" sz="1100" u="none" strike="noStrike" dirty="0">
+                          <a:solidFill>
+                            <a:srgbClr val="FF0000"/>
+                          </a:solidFill>
                           <a:effectLst/>
                         </a:rPr>
                         <a:t>-329.92</a:t>
                       </a:r>
-                      <a:endParaRPr lang="es-MX" sz="1100" b="0" i="0" u="none" strike="noStrike">
+                      <a:endParaRPr lang="es-MX" sz="1100" b="0" i="0" u="none" strike="noStrike" dirty="0">
                         <a:solidFill>
                           <a:srgbClr val="FF0000"/>
                         </a:solidFill>
@@ -24955,12 +25530,15 @@
                     <a:p>
                       <a:pPr algn="ctr" fontAlgn="ctr"/>
                       <a:r>
-                        <a:rPr lang="es-MX" sz="1100" u="none" strike="noStrike">
+                        <a:rPr lang="es-MX" sz="1100" u="none" strike="noStrike" dirty="0">
+                          <a:solidFill>
+                            <a:srgbClr val="FF0000"/>
+                          </a:solidFill>
                           <a:effectLst/>
                         </a:rPr>
                         <a:t>2.912</a:t>
                       </a:r>
-                      <a:endParaRPr lang="es-MX" sz="1100" b="0" i="0" u="none" strike="noStrike">
+                      <a:endParaRPr lang="es-MX" sz="1100" b="0" i="0" u="none" strike="noStrike" dirty="0">
                         <a:solidFill>
                           <a:srgbClr val="FF0000"/>
                         </a:solidFill>
@@ -25023,12 +25601,15 @@
                     <a:p>
                       <a:pPr algn="ctr" fontAlgn="ctr"/>
                       <a:r>
-                        <a:rPr lang="es-MX" sz="1100" u="none" strike="noStrike">
+                        <a:rPr lang="es-MX" sz="1100" u="none" strike="noStrike" dirty="0">
+                          <a:solidFill>
+                            <a:srgbClr val="FF0000"/>
+                          </a:solidFill>
                           <a:effectLst/>
                         </a:rPr>
                         <a:t>0.1217</a:t>
                       </a:r>
-                      <a:endParaRPr lang="es-MX" sz="1100" b="0" i="0" u="none" strike="noStrike">
+                      <a:endParaRPr lang="es-MX" sz="1100" b="0" i="0" u="none" strike="noStrike" dirty="0">
                         <a:solidFill>
                           <a:srgbClr val="FF0000"/>
                         </a:solidFill>
@@ -25091,12 +25672,15 @@
                     <a:p>
                       <a:pPr algn="ctr" fontAlgn="ctr"/>
                       <a:r>
-                        <a:rPr lang="es-MX" sz="1100" u="none" strike="noStrike">
+                        <a:rPr lang="es-MX" sz="1100" u="none" strike="noStrike" dirty="0">
+                          <a:solidFill>
+                            <a:srgbClr val="FF0000"/>
+                          </a:solidFill>
                           <a:effectLst/>
                         </a:rPr>
                         <a:t>3.61E-04</a:t>
                       </a:r>
-                      <a:endParaRPr lang="es-MX" sz="1100" b="0" i="0" u="none" strike="noStrike">
+                      <a:endParaRPr lang="es-MX" sz="1100" b="0" i="0" u="none" strike="noStrike" dirty="0">
                         <a:solidFill>
                           <a:srgbClr val="FF0000"/>
                         </a:solidFill>
@@ -26590,12 +27174,15 @@
                     <a:p>
                       <a:pPr algn="ctr" fontAlgn="ctr"/>
                       <a:r>
-                        <a:rPr lang="es-MX" sz="1100" u="none" strike="noStrike">
+                        <a:rPr lang="es-MX" sz="1100" u="none" strike="noStrike" dirty="0">
+                          <a:solidFill>
+                            <a:srgbClr val="FF0000"/>
+                          </a:solidFill>
                           <a:effectLst/>
                         </a:rPr>
                         <a:t>EDAD</a:t>
                       </a:r>
-                      <a:endParaRPr lang="es-MX" sz="1100" b="0" i="0" u="none" strike="noStrike">
+                      <a:endParaRPr lang="es-MX" sz="1100" b="0" i="0" u="none" strike="noStrike" dirty="0">
                         <a:solidFill>
                           <a:srgbClr val="FF0000"/>
                         </a:solidFill>
@@ -26658,14 +27245,17 @@
                     <a:p>
                       <a:pPr algn="ctr" fontAlgn="b"/>
                       <a:r>
-                        <a:rPr lang="es-MX" sz="1100" u="none" strike="noStrike">
+                        <a:rPr lang="es-MX" sz="1100" u="none" strike="noStrike" dirty="0">
+                          <a:solidFill>
+                            <a:srgbClr val="FF0000"/>
+                          </a:solidFill>
                           <a:effectLst/>
                         </a:rPr>
                         <a:t>-4.955</a:t>
                       </a:r>
-                      <a:endParaRPr lang="es-MX" sz="1100" b="0" i="0" u="none" strike="noStrike">
-                        <a:solidFill>
-                          <a:srgbClr val="000000"/>
+                      <a:endParaRPr lang="es-MX" sz="1100" b="0" i="0" u="none" strike="noStrike" dirty="0">
+                        <a:solidFill>
+                          <a:srgbClr val="FF0000"/>
                         </a:solidFill>
                         <a:effectLst/>
                         <a:latin typeface="Calibri" panose="020F0502020204030204" pitchFamily="34" charset="0"/>
@@ -26736,12 +27326,15 @@
                     <a:p>
                       <a:pPr algn="ctr" fontAlgn="ctr"/>
                       <a:r>
-                        <a:rPr lang="es-MX" sz="1100" u="none" strike="noStrike">
+                        <a:rPr lang="es-MX" sz="1100" u="none" strike="noStrike" dirty="0">
+                          <a:solidFill>
+                            <a:srgbClr val="FF0000"/>
+                          </a:solidFill>
                           <a:effectLst/>
                         </a:rPr>
                         <a:t>-2.116</a:t>
                       </a:r>
-                      <a:endParaRPr lang="es-MX" sz="1100" b="0" i="0" u="none" strike="noStrike">
+                      <a:endParaRPr lang="es-MX" sz="1100" b="0" i="0" u="none" strike="noStrike" dirty="0">
                         <a:solidFill>
                           <a:srgbClr val="FF0000"/>
                         </a:solidFill>
@@ -26804,12 +27397,15 @@
                     <a:p>
                       <a:pPr algn="ctr" fontAlgn="ctr"/>
                       <a:r>
-                        <a:rPr lang="es-MX" sz="1100" u="none" strike="noStrike">
+                        <a:rPr lang="es-MX" sz="1100" u="none" strike="noStrike" dirty="0">
+                          <a:solidFill>
+                            <a:srgbClr val="FF0000"/>
+                          </a:solidFill>
                           <a:effectLst/>
                         </a:rPr>
                         <a:t>0.03565</a:t>
                       </a:r>
-                      <a:endParaRPr lang="es-MX" sz="1100" b="0" i="0" u="none" strike="noStrike">
+                      <a:endParaRPr lang="es-MX" sz="1100" b="0" i="0" u="none" strike="noStrike" dirty="0">
                         <a:solidFill>
                           <a:srgbClr val="FF0000"/>
                         </a:solidFill>
@@ -27162,6 +27758,9 @@
                       <a:pPr algn="ctr" fontAlgn="ctr"/>
                       <a:r>
                         <a:rPr lang="es-MX" sz="1100" u="none" strike="noStrike">
+                          <a:solidFill>
+                            <a:srgbClr val="FF0000"/>
+                          </a:solidFill>
                           <a:effectLst/>
                         </a:rPr>
                         <a:t>ESCOLARIDAD </a:t>
@@ -27230,13 +27829,16 @@
                       <a:pPr algn="ctr" fontAlgn="b"/>
                       <a:r>
                         <a:rPr lang="es-MX" sz="1100" u="none" strike="noStrike">
+                          <a:solidFill>
+                            <a:srgbClr val="FF0000"/>
+                          </a:solidFill>
                           <a:effectLst/>
                         </a:rPr>
                         <a:t>-1.77E+01</a:t>
                       </a:r>
                       <a:endParaRPr lang="es-MX" sz="1100" b="0" i="0" u="none" strike="noStrike">
                         <a:solidFill>
-                          <a:srgbClr val="000000"/>
+                          <a:srgbClr val="FF0000"/>
                         </a:solidFill>
                         <a:effectLst/>
                         <a:latin typeface="Calibri" panose="020F0502020204030204" pitchFamily="34" charset="0"/>
@@ -27308,6 +27910,9 @@
                       <a:pPr algn="ctr" fontAlgn="ctr"/>
                       <a:r>
                         <a:rPr lang="es-MX" sz="1100" u="none" strike="noStrike">
+                          <a:solidFill>
+                            <a:srgbClr val="FF0000"/>
+                          </a:solidFill>
                           <a:effectLst/>
                         </a:rPr>
                         <a:t>-2.387</a:t>
@@ -27375,12 +27980,15 @@
                     <a:p>
                       <a:pPr algn="ctr" fontAlgn="ctr"/>
                       <a:r>
-                        <a:rPr lang="es-MX" sz="1100" u="none" strike="noStrike">
+                        <a:rPr lang="es-MX" sz="1100" u="none" strike="noStrike" dirty="0">
+                          <a:solidFill>
+                            <a:srgbClr val="FF0000"/>
+                          </a:solidFill>
                           <a:effectLst/>
                         </a:rPr>
                         <a:t>0.01796</a:t>
                       </a:r>
-                      <a:endParaRPr lang="es-MX" sz="1100" b="0" i="0" u="none" strike="noStrike">
+                      <a:endParaRPr lang="es-MX" sz="1100" b="0" i="0" u="none" strike="noStrike" dirty="0">
                         <a:solidFill>
                           <a:srgbClr val="FF0000"/>
                         </a:solidFill>
@@ -28021,12 +28629,24 @@
                     <a:p>
                       <a:pPr algn="ctr" fontAlgn="ctr"/>
                       <a:r>
-                        <a:rPr lang="es-MX" sz="1100" u="none" strike="noStrike">
-                          <a:effectLst/>
-                        </a:rPr>
-                        <a:t>CRI_Total  </a:t>
-                      </a:r>
-                      <a:endParaRPr lang="es-MX" sz="1100" b="0" i="0" u="none" strike="noStrike">
+                        <a:rPr lang="es-MX" sz="1100" u="none" strike="noStrike" dirty="0" err="1">
+                          <a:solidFill>
+                            <a:srgbClr val="FF0000"/>
+                          </a:solidFill>
+                          <a:effectLst/>
+                        </a:rPr>
+                        <a:t>CRI_Total</a:t>
+                      </a:r>
+                      <a:r>
+                        <a:rPr lang="es-MX" sz="1100" u="none" strike="noStrike" dirty="0">
+                          <a:solidFill>
+                            <a:srgbClr val="FF0000"/>
+                          </a:solidFill>
+                          <a:effectLst/>
+                        </a:rPr>
+                        <a:t>  </a:t>
+                      </a:r>
+                      <a:endParaRPr lang="es-MX" sz="1100" b="0" i="0" u="none" strike="noStrike" dirty="0">
                         <a:solidFill>
                           <a:srgbClr val="FF0000"/>
                         </a:solidFill>
@@ -28089,14 +28709,17 @@
                     <a:p>
                       <a:pPr algn="ctr" fontAlgn="b"/>
                       <a:r>
-                        <a:rPr lang="es-MX" sz="1100" u="none" strike="noStrike">
-                          <a:effectLst/>
-                        </a:rPr>
-                        <a:t>0.110826</a:t>
-                      </a:r>
-                      <a:endParaRPr lang="es-MX" sz="1100" b="0" i="0" u="none" strike="noStrike">
-                        <a:solidFill>
-                          <a:srgbClr val="000000"/>
+                        <a:rPr lang="es-MX" sz="1100" u="none" strike="noStrike" dirty="0">
+                          <a:solidFill>
+                            <a:srgbClr val="FF0000"/>
+                          </a:solidFill>
+                          <a:effectLst/>
+                        </a:rPr>
+                        <a:t>-0.110826</a:t>
+                      </a:r>
+                      <a:endParaRPr lang="es-MX" sz="1100" b="0" i="0" u="none" strike="noStrike" dirty="0">
+                        <a:solidFill>
+                          <a:srgbClr val="FF0000"/>
                         </a:solidFill>
                         <a:effectLst/>
                         <a:latin typeface="Calibri" panose="020F0502020204030204" pitchFamily="34" charset="0"/>
@@ -28167,12 +28790,15 @@
                     <a:p>
                       <a:pPr algn="ctr" fontAlgn="ctr"/>
                       <a:r>
-                        <a:rPr lang="es-MX" sz="1100" u="none" strike="noStrike">
+                        <a:rPr lang="es-MX" sz="1100" u="none" strike="noStrike" dirty="0">
+                          <a:solidFill>
+                            <a:srgbClr val="FF0000"/>
+                          </a:solidFill>
                           <a:effectLst/>
                         </a:rPr>
                         <a:t>2.047</a:t>
                       </a:r>
-                      <a:endParaRPr lang="es-MX" sz="1100" b="0" i="0" u="none" strike="noStrike">
+                      <a:endParaRPr lang="es-MX" sz="1100" b="0" i="0" u="none" strike="noStrike" dirty="0">
                         <a:solidFill>
                           <a:srgbClr val="FF0000"/>
                         </a:solidFill>
@@ -28235,12 +28861,15 @@
                     <a:p>
                       <a:pPr algn="ctr" fontAlgn="ctr"/>
                       <a:r>
-                        <a:rPr lang="es-MX" sz="1100" u="none" strike="noStrike">
+                        <a:rPr lang="es-MX" sz="1100" u="none" strike="noStrike" dirty="0">
+                          <a:solidFill>
+                            <a:srgbClr val="FF0000"/>
+                          </a:solidFill>
                           <a:effectLst/>
                         </a:rPr>
                         <a:t>0.042</a:t>
                       </a:r>
-                      <a:endParaRPr lang="es-MX" sz="1100" b="0" i="0" u="none" strike="noStrike">
+                      <a:endParaRPr lang="es-MX" sz="1100" b="0" i="0" u="none" strike="noStrike" dirty="0">
                         <a:solidFill>
                           <a:srgbClr val="FF0000"/>
                         </a:solidFill>
@@ -28874,12 +29503,15 @@
                     <a:p>
                       <a:pPr algn="ctr" fontAlgn="ctr"/>
                       <a:r>
-                        <a:rPr lang="es-MX" sz="1100" u="none" strike="noStrike">
+                        <a:rPr lang="es-MX" sz="1100" u="none" strike="noStrike" dirty="0">
+                          <a:solidFill>
+                            <a:srgbClr val="FF0000"/>
+                          </a:solidFill>
                           <a:effectLst/>
                         </a:rPr>
                         <a:t>EDAD:ESCOLARIDAD </a:t>
                       </a:r>
-                      <a:endParaRPr lang="es-MX" sz="1100" b="0" i="0" u="none" strike="noStrike">
+                      <a:endParaRPr lang="es-MX" sz="1100" b="0" i="0" u="none" strike="noStrike" dirty="0">
                         <a:solidFill>
                           <a:srgbClr val="FF0000"/>
                         </a:solidFill>
@@ -28942,14 +29574,17 @@
                     <a:p>
                       <a:pPr algn="ctr" fontAlgn="b"/>
                       <a:r>
-                        <a:rPr lang="es-MX" sz="1100" u="none" strike="noStrike">
+                        <a:rPr lang="es-MX" sz="1100" u="none" strike="noStrike" dirty="0">
+                          <a:solidFill>
+                            <a:srgbClr val="FF0000"/>
+                          </a:solidFill>
                           <a:effectLst/>
                         </a:rPr>
                         <a:t>3.49E-01</a:t>
                       </a:r>
-                      <a:endParaRPr lang="es-MX" sz="1100" b="0" i="0" u="none" strike="noStrike">
-                        <a:solidFill>
-                          <a:srgbClr val="000000"/>
+                      <a:endParaRPr lang="es-MX" sz="1100" b="0" i="0" u="none" strike="noStrike" dirty="0">
+                        <a:solidFill>
+                          <a:srgbClr val="FF0000"/>
                         </a:solidFill>
                         <a:effectLst/>
                         <a:latin typeface="Calibri" panose="020F0502020204030204" pitchFamily="34" charset="0"/>
@@ -29020,12 +29655,15 @@
                     <a:p>
                       <a:pPr algn="ctr" fontAlgn="ctr"/>
                       <a:r>
-                        <a:rPr lang="es-MX" sz="1100" u="none" strike="noStrike">
+                        <a:rPr lang="es-MX" sz="1100" u="none" strike="noStrike" dirty="0">
+                          <a:solidFill>
+                            <a:srgbClr val="FF0000"/>
+                          </a:solidFill>
                           <a:effectLst/>
                         </a:rPr>
                         <a:t>2.603</a:t>
                       </a:r>
-                      <a:endParaRPr lang="es-MX" sz="1100" b="0" i="0" u="none" strike="noStrike">
+                      <a:endParaRPr lang="es-MX" sz="1100" b="0" i="0" u="none" strike="noStrike" dirty="0">
                         <a:solidFill>
                           <a:srgbClr val="FF0000"/>
                         </a:solidFill>
@@ -29088,12 +29726,15 @@
                     <a:p>
                       <a:pPr algn="ctr" fontAlgn="ctr"/>
                       <a:r>
-                        <a:rPr lang="es-MX" sz="1100" u="none" strike="noStrike">
+                        <a:rPr lang="es-MX" sz="1100" u="none" strike="noStrike" dirty="0">
+                          <a:solidFill>
+                            <a:srgbClr val="FF0000"/>
+                          </a:solidFill>
                           <a:effectLst/>
                         </a:rPr>
                         <a:t>0.00998</a:t>
                       </a:r>
-                      <a:endParaRPr lang="es-MX" sz="1100" b="0" i="0" u="none" strike="noStrike">
+                      <a:endParaRPr lang="es-MX" sz="1100" b="0" i="0" u="none" strike="noStrike" dirty="0">
                         <a:solidFill>
                           <a:srgbClr val="FF0000"/>
                         </a:solidFill>
@@ -29446,6 +30087,9 @@
                       <a:pPr algn="ctr" fontAlgn="ctr"/>
                       <a:r>
                         <a:rPr lang="es-MX" sz="1100" u="none" strike="noStrike">
+                          <a:solidFill>
+                            <a:srgbClr val="FF0000"/>
+                          </a:solidFill>
                           <a:effectLst/>
                         </a:rPr>
                         <a:t>EDAD:MoCA </a:t>
@@ -29514,13 +30158,16 @@
                       <a:pPr algn="ctr" fontAlgn="b"/>
                       <a:r>
                         <a:rPr lang="es-MX" sz="1100" u="none" strike="noStrike">
+                          <a:solidFill>
+                            <a:srgbClr val="FF0000"/>
+                          </a:solidFill>
                           <a:effectLst/>
                         </a:rPr>
                         <a:t>1.74E-01</a:t>
                       </a:r>
                       <a:endParaRPr lang="es-MX" sz="1100" b="0" i="0" u="none" strike="noStrike">
                         <a:solidFill>
-                          <a:srgbClr val="000000"/>
+                          <a:srgbClr val="FF0000"/>
                         </a:solidFill>
                         <a:effectLst/>
                         <a:latin typeface="Calibri" panose="020F0502020204030204" pitchFamily="34" charset="0"/>
@@ -29592,6 +30239,9 @@
                       <a:pPr algn="ctr" fontAlgn="ctr"/>
                       <a:r>
                         <a:rPr lang="es-MX" sz="1100" u="none" strike="noStrike">
+                          <a:solidFill>
+                            <a:srgbClr val="FF0000"/>
+                          </a:solidFill>
                           <a:effectLst/>
                         </a:rPr>
                         <a:t>2.043</a:t>
@@ -29659,12 +30309,15 @@
                     <a:p>
                       <a:pPr algn="ctr" fontAlgn="ctr"/>
                       <a:r>
-                        <a:rPr lang="es-MX" sz="1100" u="none" strike="noStrike">
+                        <a:rPr lang="es-MX" sz="1100" u="none" strike="noStrike" dirty="0">
+                          <a:solidFill>
+                            <a:srgbClr val="FF0000"/>
+                          </a:solidFill>
                           <a:effectLst/>
                         </a:rPr>
                         <a:t>0.04237</a:t>
                       </a:r>
-                      <a:endParaRPr lang="es-MX" sz="1100" b="0" i="0" u="none" strike="noStrike">
+                      <a:endParaRPr lang="es-MX" sz="1100" b="0" i="0" u="none" strike="noStrike" dirty="0">
                         <a:solidFill>
                           <a:srgbClr val="FF0000"/>
                         </a:solidFill>
@@ -30017,6 +30670,9 @@
                       <a:pPr algn="ctr" fontAlgn="ctr"/>
                       <a:r>
                         <a:rPr lang="es-MX" sz="1100" u="none" strike="noStrike">
+                          <a:solidFill>
+                            <a:srgbClr val="FF0000"/>
+                          </a:solidFill>
                           <a:effectLst/>
                         </a:rPr>
                         <a:t>ESCOLARIDAD:MoCA</a:t>
@@ -30085,13 +30741,16 @@
                       <a:pPr algn="ctr" fontAlgn="b"/>
                       <a:r>
                         <a:rPr lang="es-MX" sz="1100" u="none" strike="noStrike">
+                          <a:solidFill>
+                            <a:srgbClr val="FF0000"/>
+                          </a:solidFill>
                           <a:effectLst/>
                         </a:rPr>
                         <a:t>6.23E-01</a:t>
                       </a:r>
                       <a:endParaRPr lang="es-MX" sz="1100" b="0" i="0" u="none" strike="noStrike">
                         <a:solidFill>
-                          <a:srgbClr val="000000"/>
+                          <a:srgbClr val="FF0000"/>
                         </a:solidFill>
                         <a:effectLst/>
                         <a:latin typeface="Calibri" panose="020F0502020204030204" pitchFamily="34" charset="0"/>
@@ -30163,6 +30822,9 @@
                       <a:pPr algn="ctr" fontAlgn="ctr"/>
                       <a:r>
                         <a:rPr lang="es-MX" sz="1100" u="none" strike="noStrike">
+                          <a:solidFill>
+                            <a:srgbClr val="FF0000"/>
+                          </a:solidFill>
                           <a:effectLst/>
                         </a:rPr>
                         <a:t>2.322</a:t>
@@ -30230,12 +30892,15 @@
                     <a:p>
                       <a:pPr algn="ctr" fontAlgn="ctr"/>
                       <a:r>
-                        <a:rPr lang="es-MX" sz="1100" u="none" strike="noStrike">
+                        <a:rPr lang="es-MX" sz="1100" u="none" strike="noStrike" dirty="0">
+                          <a:solidFill>
+                            <a:srgbClr val="FF0000"/>
+                          </a:solidFill>
                           <a:effectLst/>
                         </a:rPr>
                         <a:t>0.02131</a:t>
                       </a:r>
-                      <a:endParaRPr lang="es-MX" sz="1100" b="0" i="0" u="none" strike="noStrike">
+                      <a:endParaRPr lang="es-MX" sz="1100" b="0" i="0" u="none" strike="noStrike" dirty="0">
                         <a:solidFill>
                           <a:srgbClr val="FF0000"/>
                         </a:solidFill>
@@ -31447,12 +32112,24 @@
                     <a:p>
                       <a:pPr algn="ctr" fontAlgn="ctr"/>
                       <a:r>
-                        <a:rPr lang="es-MX" sz="1100" u="none" strike="noStrike">
-                          <a:effectLst/>
-                        </a:rPr>
-                        <a:t>MoCA:CRI_Total </a:t>
-                      </a:r>
-                      <a:endParaRPr lang="es-MX" sz="1100" b="0" i="0" u="none" strike="noStrike">
+                        <a:rPr lang="es-MX" sz="1100" u="none" strike="noStrike" dirty="0" err="1">
+                          <a:solidFill>
+                            <a:srgbClr val="FF0000"/>
+                          </a:solidFill>
+                          <a:effectLst/>
+                        </a:rPr>
+                        <a:t>MoCA:CRI_Total</a:t>
+                      </a:r>
+                      <a:r>
+                        <a:rPr lang="es-MX" sz="1100" u="none" strike="noStrike" dirty="0">
+                          <a:solidFill>
+                            <a:srgbClr val="FF0000"/>
+                          </a:solidFill>
+                          <a:effectLst/>
+                        </a:rPr>
+                        <a:t> </a:t>
+                      </a:r>
+                      <a:endParaRPr lang="es-MX" sz="1100" b="0" i="0" u="none" strike="noStrike" dirty="0">
                         <a:solidFill>
                           <a:srgbClr val="FF0000"/>
                         </a:solidFill>
@@ -31515,14 +32192,17 @@
                     <a:p>
                       <a:pPr algn="ctr" fontAlgn="b"/>
                       <a:r>
-                        <a:rPr lang="es-MX" sz="1100" u="none" strike="noStrike">
+                        <a:rPr lang="es-MX" sz="1100" u="none" strike="noStrike" dirty="0">
+                          <a:solidFill>
+                            <a:srgbClr val="FF0000"/>
+                          </a:solidFill>
                           <a:effectLst/>
                         </a:rPr>
                         <a:t>-0.003953</a:t>
                       </a:r>
-                      <a:endParaRPr lang="es-MX" sz="1100" b="0" i="0" u="none" strike="noStrike">
-                        <a:solidFill>
-                          <a:srgbClr val="000000"/>
+                      <a:endParaRPr lang="es-MX" sz="1100" b="0" i="0" u="none" strike="noStrike" dirty="0">
+                        <a:solidFill>
+                          <a:srgbClr val="FF0000"/>
                         </a:solidFill>
                         <a:effectLst/>
                         <a:latin typeface="Calibri" panose="020F0502020204030204" pitchFamily="34" charset="0"/>
@@ -31593,12 +32273,15 @@
                     <a:p>
                       <a:pPr algn="ctr" fontAlgn="ctr"/>
                       <a:r>
-                        <a:rPr lang="es-MX" sz="1100" u="none" strike="noStrike">
+                        <a:rPr lang="es-MX" sz="1100" u="none" strike="noStrike" dirty="0">
+                          <a:solidFill>
+                            <a:srgbClr val="FF0000"/>
+                          </a:solidFill>
                           <a:effectLst/>
                         </a:rPr>
                         <a:t>-1.985</a:t>
                       </a:r>
-                      <a:endParaRPr lang="es-MX" sz="1100" b="0" i="0" u="none" strike="noStrike">
+                      <a:endParaRPr lang="es-MX" sz="1100" b="0" i="0" u="none" strike="noStrike" dirty="0">
                         <a:solidFill>
                           <a:srgbClr val="FF0000"/>
                         </a:solidFill>
@@ -31661,12 +32344,15 @@
                     <a:p>
                       <a:pPr algn="ctr" fontAlgn="ctr"/>
                       <a:r>
-                        <a:rPr lang="es-MX" sz="1100" u="none" strike="noStrike">
+                        <a:rPr lang="es-MX" sz="1100" u="none" strike="noStrike" dirty="0">
+                          <a:solidFill>
+                            <a:srgbClr val="FF0000"/>
+                          </a:solidFill>
                           <a:effectLst/>
                         </a:rPr>
                         <a:t>0.0485</a:t>
                       </a:r>
-                      <a:endParaRPr lang="es-MX" sz="1100" b="0" i="0" u="none" strike="noStrike">
+                      <a:endParaRPr lang="es-MX" sz="1100" b="0" i="0" u="none" strike="noStrike" dirty="0">
                         <a:solidFill>
                           <a:srgbClr val="FF0000"/>
                         </a:solidFill>
@@ -32086,12 +32772,12 @@
                     <a:p>
                       <a:pPr algn="ctr" fontAlgn="b"/>
                       <a:r>
-                        <a:rPr lang="es-MX" sz="1100" u="none" strike="noStrike">
+                        <a:rPr lang="es-MX" sz="1100" u="none" strike="noStrike" dirty="0">
                           <a:effectLst/>
                         </a:rPr>
                         <a:t> </a:t>
                       </a:r>
-                      <a:endParaRPr lang="es-MX" sz="1100" b="0" i="0" u="none" strike="noStrike">
+                      <a:endParaRPr lang="es-MX" sz="1100" b="0" i="0" u="none" strike="noStrike" dirty="0">
                         <a:solidFill>
                           <a:srgbClr val="000000"/>
                         </a:solidFill>
@@ -32164,12 +32850,12 @@
                     <a:p>
                       <a:pPr algn="ctr" fontAlgn="ctr"/>
                       <a:r>
-                        <a:rPr lang="es-MX" sz="1100" u="none" strike="noStrike">
+                        <a:rPr lang="es-MX" sz="1100" u="none" strike="noStrike" dirty="0">
                           <a:effectLst/>
                         </a:rPr>
                         <a:t> </a:t>
                       </a:r>
-                      <a:endParaRPr lang="es-MX" sz="1100" b="0" i="0" u="none" strike="noStrike">
+                      <a:endParaRPr lang="es-MX" sz="1100" b="0" i="0" u="none" strike="noStrike" dirty="0">
                         <a:solidFill>
                           <a:srgbClr val="FF0000"/>
                         </a:solidFill>
@@ -32232,12 +32918,12 @@
                     <a:p>
                       <a:pPr algn="ctr" fontAlgn="ctr"/>
                       <a:r>
-                        <a:rPr lang="es-MX" sz="1100" u="none" strike="noStrike">
+                        <a:rPr lang="es-MX" sz="1100" u="none" strike="noStrike" dirty="0">
                           <a:effectLst/>
                         </a:rPr>
                         <a:t> </a:t>
                       </a:r>
-                      <a:endParaRPr lang="es-MX" sz="1100" b="0" i="0" u="none" strike="noStrike">
+                      <a:endParaRPr lang="es-MX" sz="1100" b="0" i="0" u="none" strike="noStrike" dirty="0">
                         <a:solidFill>
                           <a:srgbClr val="FF0000"/>
                         </a:solidFill>
@@ -32300,12 +32986,24 @@
                     <a:p>
                       <a:pPr algn="ctr" fontAlgn="ctr"/>
                       <a:r>
-                        <a:rPr lang="es-MX" sz="1100" u="none" strike="noStrike">
-                          <a:effectLst/>
-                        </a:rPr>
-                        <a:t>EDAD:ESCOLARIDAD:MoCA </a:t>
-                      </a:r>
-                      <a:endParaRPr lang="es-MX" sz="1100" b="0" i="0" u="none" strike="noStrike">
+                        <a:rPr lang="es-MX" sz="1100" u="none" strike="noStrike" dirty="0" err="1">
+                          <a:solidFill>
+                            <a:srgbClr val="FF0000"/>
+                          </a:solidFill>
+                          <a:effectLst/>
+                        </a:rPr>
+                        <a:t>EDAD:ESCOLARIDAD:MoCA</a:t>
+                      </a:r>
+                      <a:r>
+                        <a:rPr lang="es-MX" sz="1100" u="none" strike="noStrike" dirty="0">
+                          <a:solidFill>
+                            <a:srgbClr val="FF0000"/>
+                          </a:solidFill>
+                          <a:effectLst/>
+                        </a:rPr>
+                        <a:t> </a:t>
+                      </a:r>
+                      <a:endParaRPr lang="es-MX" sz="1100" b="0" i="0" u="none" strike="noStrike" dirty="0">
                         <a:solidFill>
                           <a:srgbClr val="FF0000"/>
                         </a:solidFill>
@@ -32368,14 +33066,17 @@
                     <a:p>
                       <a:pPr algn="ctr" fontAlgn="b"/>
                       <a:r>
-                        <a:rPr lang="es-MX" sz="1100" u="none" strike="noStrike">
+                        <a:rPr lang="es-MX" sz="1100" u="none" strike="noStrike" dirty="0">
+                          <a:solidFill>
+                            <a:srgbClr val="FF0000"/>
+                          </a:solidFill>
                           <a:effectLst/>
                         </a:rPr>
                         <a:t>-1.23E-02</a:t>
                       </a:r>
-                      <a:endParaRPr lang="es-MX" sz="1100" b="0" i="0" u="none" strike="noStrike">
-                        <a:solidFill>
-                          <a:srgbClr val="000000"/>
+                      <a:endParaRPr lang="es-MX" sz="1100" b="0" i="0" u="none" strike="noStrike" dirty="0">
+                        <a:solidFill>
+                          <a:srgbClr val="FF0000"/>
                         </a:solidFill>
                         <a:effectLst/>
                         <a:latin typeface="Calibri" panose="020F0502020204030204" pitchFamily="34" charset="0"/>
@@ -32446,12 +33147,15 @@
                     <a:p>
                       <a:pPr algn="ctr" fontAlgn="ctr"/>
                       <a:r>
-                        <a:rPr lang="es-MX" sz="1100" u="none" strike="noStrike">
+                        <a:rPr lang="es-MX" sz="1100" u="none" strike="noStrike" dirty="0">
+                          <a:solidFill>
+                            <a:srgbClr val="FF0000"/>
+                          </a:solidFill>
                           <a:effectLst/>
                         </a:rPr>
                         <a:t>-2.516</a:t>
                       </a:r>
-                      <a:endParaRPr lang="es-MX" sz="1100" b="0" i="0" u="none" strike="noStrike">
+                      <a:endParaRPr lang="es-MX" sz="1100" b="0" i="0" u="none" strike="noStrike" dirty="0">
                         <a:solidFill>
                           <a:srgbClr val="FF0000"/>
                         </a:solidFill>
@@ -32514,12 +33218,15 @@
                     <a:p>
                       <a:pPr algn="ctr" fontAlgn="ctr"/>
                       <a:r>
-                        <a:rPr lang="es-MX" sz="1100" u="none" strike="noStrike">
+                        <a:rPr lang="es-MX" sz="1100" u="none" strike="noStrike" dirty="0">
+                          <a:solidFill>
+                            <a:srgbClr val="FF0000"/>
+                          </a:solidFill>
                           <a:effectLst/>
                         </a:rPr>
                         <a:t>0.01269</a:t>
                       </a:r>
-                      <a:endParaRPr lang="es-MX" sz="1100" b="0" i="0" u="none" strike="noStrike">
+                      <a:endParaRPr lang="es-MX" sz="1100" b="0" i="0" u="none" strike="noStrike" dirty="0">
                         <a:solidFill>
                           <a:srgbClr val="FF0000"/>
                         </a:solidFill>
@@ -32803,12 +33510,12 @@
                     <a:p>
                       <a:pPr algn="ctr" fontAlgn="ctr"/>
                       <a:r>
-                        <a:rPr lang="es-MX" sz="1100" u="none" strike="noStrike">
+                        <a:rPr lang="es-MX" sz="1100" u="none" strike="noStrike" dirty="0">
                           <a:effectLst/>
                         </a:rPr>
                         <a:t> </a:t>
                       </a:r>
-                      <a:endParaRPr lang="es-MX" sz="1100" b="0" i="0" u="none" strike="noStrike">
+                      <a:endParaRPr lang="es-MX" sz="1100" b="0" i="0" u="none" strike="noStrike" dirty="0">
                         <a:solidFill>
                           <a:srgbClr val="FF0000"/>
                         </a:solidFill>
@@ -32871,12 +33578,24 @@
                     <a:p>
                       <a:pPr algn="ctr" fontAlgn="ctr"/>
                       <a:r>
-                        <a:rPr lang="es-MX" sz="1100" u="none" strike="noStrike">
-                          <a:effectLst/>
-                        </a:rPr>
-                        <a:t>EDAD:ESCOLARIDAD:CRI_Total  </a:t>
-                      </a:r>
-                      <a:endParaRPr lang="es-MX" sz="1100" b="0" i="0" u="none" strike="noStrike">
+                        <a:rPr lang="es-MX" sz="1100" u="none" strike="noStrike" dirty="0" err="1">
+                          <a:solidFill>
+                            <a:srgbClr val="FF0000"/>
+                          </a:solidFill>
+                          <a:effectLst/>
+                        </a:rPr>
+                        <a:t>EDAD:ESCOLARIDAD:CRI_Total</a:t>
+                      </a:r>
+                      <a:r>
+                        <a:rPr lang="es-MX" sz="1100" u="none" strike="noStrike" dirty="0">
+                          <a:solidFill>
+                            <a:srgbClr val="FF0000"/>
+                          </a:solidFill>
+                          <a:effectLst/>
+                        </a:rPr>
+                        <a:t>  </a:t>
+                      </a:r>
+                      <a:endParaRPr lang="es-MX" sz="1100" b="0" i="0" u="none" strike="noStrike" dirty="0">
                         <a:solidFill>
                           <a:srgbClr val="FF0000"/>
                         </a:solidFill>
@@ -32940,13 +33659,16 @@
                       <a:pPr algn="ctr" fontAlgn="b"/>
                       <a:r>
                         <a:rPr lang="es-MX" sz="1100" u="none" strike="noStrike">
+                          <a:solidFill>
+                            <a:srgbClr val="FF0000"/>
+                          </a:solidFill>
                           <a:effectLst/>
                         </a:rPr>
                         <a:t>-2.52E-03</a:t>
                       </a:r>
                       <a:endParaRPr lang="es-MX" sz="1100" b="0" i="0" u="none" strike="noStrike">
                         <a:solidFill>
-                          <a:srgbClr val="000000"/>
+                          <a:srgbClr val="FF0000"/>
                         </a:solidFill>
                         <a:effectLst/>
                         <a:latin typeface="Calibri" panose="020F0502020204030204" pitchFamily="34" charset="0"/>
@@ -33018,6 +33740,9 @@
                       <a:pPr algn="ctr" fontAlgn="ctr"/>
                       <a:r>
                         <a:rPr lang="es-MX" sz="1100" u="none" strike="noStrike">
+                          <a:solidFill>
+                            <a:srgbClr val="FF0000"/>
+                          </a:solidFill>
                           <a:effectLst/>
                         </a:rPr>
                         <a:t>-2.129</a:t>
@@ -33085,12 +33810,15 @@
                     <a:p>
                       <a:pPr algn="ctr" fontAlgn="ctr"/>
                       <a:r>
-                        <a:rPr lang="es-MX" sz="1100" u="none" strike="noStrike">
+                        <a:rPr lang="es-MX" sz="1100" u="none" strike="noStrike" dirty="0">
+                          <a:solidFill>
+                            <a:srgbClr val="FF0000"/>
+                          </a:solidFill>
                           <a:effectLst/>
                         </a:rPr>
                         <a:t>0.03453</a:t>
                       </a:r>
-                      <a:endParaRPr lang="es-MX" sz="1100" b="0" i="0" u="none" strike="noStrike">
+                      <a:endParaRPr lang="es-MX" sz="1100" b="0" i="0" u="none" strike="noStrike" dirty="0">
                         <a:solidFill>
                           <a:srgbClr val="FF0000"/>
                         </a:solidFill>
@@ -33945,12 +34673,12 @@
                     <a:p>
                       <a:pPr algn="ctr" fontAlgn="ctr"/>
                       <a:r>
-                        <a:rPr lang="es-MX" sz="1100" u="none" strike="noStrike">
+                        <a:rPr lang="es-MX" sz="1100" u="none" strike="noStrike" dirty="0">
                           <a:effectLst/>
                         </a:rPr>
                         <a:t> </a:t>
                       </a:r>
-                      <a:endParaRPr lang="es-MX" sz="1100" b="0" i="0" u="none" strike="noStrike">
+                      <a:endParaRPr lang="es-MX" sz="1100" b="0" i="0" u="none" strike="noStrike" dirty="0">
                         <a:solidFill>
                           <a:srgbClr val="FF0000"/>
                         </a:solidFill>
@@ -34584,12 +35312,24 @@
                     <a:p>
                       <a:pPr algn="ctr" fontAlgn="ctr"/>
                       <a:r>
-                        <a:rPr lang="es-ES" sz="1100" u="none" strike="noStrike">
-                          <a:effectLst/>
-                        </a:rPr>
-                        <a:t>EDAD:ESCOLARIDAD:MoCA:CRI_Total  </a:t>
-                      </a:r>
-                      <a:endParaRPr lang="es-ES" sz="1100" b="0" i="0" u="none" strike="noStrike">
+                        <a:rPr lang="es-ES" sz="1100" u="none" strike="noStrike" dirty="0" err="1">
+                          <a:solidFill>
+                            <a:srgbClr val="FF0000"/>
+                          </a:solidFill>
+                          <a:effectLst/>
+                        </a:rPr>
+                        <a:t>EDAD:ESCOLARIDAD:MoCA:CRI_Total</a:t>
+                      </a:r>
+                      <a:r>
+                        <a:rPr lang="es-ES" sz="1100" u="none" strike="noStrike" dirty="0">
+                          <a:solidFill>
+                            <a:srgbClr val="FF0000"/>
+                          </a:solidFill>
+                          <a:effectLst/>
+                        </a:rPr>
+                        <a:t>  </a:t>
+                      </a:r>
+                      <a:endParaRPr lang="es-ES" sz="1100" b="0" i="0" u="none" strike="noStrike" dirty="0">
                         <a:solidFill>
                           <a:srgbClr val="FF0000"/>
                         </a:solidFill>
@@ -34652,14 +35392,17 @@
                     <a:p>
                       <a:pPr algn="ctr" fontAlgn="b"/>
                       <a:r>
-                        <a:rPr lang="es-MX" sz="1100" u="none" strike="noStrike">
+                        <a:rPr lang="es-MX" sz="1100" u="none" strike="noStrike" dirty="0">
+                          <a:solidFill>
+                            <a:srgbClr val="FF0000"/>
+                          </a:solidFill>
                           <a:effectLst/>
                         </a:rPr>
                         <a:t>8.82E-05</a:t>
                       </a:r>
-                      <a:endParaRPr lang="es-MX" sz="1100" b="0" i="0" u="none" strike="noStrike">
-                        <a:solidFill>
-                          <a:srgbClr val="000000"/>
+                      <a:endParaRPr lang="es-MX" sz="1100" b="0" i="0" u="none" strike="noStrike" dirty="0">
+                        <a:solidFill>
+                          <a:srgbClr val="FF0000"/>
                         </a:solidFill>
                         <a:effectLst/>
                         <a:latin typeface="Calibri" panose="020F0502020204030204" pitchFamily="34" charset="0"/>
@@ -34730,12 +35473,15 @@
                     <a:p>
                       <a:pPr algn="ctr" fontAlgn="ctr"/>
                       <a:r>
-                        <a:rPr lang="es-MX" sz="1100" u="none" strike="noStrike">
+                        <a:rPr lang="es-MX" sz="1100" u="none" strike="noStrike" dirty="0">
+                          <a:solidFill>
+                            <a:srgbClr val="FF0000"/>
+                          </a:solidFill>
                           <a:effectLst/>
                         </a:rPr>
                         <a:t>2.042</a:t>
                       </a:r>
-                      <a:endParaRPr lang="es-MX" sz="1100" b="0" i="0" u="none" strike="noStrike">
+                      <a:endParaRPr lang="es-MX" sz="1100" b="0" i="0" u="none" strike="noStrike" dirty="0">
                         <a:solidFill>
                           <a:srgbClr val="FF0000"/>
                         </a:solidFill>
@@ -34799,6 +35545,9 @@
                       <a:pPr algn="ctr" fontAlgn="ctr"/>
                       <a:r>
                         <a:rPr lang="es-MX" sz="1100" u="none" strike="noStrike" dirty="0">
+                          <a:solidFill>
+                            <a:srgbClr val="FF0000"/>
+                          </a:solidFill>
                           <a:effectLst/>
                         </a:rPr>
                         <a:t>0.04257</a:t>
@@ -35080,7 +35829,7 @@
           <p:nvPr>
             <p:extLst>
               <p:ext uri="{D42A27DB-BD31-4B8C-83A1-F6EECF244321}">
-                <p14:modId xmlns:p14="http://schemas.microsoft.com/office/powerpoint/2010/main" val="2781981423"/>
+                <p14:modId xmlns:p14="http://schemas.microsoft.com/office/powerpoint/2010/main" val="4214446359"/>
               </p:ext>
             </p:extLst>
           </p:nvPr>
@@ -35315,12 +36064,12 @@
                     <a:p>
                       <a:pPr algn="ctr" fontAlgn="ctr"/>
                       <a:r>
-                        <a:rPr lang="es-MX" sz="1100" u="none" strike="noStrike">
+                        <a:rPr lang="es-MX" sz="1100" u="none" strike="noStrike" dirty="0">
                           <a:effectLst/>
                         </a:rPr>
                         <a:t>-0.124</a:t>
                       </a:r>
-                      <a:endParaRPr lang="es-MX" sz="1100" b="0" i="0" u="none" strike="noStrike">
+                      <a:endParaRPr lang="es-MX" sz="1100" b="0" i="0" u="none" strike="noStrike" dirty="0">
                         <a:solidFill>
                           <a:srgbClr val="000000"/>
                         </a:solidFill>
@@ -35460,12 +36209,12 @@
                     <a:p>
                       <a:pPr algn="ctr" fontAlgn="ctr"/>
                       <a:r>
-                        <a:rPr lang="es-MX" sz="1100" u="none" strike="noStrike">
-                          <a:effectLst/>
-                        </a:rPr>
-                        <a:t>0.110826</a:t>
-                      </a:r>
-                      <a:endParaRPr lang="es-MX" sz="1100" b="0" i="0" u="none" strike="noStrike">
+                        <a:rPr lang="es-MX" sz="1100" u="none" strike="noStrike" dirty="0">
+                          <a:effectLst/>
+                        </a:rPr>
+                        <a:t>-0.110826</a:t>
+                      </a:r>
+                      <a:endParaRPr lang="es-MX" sz="1100" b="0" i="0" u="none" strike="noStrike" dirty="0">
                         <a:solidFill>
                           <a:srgbClr val="000000"/>
                         </a:solidFill>

--- a/Regresiones lineales y modelo.pptx
+++ b/Regresiones lineales y modelo.pptx
@@ -269,7 +269,7 @@
           <a:p>
             <a:fld id="{53E4F345-E64C-4B17-AEB0-9F975538DF18}" type="datetimeFigureOut">
               <a:rPr lang="es-MX" smtClean="0"/>
-              <a:t>26/05/2023</a:t>
+              <a:t>30/05/2023</a:t>
             </a:fld>
             <a:endParaRPr lang="es-MX"/>
           </a:p>
@@ -469,7 +469,7 @@
           <a:p>
             <a:fld id="{53E4F345-E64C-4B17-AEB0-9F975538DF18}" type="datetimeFigureOut">
               <a:rPr lang="es-MX" smtClean="0"/>
-              <a:t>26/05/2023</a:t>
+              <a:t>30/05/2023</a:t>
             </a:fld>
             <a:endParaRPr lang="es-MX"/>
           </a:p>
@@ -679,7 +679,7 @@
           <a:p>
             <a:fld id="{53E4F345-E64C-4B17-AEB0-9F975538DF18}" type="datetimeFigureOut">
               <a:rPr lang="es-MX" smtClean="0"/>
-              <a:t>26/05/2023</a:t>
+              <a:t>30/05/2023</a:t>
             </a:fld>
             <a:endParaRPr lang="es-MX"/>
           </a:p>
@@ -879,7 +879,7 @@
           <a:p>
             <a:fld id="{53E4F345-E64C-4B17-AEB0-9F975538DF18}" type="datetimeFigureOut">
               <a:rPr lang="es-MX" smtClean="0"/>
-              <a:t>26/05/2023</a:t>
+              <a:t>30/05/2023</a:t>
             </a:fld>
             <a:endParaRPr lang="es-MX"/>
           </a:p>
@@ -1155,7 +1155,7 @@
           <a:p>
             <a:fld id="{53E4F345-E64C-4B17-AEB0-9F975538DF18}" type="datetimeFigureOut">
               <a:rPr lang="es-MX" smtClean="0"/>
-              <a:t>26/05/2023</a:t>
+              <a:t>30/05/2023</a:t>
             </a:fld>
             <a:endParaRPr lang="es-MX"/>
           </a:p>
@@ -1423,7 +1423,7 @@
           <a:p>
             <a:fld id="{53E4F345-E64C-4B17-AEB0-9F975538DF18}" type="datetimeFigureOut">
               <a:rPr lang="es-MX" smtClean="0"/>
-              <a:t>26/05/2023</a:t>
+              <a:t>30/05/2023</a:t>
             </a:fld>
             <a:endParaRPr lang="es-MX"/>
           </a:p>
@@ -1838,7 +1838,7 @@
           <a:p>
             <a:fld id="{53E4F345-E64C-4B17-AEB0-9F975538DF18}" type="datetimeFigureOut">
               <a:rPr lang="es-MX" smtClean="0"/>
-              <a:t>26/05/2023</a:t>
+              <a:t>30/05/2023</a:t>
             </a:fld>
             <a:endParaRPr lang="es-MX"/>
           </a:p>
@@ -1980,7 +1980,7 @@
           <a:p>
             <a:fld id="{53E4F345-E64C-4B17-AEB0-9F975538DF18}" type="datetimeFigureOut">
               <a:rPr lang="es-MX" smtClean="0"/>
-              <a:t>26/05/2023</a:t>
+              <a:t>30/05/2023</a:t>
             </a:fld>
             <a:endParaRPr lang="es-MX"/>
           </a:p>
@@ -2093,7 +2093,7 @@
           <a:p>
             <a:fld id="{53E4F345-E64C-4B17-AEB0-9F975538DF18}" type="datetimeFigureOut">
               <a:rPr lang="es-MX" smtClean="0"/>
-              <a:t>26/05/2023</a:t>
+              <a:t>30/05/2023</a:t>
             </a:fld>
             <a:endParaRPr lang="es-MX"/>
           </a:p>
@@ -2406,7 +2406,7 @@
           <a:p>
             <a:fld id="{53E4F345-E64C-4B17-AEB0-9F975538DF18}" type="datetimeFigureOut">
               <a:rPr lang="es-MX" smtClean="0"/>
-              <a:t>26/05/2023</a:t>
+              <a:t>30/05/2023</a:t>
             </a:fld>
             <a:endParaRPr lang="es-MX"/>
           </a:p>
@@ -2695,7 +2695,7 @@
           <a:p>
             <a:fld id="{53E4F345-E64C-4B17-AEB0-9F975538DF18}" type="datetimeFigureOut">
               <a:rPr lang="es-MX" smtClean="0"/>
-              <a:t>26/05/2023</a:t>
+              <a:t>30/05/2023</a:t>
             </a:fld>
             <a:endParaRPr lang="es-MX"/>
           </a:p>
@@ -2938,7 +2938,7 @@
           <a:p>
             <a:fld id="{53E4F345-E64C-4B17-AEB0-9F975538DF18}" type="datetimeFigureOut">
               <a:rPr lang="es-MX" smtClean="0"/>
-              <a:t>26/05/2023</a:t>
+              <a:t>30/05/2023</a:t>
             </a:fld>
             <a:endParaRPr lang="es-MX"/>
           </a:p>
@@ -3606,12 +3606,12 @@
                     <a:p>
                       <a:pPr algn="ctr" fontAlgn="ctr"/>
                       <a:r>
-                        <a:rPr lang="es-MX" sz="1100" u="none" strike="noStrike">
+                        <a:rPr lang="es-MX" sz="1100" u="none" strike="noStrike" dirty="0">
                           <a:effectLst/>
                         </a:rPr>
                         <a:t>EI</a:t>
                       </a:r>
-                      <a:endParaRPr lang="es-MX" sz="1100" b="1" i="0" u="none" strike="noStrike">
+                      <a:endParaRPr lang="es-MX" sz="1100" b="1" i="0" u="none" strike="noStrike" dirty="0">
                         <a:solidFill>
                           <a:srgbClr val="000000"/>
                         </a:solidFill>
@@ -13680,12 +13680,12 @@
                     <a:p>
                       <a:pPr algn="ctr" fontAlgn="ctr"/>
                       <a:r>
-                        <a:rPr lang="es-MX" sz="1100" u="none" strike="noStrike">
+                        <a:rPr lang="es-MX" sz="1100" u="none" strike="noStrike" dirty="0">
                           <a:effectLst/>
                         </a:rPr>
                         <a:t> </a:t>
                       </a:r>
-                      <a:endParaRPr lang="es-MX" sz="1100" b="0" i="0" u="none" strike="noStrike">
+                      <a:endParaRPr lang="es-MX" sz="1100" b="0" i="0" u="none" strike="noStrike" dirty="0">
                         <a:solidFill>
                           <a:srgbClr val="000000"/>
                         </a:solidFill>
@@ -15874,13 +15874,13 @@
           <p:nvPr>
             <p:extLst>
               <p:ext uri="{D42A27DB-BD31-4B8C-83A1-F6EECF244321}">
-                <p14:modId xmlns:p14="http://schemas.microsoft.com/office/powerpoint/2010/main" val="1055991756"/>
+                <p14:modId xmlns:p14="http://schemas.microsoft.com/office/powerpoint/2010/main" val="1277376150"/>
               </p:ext>
             </p:extLst>
           </p:nvPr>
         </p:nvGraphicFramePr>
         <p:xfrm>
-          <a:off x="643467" y="1200924"/>
+          <a:off x="643464" y="1200920"/>
           <a:ext cx="10905072" cy="4456159"/>
         </p:xfrm>
         <a:graphic>
@@ -15974,7 +15974,7 @@
                     <a:p>
                       <a:pPr algn="ctr" fontAlgn="ctr"/>
                       <a:r>
-                        <a:rPr lang="es-MX" sz="1400" u="none" strike="noStrike" cap="none" spc="0">
+                        <a:rPr lang="es-MX" sz="1400" u="none" strike="noStrike" cap="none" spc="0" dirty="0">
                           <a:solidFill>
                             <a:schemeClr val="tx1"/>
                           </a:solidFill>
@@ -15982,7 +15982,7 @@
                         </a:rPr>
                         <a:t>ÍNDICES ATENCIONALES</a:t>
                       </a:r>
-                      <a:endParaRPr lang="es-MX" sz="1400" b="1" i="0" u="none" strike="noStrike" cap="none" spc="0">
+                      <a:endParaRPr lang="es-MX" sz="1400" b="1" i="0" u="none" strike="noStrike" cap="none" spc="0" dirty="0">
                         <a:solidFill>
                           <a:schemeClr val="tx1"/>
                         </a:solidFill>
